--- a/Data Science/14.2 Problem Statements /1564524869_Problem_Statement_Worksheet_Template.pptx
+++ b/Data Science/14.2 Problem Statements /1564524869_Problem_Statement_Worksheet_Template.pptx
@@ -1,19 +1,19 @@
 
 <file path=ppt/presentation.xml><?xml version="1.0" encoding="utf-8"?>
-<p:presentation xmlns:a="http://schemas.openxmlformats.org/drawingml/2006/main" xmlns:r="http://schemas.openxmlformats.org/officeDocument/2006/relationships" xmlns:mc="http://schemas.openxmlformats.org/markup-compatibility/2006" xmlns:mv="urn:schemas-microsoft-com:mac:vml" xmlns:p="http://schemas.openxmlformats.org/presentationml/2006/main" xmlns:c="http://schemas.openxmlformats.org/drawingml/2006/chart" xmlns:dgm="http://schemas.openxmlformats.org/drawingml/2006/diagram" xmlns:o="urn:schemas-microsoft-com:office:office" xmlns:v="urn:schemas-microsoft-com:vml" xmlns:pvml="urn:schemas-microsoft-com:office:powerpoint" xmlns:com="http://schemas.openxmlformats.org/drawingml/2006/compatibility" xmlns:p14="http://schemas.microsoft.com/office/powerpoint/2010/main" xmlns:p15="http://schemas.microsoft.com/office/powerpoint/2012/main" autoCompressPictures="0" strictFirstAndLastChars="0" saveSubsetFonts="1">
+<p:presentation xmlns:a="http://schemas.openxmlformats.org/drawingml/2006/main" xmlns:r="http://schemas.openxmlformats.org/officeDocument/2006/relationships" xmlns:p="http://schemas.openxmlformats.org/presentationml/2006/main" strictFirstAndLastChars="0" saveSubsetFonts="1" autoCompressPictures="0">
   <p:sldMasterIdLst>
-    <p:sldMasterId id="2147483648" r:id="rId4"/>
+    <p:sldMasterId id="2147483648" r:id="rId1"/>
   </p:sldMasterIdLst>
   <p:notesMasterIdLst>
-    <p:notesMasterId r:id="rId5"/>
+    <p:notesMasterId r:id="rId3"/>
   </p:notesMasterIdLst>
   <p:sldIdLst>
-    <p:sldId id="256" r:id="rId6"/>
+    <p:sldId id="256" r:id="rId2"/>
   </p:sldIdLst>
-  <p:sldSz cy="6858000" cx="9144000"/>
+  <p:sldSz cx="9144000" cy="6858000" type="screen4x3"/>
   <p:notesSz cx="6858000" cy="9144000"/>
   <p:defaultTextStyle>
-    <a:defPPr lvl="0" marR="0" rtl="0" algn="l">
+    <a:defPPr marR="0" lvl="0" algn="l" rtl="0">
       <a:lnSpc>
         <a:spcPct val="100000"/>
       </a:lnSpc>
@@ -24,7 +24,7 @@
         <a:spcPts val="0"/>
       </a:spcAft>
     </a:defPPr>
-    <a:lvl1pPr lvl="0" marR="0" rtl="0" algn="l">
+    <a:lvl1pPr marR="0" lvl="0" algn="l" rtl="0">
       <a:lnSpc>
         <a:spcPct val="100000"/>
       </a:lnSpc>
@@ -38,7 +38,7 @@
         <a:srgbClr val="000000"/>
       </a:buClr>
       <a:buFont typeface="Arial"/>
-      <a:defRPr b="0" i="0" sz="1400" u="none" cap="none" strike="noStrike">
+      <a:defRPr sz="1400" b="0" i="0" u="none" strike="noStrike" cap="none">
         <a:solidFill>
           <a:srgbClr val="000000"/>
         </a:solidFill>
@@ -48,7 +48,7 @@
         <a:sym typeface="Arial"/>
       </a:defRPr>
     </a:lvl1pPr>
-    <a:lvl2pPr lvl="1" marR="0" rtl="0" algn="l">
+    <a:lvl2pPr marR="0" lvl="1" algn="l" rtl="0">
       <a:lnSpc>
         <a:spcPct val="100000"/>
       </a:lnSpc>
@@ -62,7 +62,7 @@
         <a:srgbClr val="000000"/>
       </a:buClr>
       <a:buFont typeface="Arial"/>
-      <a:defRPr b="0" i="0" sz="1400" u="none" cap="none" strike="noStrike">
+      <a:defRPr sz="1400" b="0" i="0" u="none" strike="noStrike" cap="none">
         <a:solidFill>
           <a:srgbClr val="000000"/>
         </a:solidFill>
@@ -72,7 +72,7 @@
         <a:sym typeface="Arial"/>
       </a:defRPr>
     </a:lvl2pPr>
-    <a:lvl3pPr lvl="2" marR="0" rtl="0" algn="l">
+    <a:lvl3pPr marR="0" lvl="2" algn="l" rtl="0">
       <a:lnSpc>
         <a:spcPct val="100000"/>
       </a:lnSpc>
@@ -86,7 +86,7 @@
         <a:srgbClr val="000000"/>
       </a:buClr>
       <a:buFont typeface="Arial"/>
-      <a:defRPr b="0" i="0" sz="1400" u="none" cap="none" strike="noStrike">
+      <a:defRPr sz="1400" b="0" i="0" u="none" strike="noStrike" cap="none">
         <a:solidFill>
           <a:srgbClr val="000000"/>
         </a:solidFill>
@@ -96,7 +96,7 @@
         <a:sym typeface="Arial"/>
       </a:defRPr>
     </a:lvl3pPr>
-    <a:lvl4pPr lvl="3" marR="0" rtl="0" algn="l">
+    <a:lvl4pPr marR="0" lvl="3" algn="l" rtl="0">
       <a:lnSpc>
         <a:spcPct val="100000"/>
       </a:lnSpc>
@@ -110,7 +110,7 @@
         <a:srgbClr val="000000"/>
       </a:buClr>
       <a:buFont typeface="Arial"/>
-      <a:defRPr b="0" i="0" sz="1400" u="none" cap="none" strike="noStrike">
+      <a:defRPr sz="1400" b="0" i="0" u="none" strike="noStrike" cap="none">
         <a:solidFill>
           <a:srgbClr val="000000"/>
         </a:solidFill>
@@ -120,7 +120,7 @@
         <a:sym typeface="Arial"/>
       </a:defRPr>
     </a:lvl4pPr>
-    <a:lvl5pPr lvl="4" marR="0" rtl="0" algn="l">
+    <a:lvl5pPr marR="0" lvl="4" algn="l" rtl="0">
       <a:lnSpc>
         <a:spcPct val="100000"/>
       </a:lnSpc>
@@ -134,7 +134,7 @@
         <a:srgbClr val="000000"/>
       </a:buClr>
       <a:buFont typeface="Arial"/>
-      <a:defRPr b="0" i="0" sz="1400" u="none" cap="none" strike="noStrike">
+      <a:defRPr sz="1400" b="0" i="0" u="none" strike="noStrike" cap="none">
         <a:solidFill>
           <a:srgbClr val="000000"/>
         </a:solidFill>
@@ -144,7 +144,7 @@
         <a:sym typeface="Arial"/>
       </a:defRPr>
     </a:lvl5pPr>
-    <a:lvl6pPr lvl="5" marR="0" rtl="0" algn="l">
+    <a:lvl6pPr marR="0" lvl="5" algn="l" rtl="0">
       <a:lnSpc>
         <a:spcPct val="100000"/>
       </a:lnSpc>
@@ -158,7 +158,7 @@
         <a:srgbClr val="000000"/>
       </a:buClr>
       <a:buFont typeface="Arial"/>
-      <a:defRPr b="0" i="0" sz="1400" u="none" cap="none" strike="noStrike">
+      <a:defRPr sz="1400" b="0" i="0" u="none" strike="noStrike" cap="none">
         <a:solidFill>
           <a:srgbClr val="000000"/>
         </a:solidFill>
@@ -168,7 +168,7 @@
         <a:sym typeface="Arial"/>
       </a:defRPr>
     </a:lvl6pPr>
-    <a:lvl7pPr lvl="6" marR="0" rtl="0" algn="l">
+    <a:lvl7pPr marR="0" lvl="6" algn="l" rtl="0">
       <a:lnSpc>
         <a:spcPct val="100000"/>
       </a:lnSpc>
@@ -182,7 +182,7 @@
         <a:srgbClr val="000000"/>
       </a:buClr>
       <a:buFont typeface="Arial"/>
-      <a:defRPr b="0" i="0" sz="1400" u="none" cap="none" strike="noStrike">
+      <a:defRPr sz="1400" b="0" i="0" u="none" strike="noStrike" cap="none">
         <a:solidFill>
           <a:srgbClr val="000000"/>
         </a:solidFill>
@@ -192,7 +192,7 @@
         <a:sym typeface="Arial"/>
       </a:defRPr>
     </a:lvl7pPr>
-    <a:lvl8pPr lvl="7" marR="0" rtl="0" algn="l">
+    <a:lvl8pPr marR="0" lvl="7" algn="l" rtl="0">
       <a:lnSpc>
         <a:spcPct val="100000"/>
       </a:lnSpc>
@@ -206,7 +206,7 @@
         <a:srgbClr val="000000"/>
       </a:buClr>
       <a:buFont typeface="Arial"/>
-      <a:defRPr b="0" i="0" sz="1400" u="none" cap="none" strike="noStrike">
+      <a:defRPr sz="1400" b="0" i="0" u="none" strike="noStrike" cap="none">
         <a:solidFill>
           <a:srgbClr val="000000"/>
         </a:solidFill>
@@ -216,7 +216,7 @@
         <a:sym typeface="Arial"/>
       </a:defRPr>
     </a:lvl8pPr>
-    <a:lvl9pPr lvl="8" marR="0" rtl="0" algn="l">
+    <a:lvl9pPr marR="0" lvl="8" algn="l" rtl="0">
       <a:lnSpc>
         <a:spcPct val="100000"/>
       </a:lnSpc>
@@ -230,7 +230,7 @@
         <a:srgbClr val="000000"/>
       </a:buClr>
       <a:buFont typeface="Arial"/>
-      <a:defRPr b="0" i="0" sz="1400" u="none" cap="none" strike="noStrike">
+      <a:defRPr sz="1400" b="0" i="0" u="none" strike="noStrike" cap="none">
         <a:solidFill>
           <a:srgbClr val="000000"/>
         </a:solidFill>
@@ -243,7 +243,7 @@
   </p:defaultTextStyle>
   <p:extLst>
     <p:ext uri="{EFAFB233-063F-42B5-8137-9DF3F51BA10A}">
-      <p15:sldGuideLst>
+      <p15:sldGuideLst xmlns:p15="http://schemas.microsoft.com/office/powerpoint/2012/main">
         <p15:guide id="1" orient="horz" pos="2160">
           <p15:clr>
             <a:srgbClr val="A4A3A4"/>
@@ -257,25 +257,26 @@
       </p15:sldGuideLst>
     </p:ext>
     <p:ext uri="http://customooxmlschemas.google.com/">
-      <go:slidesCustomData xmlns:go="http://customooxmlschemas.google.com/" r:id="rId7" roundtripDataSignature="AMtx7mjdo7FECp685JsX7/4pIVeoAktjNA=="/>
+      <go:slidesCustomData xmlns:go="http://customooxmlschemas.google.com/" xmlns:p15="http://schemas.microsoft.com/office/powerpoint/2012/main" xmlns:p14="http://schemas.microsoft.com/office/powerpoint/2010/main" xmlns:com="http://schemas.openxmlformats.org/drawingml/2006/compatibility" xmlns:pvml="urn:schemas-microsoft-com:office:powerpoint" xmlns:v="urn:schemas-microsoft-com:vml" xmlns:o="urn:schemas-microsoft-com:office:office" xmlns:dgm="http://schemas.openxmlformats.org/drawingml/2006/diagram" xmlns:c="http://schemas.openxmlformats.org/drawingml/2006/chart" xmlns:mv="urn:schemas-microsoft-com:mac:vml" xmlns:mc="http://schemas.openxmlformats.org/markup-compatibility/2006" xmlns="" r:id="rId7" roundtripDataSignature="AMtx7mjdo7FECp685JsX7/4pIVeoAktjNA=="/>
     </p:ext>
   </p:extLst>
 </p:presentation>
 </file>
 
 <file path=ppt/notesMasters/notesMaster1.xml><?xml version="1.0" encoding="utf-8"?>
-<p:notesMaster xmlns:a="http://schemas.openxmlformats.org/drawingml/2006/main" xmlns:r="http://schemas.openxmlformats.org/officeDocument/2006/relationships" xmlns:mc="http://schemas.openxmlformats.org/markup-compatibility/2006" xmlns:mv="urn:schemas-microsoft-com:mac:vml" xmlns:p="http://schemas.openxmlformats.org/presentationml/2006/main" xmlns:c="http://schemas.openxmlformats.org/drawingml/2006/chart" xmlns:dgm="http://schemas.openxmlformats.org/drawingml/2006/diagram" xmlns:o="urn:schemas-microsoft-com:office:office" xmlns:v="urn:schemas-microsoft-com:vml" xmlns:pvml="urn:schemas-microsoft-com:office:powerpoint" xmlns:com="http://schemas.openxmlformats.org/drawingml/2006/compatibility" xmlns:p14="http://schemas.microsoft.com/office/powerpoint/2010/main" xmlns:p15="http://schemas.microsoft.com/office/powerpoint/2012/main">
+<p:notesMaster xmlns:a="http://schemas.openxmlformats.org/drawingml/2006/main" xmlns:r="http://schemas.openxmlformats.org/officeDocument/2006/relationships" xmlns:p="http://schemas.openxmlformats.org/presentationml/2006/main">
   <p:cSld>
     <p:bg>
       <p:bgPr>
         <a:solidFill>
           <a:schemeClr val="lt1"/>
         </a:solidFill>
+        <a:effectLst/>
       </p:bgPr>
     </p:bg>
     <p:spTree>
       <p:nvGrpSpPr>
-        <p:cNvPr id="2" name="Shape 2"/>
+        <p:cNvPr id="1" name="Shape 2"/>
         <p:cNvGrpSpPr/>
         <p:nvPr/>
       </p:nvGrpSpPr>
@@ -290,9 +291,11 @@
       <p:sp>
         <p:nvSpPr>
           <p:cNvPr id="3" name="Google Shape;3;n"/>
-          <p:cNvSpPr txBox="1"/>
+          <p:cNvSpPr txBox="1">
+            <a:spLocks noGrp="1"/>
+          </p:cNvSpPr>
           <p:nvPr>
-            <p:ph idx="2" type="hdr"/>
+            <p:ph type="hdr" idx="2"/>
           </p:nvPr>
         </p:nvSpPr>
         <p:spPr>
@@ -309,27 +312,27 @@
           </a:ln>
         </p:spPr>
         <p:txBody>
-          <a:bodyPr anchorCtr="0" anchor="t" bIns="45700" lIns="91425" spcFirstLastPara="1" rIns="91425" wrap="square" tIns="45700">
+          <a:bodyPr spcFirstLastPara="1" wrap="square" lIns="91425" tIns="45700" rIns="91425" bIns="45700" anchor="t" anchorCtr="0">
             <a:noAutofit/>
           </a:bodyPr>
           <a:lstStyle>
-            <a:lvl1pPr lvl="0" marR="0" rtl="0" algn="l">
-              <a:lnSpc>
-                <a:spcPct val="100000"/>
-              </a:lnSpc>
-              <a:spcBef>
-                <a:spcPts val="0"/>
-              </a:spcBef>
-              <a:spcAft>
-                <a:spcPts val="0"/>
-              </a:spcAft>
-              <a:buClr>
-                <a:srgbClr val="000000"/>
-              </a:buClr>
-              <a:buSzPts val="1400"/>
-              <a:buFont typeface="Arial"/>
-              <a:buNone/>
-              <a:defRPr b="0" i="0" sz="1200" u="none" cap="none" strike="noStrike">
+            <a:lvl1pPr marR="0" lvl="0" algn="l" rtl="0">
+              <a:lnSpc>
+                <a:spcPct val="100000"/>
+              </a:lnSpc>
+              <a:spcBef>
+                <a:spcPts val="0"/>
+              </a:spcBef>
+              <a:spcAft>
+                <a:spcPts val="0"/>
+              </a:spcAft>
+              <a:buClr>
+                <a:srgbClr val="000000"/>
+              </a:buClr>
+              <a:buSzPts val="1400"/>
+              <a:buFont typeface="Arial"/>
+              <a:buNone/>
+              <a:defRPr sz="1200" b="0" i="0" u="none" strike="noStrike" cap="none">
                 <a:solidFill>
                   <a:schemeClr val="dk1"/>
                 </a:solidFill>
@@ -339,23 +342,23 @@
                 <a:sym typeface="Calibri"/>
               </a:defRPr>
             </a:lvl1pPr>
-            <a:lvl2pPr lvl="1" marR="0" rtl="0" algn="l">
-              <a:lnSpc>
-                <a:spcPct val="100000"/>
-              </a:lnSpc>
-              <a:spcBef>
-                <a:spcPts val="0"/>
-              </a:spcBef>
-              <a:spcAft>
-                <a:spcPts val="0"/>
-              </a:spcAft>
-              <a:buClr>
-                <a:srgbClr val="000000"/>
-              </a:buClr>
-              <a:buSzPts val="1400"/>
-              <a:buFont typeface="Arial"/>
-              <a:buNone/>
-              <a:defRPr b="0" i="0" sz="1800" u="none" cap="none" strike="noStrike">
+            <a:lvl2pPr marR="0" lvl="1" algn="l" rtl="0">
+              <a:lnSpc>
+                <a:spcPct val="100000"/>
+              </a:lnSpc>
+              <a:spcBef>
+                <a:spcPts val="0"/>
+              </a:spcBef>
+              <a:spcAft>
+                <a:spcPts val="0"/>
+              </a:spcAft>
+              <a:buClr>
+                <a:srgbClr val="000000"/>
+              </a:buClr>
+              <a:buSzPts val="1400"/>
+              <a:buFont typeface="Arial"/>
+              <a:buNone/>
+              <a:defRPr sz="1800" b="0" i="0" u="none" strike="noStrike" cap="none">
                 <a:solidFill>
                   <a:schemeClr val="dk1"/>
                 </a:solidFill>
@@ -365,23 +368,23 @@
                 <a:sym typeface="Calibri"/>
               </a:defRPr>
             </a:lvl2pPr>
-            <a:lvl3pPr lvl="2" marR="0" rtl="0" algn="l">
-              <a:lnSpc>
-                <a:spcPct val="100000"/>
-              </a:lnSpc>
-              <a:spcBef>
-                <a:spcPts val="0"/>
-              </a:spcBef>
-              <a:spcAft>
-                <a:spcPts val="0"/>
-              </a:spcAft>
-              <a:buClr>
-                <a:srgbClr val="000000"/>
-              </a:buClr>
-              <a:buSzPts val="1400"/>
-              <a:buFont typeface="Arial"/>
-              <a:buNone/>
-              <a:defRPr b="0" i="0" sz="1800" u="none" cap="none" strike="noStrike">
+            <a:lvl3pPr marR="0" lvl="2" algn="l" rtl="0">
+              <a:lnSpc>
+                <a:spcPct val="100000"/>
+              </a:lnSpc>
+              <a:spcBef>
+                <a:spcPts val="0"/>
+              </a:spcBef>
+              <a:spcAft>
+                <a:spcPts val="0"/>
+              </a:spcAft>
+              <a:buClr>
+                <a:srgbClr val="000000"/>
+              </a:buClr>
+              <a:buSzPts val="1400"/>
+              <a:buFont typeface="Arial"/>
+              <a:buNone/>
+              <a:defRPr sz="1800" b="0" i="0" u="none" strike="noStrike" cap="none">
                 <a:solidFill>
                   <a:schemeClr val="dk1"/>
                 </a:solidFill>
@@ -391,23 +394,23 @@
                 <a:sym typeface="Calibri"/>
               </a:defRPr>
             </a:lvl3pPr>
-            <a:lvl4pPr lvl="3" marR="0" rtl="0" algn="l">
-              <a:lnSpc>
-                <a:spcPct val="100000"/>
-              </a:lnSpc>
-              <a:spcBef>
-                <a:spcPts val="0"/>
-              </a:spcBef>
-              <a:spcAft>
-                <a:spcPts val="0"/>
-              </a:spcAft>
-              <a:buClr>
-                <a:srgbClr val="000000"/>
-              </a:buClr>
-              <a:buSzPts val="1400"/>
-              <a:buFont typeface="Arial"/>
-              <a:buNone/>
-              <a:defRPr b="0" i="0" sz="1800" u="none" cap="none" strike="noStrike">
+            <a:lvl4pPr marR="0" lvl="3" algn="l" rtl="0">
+              <a:lnSpc>
+                <a:spcPct val="100000"/>
+              </a:lnSpc>
+              <a:spcBef>
+                <a:spcPts val="0"/>
+              </a:spcBef>
+              <a:spcAft>
+                <a:spcPts val="0"/>
+              </a:spcAft>
+              <a:buClr>
+                <a:srgbClr val="000000"/>
+              </a:buClr>
+              <a:buSzPts val="1400"/>
+              <a:buFont typeface="Arial"/>
+              <a:buNone/>
+              <a:defRPr sz="1800" b="0" i="0" u="none" strike="noStrike" cap="none">
                 <a:solidFill>
                   <a:schemeClr val="dk1"/>
                 </a:solidFill>
@@ -417,23 +420,23 @@
                 <a:sym typeface="Calibri"/>
               </a:defRPr>
             </a:lvl4pPr>
-            <a:lvl5pPr lvl="4" marR="0" rtl="0" algn="l">
-              <a:lnSpc>
-                <a:spcPct val="100000"/>
-              </a:lnSpc>
-              <a:spcBef>
-                <a:spcPts val="0"/>
-              </a:spcBef>
-              <a:spcAft>
-                <a:spcPts val="0"/>
-              </a:spcAft>
-              <a:buClr>
-                <a:srgbClr val="000000"/>
-              </a:buClr>
-              <a:buSzPts val="1400"/>
-              <a:buFont typeface="Arial"/>
-              <a:buNone/>
-              <a:defRPr b="0" i="0" sz="1800" u="none" cap="none" strike="noStrike">
+            <a:lvl5pPr marR="0" lvl="4" algn="l" rtl="0">
+              <a:lnSpc>
+                <a:spcPct val="100000"/>
+              </a:lnSpc>
+              <a:spcBef>
+                <a:spcPts val="0"/>
+              </a:spcBef>
+              <a:spcAft>
+                <a:spcPts val="0"/>
+              </a:spcAft>
+              <a:buClr>
+                <a:srgbClr val="000000"/>
+              </a:buClr>
+              <a:buSzPts val="1400"/>
+              <a:buFont typeface="Arial"/>
+              <a:buNone/>
+              <a:defRPr sz="1800" b="0" i="0" u="none" strike="noStrike" cap="none">
                 <a:solidFill>
                   <a:schemeClr val="dk1"/>
                 </a:solidFill>
@@ -443,23 +446,23 @@
                 <a:sym typeface="Calibri"/>
               </a:defRPr>
             </a:lvl5pPr>
-            <a:lvl6pPr lvl="5" marR="0" rtl="0" algn="l">
-              <a:lnSpc>
-                <a:spcPct val="100000"/>
-              </a:lnSpc>
-              <a:spcBef>
-                <a:spcPts val="0"/>
-              </a:spcBef>
-              <a:spcAft>
-                <a:spcPts val="0"/>
-              </a:spcAft>
-              <a:buClr>
-                <a:srgbClr val="000000"/>
-              </a:buClr>
-              <a:buSzPts val="1400"/>
-              <a:buFont typeface="Arial"/>
-              <a:buNone/>
-              <a:defRPr b="0" i="0" sz="1800" u="none" cap="none" strike="noStrike">
+            <a:lvl6pPr marR="0" lvl="5" algn="l" rtl="0">
+              <a:lnSpc>
+                <a:spcPct val="100000"/>
+              </a:lnSpc>
+              <a:spcBef>
+                <a:spcPts val="0"/>
+              </a:spcBef>
+              <a:spcAft>
+                <a:spcPts val="0"/>
+              </a:spcAft>
+              <a:buClr>
+                <a:srgbClr val="000000"/>
+              </a:buClr>
+              <a:buSzPts val="1400"/>
+              <a:buFont typeface="Arial"/>
+              <a:buNone/>
+              <a:defRPr sz="1800" b="0" i="0" u="none" strike="noStrike" cap="none">
                 <a:solidFill>
                   <a:schemeClr val="dk1"/>
                 </a:solidFill>
@@ -469,23 +472,23 @@
                 <a:sym typeface="Calibri"/>
               </a:defRPr>
             </a:lvl6pPr>
-            <a:lvl7pPr lvl="6" marR="0" rtl="0" algn="l">
-              <a:lnSpc>
-                <a:spcPct val="100000"/>
-              </a:lnSpc>
-              <a:spcBef>
-                <a:spcPts val="0"/>
-              </a:spcBef>
-              <a:spcAft>
-                <a:spcPts val="0"/>
-              </a:spcAft>
-              <a:buClr>
-                <a:srgbClr val="000000"/>
-              </a:buClr>
-              <a:buSzPts val="1400"/>
-              <a:buFont typeface="Arial"/>
-              <a:buNone/>
-              <a:defRPr b="0" i="0" sz="1800" u="none" cap="none" strike="noStrike">
+            <a:lvl7pPr marR="0" lvl="6" algn="l" rtl="0">
+              <a:lnSpc>
+                <a:spcPct val="100000"/>
+              </a:lnSpc>
+              <a:spcBef>
+                <a:spcPts val="0"/>
+              </a:spcBef>
+              <a:spcAft>
+                <a:spcPts val="0"/>
+              </a:spcAft>
+              <a:buClr>
+                <a:srgbClr val="000000"/>
+              </a:buClr>
+              <a:buSzPts val="1400"/>
+              <a:buFont typeface="Arial"/>
+              <a:buNone/>
+              <a:defRPr sz="1800" b="0" i="0" u="none" strike="noStrike" cap="none">
                 <a:solidFill>
                   <a:schemeClr val="dk1"/>
                 </a:solidFill>
@@ -495,23 +498,23 @@
                 <a:sym typeface="Calibri"/>
               </a:defRPr>
             </a:lvl7pPr>
-            <a:lvl8pPr lvl="7" marR="0" rtl="0" algn="l">
-              <a:lnSpc>
-                <a:spcPct val="100000"/>
-              </a:lnSpc>
-              <a:spcBef>
-                <a:spcPts val="0"/>
-              </a:spcBef>
-              <a:spcAft>
-                <a:spcPts val="0"/>
-              </a:spcAft>
-              <a:buClr>
-                <a:srgbClr val="000000"/>
-              </a:buClr>
-              <a:buSzPts val="1400"/>
-              <a:buFont typeface="Arial"/>
-              <a:buNone/>
-              <a:defRPr b="0" i="0" sz="1800" u="none" cap="none" strike="noStrike">
+            <a:lvl8pPr marR="0" lvl="7" algn="l" rtl="0">
+              <a:lnSpc>
+                <a:spcPct val="100000"/>
+              </a:lnSpc>
+              <a:spcBef>
+                <a:spcPts val="0"/>
+              </a:spcBef>
+              <a:spcAft>
+                <a:spcPts val="0"/>
+              </a:spcAft>
+              <a:buClr>
+                <a:srgbClr val="000000"/>
+              </a:buClr>
+              <a:buSzPts val="1400"/>
+              <a:buFont typeface="Arial"/>
+              <a:buNone/>
+              <a:defRPr sz="1800" b="0" i="0" u="none" strike="noStrike" cap="none">
                 <a:solidFill>
                   <a:schemeClr val="dk1"/>
                 </a:solidFill>
@@ -521,23 +524,23 @@
                 <a:sym typeface="Calibri"/>
               </a:defRPr>
             </a:lvl8pPr>
-            <a:lvl9pPr lvl="8" marR="0" rtl="0" algn="l">
-              <a:lnSpc>
-                <a:spcPct val="100000"/>
-              </a:lnSpc>
-              <a:spcBef>
-                <a:spcPts val="0"/>
-              </a:spcBef>
-              <a:spcAft>
-                <a:spcPts val="0"/>
-              </a:spcAft>
-              <a:buClr>
-                <a:srgbClr val="000000"/>
-              </a:buClr>
-              <a:buSzPts val="1400"/>
-              <a:buFont typeface="Arial"/>
-              <a:buNone/>
-              <a:defRPr b="0" i="0" sz="1800" u="none" cap="none" strike="noStrike">
+            <a:lvl9pPr marR="0" lvl="8" algn="l" rtl="0">
+              <a:lnSpc>
+                <a:spcPct val="100000"/>
+              </a:lnSpc>
+              <a:spcBef>
+                <a:spcPts val="0"/>
+              </a:spcBef>
+              <a:spcAft>
+                <a:spcPts val="0"/>
+              </a:spcAft>
+              <a:buClr>
+                <a:srgbClr val="000000"/>
+              </a:buClr>
+              <a:buSzPts val="1400"/>
+              <a:buFont typeface="Arial"/>
+              <a:buNone/>
+              <a:defRPr sz="1800" b="0" i="0" u="none" strike="noStrike" cap="none">
                 <a:solidFill>
                   <a:schemeClr val="dk1"/>
                 </a:solidFill>
@@ -548,15 +551,19 @@
               </a:defRPr>
             </a:lvl9pPr>
           </a:lstStyle>
-          <a:p/>
+          <a:p>
+            <a:endParaRPr/>
+          </a:p>
         </p:txBody>
       </p:sp>
       <p:sp>
         <p:nvSpPr>
           <p:cNvPr id="4" name="Google Shape;4;n"/>
-          <p:cNvSpPr txBox="1"/>
+          <p:cNvSpPr txBox="1">
+            <a:spLocks noGrp="1"/>
+          </p:cNvSpPr>
           <p:nvPr>
-            <p:ph idx="10" type="dt"/>
+            <p:ph type="dt" idx="10"/>
           </p:nvPr>
         </p:nvSpPr>
         <p:spPr>
@@ -573,27 +580,27 @@
           </a:ln>
         </p:spPr>
         <p:txBody>
-          <a:bodyPr anchorCtr="0" anchor="t" bIns="45700" lIns="91425" spcFirstLastPara="1" rIns="91425" wrap="square" tIns="45700">
+          <a:bodyPr spcFirstLastPara="1" wrap="square" lIns="91425" tIns="45700" rIns="91425" bIns="45700" anchor="t" anchorCtr="0">
             <a:noAutofit/>
           </a:bodyPr>
           <a:lstStyle>
-            <a:lvl1pPr lvl="0" marR="0" rtl="0" algn="r">
-              <a:lnSpc>
-                <a:spcPct val="100000"/>
-              </a:lnSpc>
-              <a:spcBef>
-                <a:spcPts val="0"/>
-              </a:spcBef>
-              <a:spcAft>
-                <a:spcPts val="0"/>
-              </a:spcAft>
-              <a:buClr>
-                <a:srgbClr val="000000"/>
-              </a:buClr>
-              <a:buSzPts val="1400"/>
-              <a:buFont typeface="Arial"/>
-              <a:buNone/>
-              <a:defRPr b="0" i="0" sz="1200" u="none" cap="none" strike="noStrike">
+            <a:lvl1pPr marR="0" lvl="0" algn="r" rtl="0">
+              <a:lnSpc>
+                <a:spcPct val="100000"/>
+              </a:lnSpc>
+              <a:spcBef>
+                <a:spcPts val="0"/>
+              </a:spcBef>
+              <a:spcAft>
+                <a:spcPts val="0"/>
+              </a:spcAft>
+              <a:buClr>
+                <a:srgbClr val="000000"/>
+              </a:buClr>
+              <a:buSzPts val="1400"/>
+              <a:buFont typeface="Arial"/>
+              <a:buNone/>
+              <a:defRPr sz="1200" b="0" i="0" u="none" strike="noStrike" cap="none">
                 <a:solidFill>
                   <a:schemeClr val="dk1"/>
                 </a:solidFill>
@@ -603,23 +610,23 @@
                 <a:sym typeface="Calibri"/>
               </a:defRPr>
             </a:lvl1pPr>
-            <a:lvl2pPr lvl="1" marR="0" rtl="0" algn="l">
-              <a:lnSpc>
-                <a:spcPct val="100000"/>
-              </a:lnSpc>
-              <a:spcBef>
-                <a:spcPts val="0"/>
-              </a:spcBef>
-              <a:spcAft>
-                <a:spcPts val="0"/>
-              </a:spcAft>
-              <a:buClr>
-                <a:srgbClr val="000000"/>
-              </a:buClr>
-              <a:buSzPts val="1400"/>
-              <a:buFont typeface="Arial"/>
-              <a:buNone/>
-              <a:defRPr b="0" i="0" sz="1800" u="none" cap="none" strike="noStrike">
+            <a:lvl2pPr marR="0" lvl="1" algn="l" rtl="0">
+              <a:lnSpc>
+                <a:spcPct val="100000"/>
+              </a:lnSpc>
+              <a:spcBef>
+                <a:spcPts val="0"/>
+              </a:spcBef>
+              <a:spcAft>
+                <a:spcPts val="0"/>
+              </a:spcAft>
+              <a:buClr>
+                <a:srgbClr val="000000"/>
+              </a:buClr>
+              <a:buSzPts val="1400"/>
+              <a:buFont typeface="Arial"/>
+              <a:buNone/>
+              <a:defRPr sz="1800" b="0" i="0" u="none" strike="noStrike" cap="none">
                 <a:solidFill>
                   <a:schemeClr val="dk1"/>
                 </a:solidFill>
@@ -629,23 +636,23 @@
                 <a:sym typeface="Calibri"/>
               </a:defRPr>
             </a:lvl2pPr>
-            <a:lvl3pPr lvl="2" marR="0" rtl="0" algn="l">
-              <a:lnSpc>
-                <a:spcPct val="100000"/>
-              </a:lnSpc>
-              <a:spcBef>
-                <a:spcPts val="0"/>
-              </a:spcBef>
-              <a:spcAft>
-                <a:spcPts val="0"/>
-              </a:spcAft>
-              <a:buClr>
-                <a:srgbClr val="000000"/>
-              </a:buClr>
-              <a:buSzPts val="1400"/>
-              <a:buFont typeface="Arial"/>
-              <a:buNone/>
-              <a:defRPr b="0" i="0" sz="1800" u="none" cap="none" strike="noStrike">
+            <a:lvl3pPr marR="0" lvl="2" algn="l" rtl="0">
+              <a:lnSpc>
+                <a:spcPct val="100000"/>
+              </a:lnSpc>
+              <a:spcBef>
+                <a:spcPts val="0"/>
+              </a:spcBef>
+              <a:spcAft>
+                <a:spcPts val="0"/>
+              </a:spcAft>
+              <a:buClr>
+                <a:srgbClr val="000000"/>
+              </a:buClr>
+              <a:buSzPts val="1400"/>
+              <a:buFont typeface="Arial"/>
+              <a:buNone/>
+              <a:defRPr sz="1800" b="0" i="0" u="none" strike="noStrike" cap="none">
                 <a:solidFill>
                   <a:schemeClr val="dk1"/>
                 </a:solidFill>
@@ -655,23 +662,23 @@
                 <a:sym typeface="Calibri"/>
               </a:defRPr>
             </a:lvl3pPr>
-            <a:lvl4pPr lvl="3" marR="0" rtl="0" algn="l">
-              <a:lnSpc>
-                <a:spcPct val="100000"/>
-              </a:lnSpc>
-              <a:spcBef>
-                <a:spcPts val="0"/>
-              </a:spcBef>
-              <a:spcAft>
-                <a:spcPts val="0"/>
-              </a:spcAft>
-              <a:buClr>
-                <a:srgbClr val="000000"/>
-              </a:buClr>
-              <a:buSzPts val="1400"/>
-              <a:buFont typeface="Arial"/>
-              <a:buNone/>
-              <a:defRPr b="0" i="0" sz="1800" u="none" cap="none" strike="noStrike">
+            <a:lvl4pPr marR="0" lvl="3" algn="l" rtl="0">
+              <a:lnSpc>
+                <a:spcPct val="100000"/>
+              </a:lnSpc>
+              <a:spcBef>
+                <a:spcPts val="0"/>
+              </a:spcBef>
+              <a:spcAft>
+                <a:spcPts val="0"/>
+              </a:spcAft>
+              <a:buClr>
+                <a:srgbClr val="000000"/>
+              </a:buClr>
+              <a:buSzPts val="1400"/>
+              <a:buFont typeface="Arial"/>
+              <a:buNone/>
+              <a:defRPr sz="1800" b="0" i="0" u="none" strike="noStrike" cap="none">
                 <a:solidFill>
                   <a:schemeClr val="dk1"/>
                 </a:solidFill>
@@ -681,23 +688,23 @@
                 <a:sym typeface="Calibri"/>
               </a:defRPr>
             </a:lvl4pPr>
-            <a:lvl5pPr lvl="4" marR="0" rtl="0" algn="l">
-              <a:lnSpc>
-                <a:spcPct val="100000"/>
-              </a:lnSpc>
-              <a:spcBef>
-                <a:spcPts val="0"/>
-              </a:spcBef>
-              <a:spcAft>
-                <a:spcPts val="0"/>
-              </a:spcAft>
-              <a:buClr>
-                <a:srgbClr val="000000"/>
-              </a:buClr>
-              <a:buSzPts val="1400"/>
-              <a:buFont typeface="Arial"/>
-              <a:buNone/>
-              <a:defRPr b="0" i="0" sz="1800" u="none" cap="none" strike="noStrike">
+            <a:lvl5pPr marR="0" lvl="4" algn="l" rtl="0">
+              <a:lnSpc>
+                <a:spcPct val="100000"/>
+              </a:lnSpc>
+              <a:spcBef>
+                <a:spcPts val="0"/>
+              </a:spcBef>
+              <a:spcAft>
+                <a:spcPts val="0"/>
+              </a:spcAft>
+              <a:buClr>
+                <a:srgbClr val="000000"/>
+              </a:buClr>
+              <a:buSzPts val="1400"/>
+              <a:buFont typeface="Arial"/>
+              <a:buNone/>
+              <a:defRPr sz="1800" b="0" i="0" u="none" strike="noStrike" cap="none">
                 <a:solidFill>
                   <a:schemeClr val="dk1"/>
                 </a:solidFill>
@@ -707,23 +714,23 @@
                 <a:sym typeface="Calibri"/>
               </a:defRPr>
             </a:lvl5pPr>
-            <a:lvl6pPr lvl="5" marR="0" rtl="0" algn="l">
-              <a:lnSpc>
-                <a:spcPct val="100000"/>
-              </a:lnSpc>
-              <a:spcBef>
-                <a:spcPts val="0"/>
-              </a:spcBef>
-              <a:spcAft>
-                <a:spcPts val="0"/>
-              </a:spcAft>
-              <a:buClr>
-                <a:srgbClr val="000000"/>
-              </a:buClr>
-              <a:buSzPts val="1400"/>
-              <a:buFont typeface="Arial"/>
-              <a:buNone/>
-              <a:defRPr b="0" i="0" sz="1800" u="none" cap="none" strike="noStrike">
+            <a:lvl6pPr marR="0" lvl="5" algn="l" rtl="0">
+              <a:lnSpc>
+                <a:spcPct val="100000"/>
+              </a:lnSpc>
+              <a:spcBef>
+                <a:spcPts val="0"/>
+              </a:spcBef>
+              <a:spcAft>
+                <a:spcPts val="0"/>
+              </a:spcAft>
+              <a:buClr>
+                <a:srgbClr val="000000"/>
+              </a:buClr>
+              <a:buSzPts val="1400"/>
+              <a:buFont typeface="Arial"/>
+              <a:buNone/>
+              <a:defRPr sz="1800" b="0" i="0" u="none" strike="noStrike" cap="none">
                 <a:solidFill>
                   <a:schemeClr val="dk1"/>
                 </a:solidFill>
@@ -733,23 +740,23 @@
                 <a:sym typeface="Calibri"/>
               </a:defRPr>
             </a:lvl6pPr>
-            <a:lvl7pPr lvl="6" marR="0" rtl="0" algn="l">
-              <a:lnSpc>
-                <a:spcPct val="100000"/>
-              </a:lnSpc>
-              <a:spcBef>
-                <a:spcPts val="0"/>
-              </a:spcBef>
-              <a:spcAft>
-                <a:spcPts val="0"/>
-              </a:spcAft>
-              <a:buClr>
-                <a:srgbClr val="000000"/>
-              </a:buClr>
-              <a:buSzPts val="1400"/>
-              <a:buFont typeface="Arial"/>
-              <a:buNone/>
-              <a:defRPr b="0" i="0" sz="1800" u="none" cap="none" strike="noStrike">
+            <a:lvl7pPr marR="0" lvl="6" algn="l" rtl="0">
+              <a:lnSpc>
+                <a:spcPct val="100000"/>
+              </a:lnSpc>
+              <a:spcBef>
+                <a:spcPts val="0"/>
+              </a:spcBef>
+              <a:spcAft>
+                <a:spcPts val="0"/>
+              </a:spcAft>
+              <a:buClr>
+                <a:srgbClr val="000000"/>
+              </a:buClr>
+              <a:buSzPts val="1400"/>
+              <a:buFont typeface="Arial"/>
+              <a:buNone/>
+              <a:defRPr sz="1800" b="0" i="0" u="none" strike="noStrike" cap="none">
                 <a:solidFill>
                   <a:schemeClr val="dk1"/>
                 </a:solidFill>
@@ -759,23 +766,23 @@
                 <a:sym typeface="Calibri"/>
               </a:defRPr>
             </a:lvl7pPr>
-            <a:lvl8pPr lvl="7" marR="0" rtl="0" algn="l">
-              <a:lnSpc>
-                <a:spcPct val="100000"/>
-              </a:lnSpc>
-              <a:spcBef>
-                <a:spcPts val="0"/>
-              </a:spcBef>
-              <a:spcAft>
-                <a:spcPts val="0"/>
-              </a:spcAft>
-              <a:buClr>
-                <a:srgbClr val="000000"/>
-              </a:buClr>
-              <a:buSzPts val="1400"/>
-              <a:buFont typeface="Arial"/>
-              <a:buNone/>
-              <a:defRPr b="0" i="0" sz="1800" u="none" cap="none" strike="noStrike">
+            <a:lvl8pPr marR="0" lvl="7" algn="l" rtl="0">
+              <a:lnSpc>
+                <a:spcPct val="100000"/>
+              </a:lnSpc>
+              <a:spcBef>
+                <a:spcPts val="0"/>
+              </a:spcBef>
+              <a:spcAft>
+                <a:spcPts val="0"/>
+              </a:spcAft>
+              <a:buClr>
+                <a:srgbClr val="000000"/>
+              </a:buClr>
+              <a:buSzPts val="1400"/>
+              <a:buFont typeface="Arial"/>
+              <a:buNone/>
+              <a:defRPr sz="1800" b="0" i="0" u="none" strike="noStrike" cap="none">
                 <a:solidFill>
                   <a:schemeClr val="dk1"/>
                 </a:solidFill>
@@ -785,23 +792,23 @@
                 <a:sym typeface="Calibri"/>
               </a:defRPr>
             </a:lvl8pPr>
-            <a:lvl9pPr lvl="8" marR="0" rtl="0" algn="l">
-              <a:lnSpc>
-                <a:spcPct val="100000"/>
-              </a:lnSpc>
-              <a:spcBef>
-                <a:spcPts val="0"/>
-              </a:spcBef>
-              <a:spcAft>
-                <a:spcPts val="0"/>
-              </a:spcAft>
-              <a:buClr>
-                <a:srgbClr val="000000"/>
-              </a:buClr>
-              <a:buSzPts val="1400"/>
-              <a:buFont typeface="Arial"/>
-              <a:buNone/>
-              <a:defRPr b="0" i="0" sz="1800" u="none" cap="none" strike="noStrike">
+            <a:lvl9pPr marR="0" lvl="8" algn="l" rtl="0">
+              <a:lnSpc>
+                <a:spcPct val="100000"/>
+              </a:lnSpc>
+              <a:spcBef>
+                <a:spcPts val="0"/>
+              </a:spcBef>
+              <a:spcAft>
+                <a:spcPts val="0"/>
+              </a:spcAft>
+              <a:buClr>
+                <a:srgbClr val="000000"/>
+              </a:buClr>
+              <a:buSzPts val="1400"/>
+              <a:buFont typeface="Arial"/>
+              <a:buNone/>
+              <a:defRPr sz="1800" b="0" i="0" u="none" strike="noStrike" cap="none">
                 <a:solidFill>
                   <a:schemeClr val="dk1"/>
                 </a:solidFill>
@@ -812,15 +819,19 @@
               </a:defRPr>
             </a:lvl9pPr>
           </a:lstStyle>
-          <a:p/>
+          <a:p>
+            <a:endParaRPr/>
+          </a:p>
         </p:txBody>
       </p:sp>
       <p:sp>
         <p:nvSpPr>
           <p:cNvPr id="5" name="Google Shape;5;n"/>
-          <p:cNvSpPr/>
+          <p:cNvSpPr>
+            <a:spLocks noGrp="1" noRot="1" noChangeAspect="1"/>
+          </p:cNvSpPr>
           <p:nvPr>
-            <p:ph idx="3" type="sldImg"/>
+            <p:ph type="sldImg" idx="3"/>
           </p:nvPr>
         </p:nvSpPr>
         <p:spPr>
@@ -829,9 +840,13 @@
             <a:ext cx="4572000" cy="3429000"/>
           </a:xfrm>
           <a:custGeom>
-            <a:rect b="b" l="l" r="r" t="t"/>
+            <a:avLst/>
+            <a:gdLst/>
+            <a:ahLst/>
+            <a:cxnLst/>
+            <a:rect l="l" t="t" r="r" b="b"/>
             <a:pathLst>
-              <a:path extrusionOk="0" h="120000" w="120000">
+              <a:path w="120000" h="120000" extrusionOk="0">
                 <a:moveTo>
                   <a:pt x="0" y="0"/>
                 </a:moveTo>
@@ -849,23 +864,25 @@
             </a:pathLst>
           </a:custGeom>
           <a:noFill/>
-          <a:ln cap="flat" cmpd="sng" w="12700">
+          <a:ln w="12700" cap="flat" cmpd="sng">
             <a:solidFill>
               <a:srgbClr val="000000"/>
             </a:solidFill>
             <a:prstDash val="solid"/>
             <a:round/>
-            <a:headEnd len="sm" w="sm" type="none"/>
-            <a:tailEnd len="sm" w="sm" type="none"/>
+            <a:headEnd type="none" w="sm" len="sm"/>
+            <a:tailEnd type="none" w="sm" len="sm"/>
           </a:ln>
         </p:spPr>
       </p:sp>
       <p:sp>
         <p:nvSpPr>
           <p:cNvPr id="6" name="Google Shape;6;n"/>
-          <p:cNvSpPr txBox="1"/>
+          <p:cNvSpPr txBox="1">
+            <a:spLocks noGrp="1"/>
+          </p:cNvSpPr>
           <p:nvPr>
-            <p:ph idx="1" type="body"/>
+            <p:ph type="body" idx="1"/>
           </p:nvPr>
         </p:nvSpPr>
         <p:spPr>
@@ -882,27 +899,27 @@
           </a:ln>
         </p:spPr>
         <p:txBody>
-          <a:bodyPr anchorCtr="0" anchor="t" bIns="45700" lIns="91425" spcFirstLastPara="1" rIns="91425" wrap="square" tIns="45700">
+          <a:bodyPr spcFirstLastPara="1" wrap="square" lIns="91425" tIns="45700" rIns="91425" bIns="45700" anchor="t" anchorCtr="0">
             <a:noAutofit/>
           </a:bodyPr>
           <a:lstStyle>
-            <a:lvl1pPr indent="-228600" lvl="0" marL="457200" marR="0" rtl="0" algn="l">
-              <a:lnSpc>
-                <a:spcPct val="100000"/>
-              </a:lnSpc>
-              <a:spcBef>
-                <a:spcPts val="0"/>
-              </a:spcBef>
-              <a:spcAft>
-                <a:spcPts val="0"/>
-              </a:spcAft>
-              <a:buClr>
-                <a:srgbClr val="000000"/>
-              </a:buClr>
-              <a:buSzPts val="1400"/>
-              <a:buFont typeface="Arial"/>
-              <a:buNone/>
-              <a:defRPr b="0" i="0" sz="1200" u="none" cap="none" strike="noStrike">
+            <a:lvl1pPr marL="457200" marR="0" lvl="0" indent="-228600" algn="l" rtl="0">
+              <a:lnSpc>
+                <a:spcPct val="100000"/>
+              </a:lnSpc>
+              <a:spcBef>
+                <a:spcPts val="0"/>
+              </a:spcBef>
+              <a:spcAft>
+                <a:spcPts val="0"/>
+              </a:spcAft>
+              <a:buClr>
+                <a:srgbClr val="000000"/>
+              </a:buClr>
+              <a:buSzPts val="1400"/>
+              <a:buFont typeface="Arial"/>
+              <a:buNone/>
+              <a:defRPr sz="1200" b="0" i="0" u="none" strike="noStrike" cap="none">
                 <a:solidFill>
                   <a:schemeClr val="dk1"/>
                 </a:solidFill>
@@ -912,23 +929,23 @@
                 <a:sym typeface="Calibri"/>
               </a:defRPr>
             </a:lvl1pPr>
-            <a:lvl2pPr indent="-228600" lvl="1" marL="914400" marR="0" rtl="0" algn="l">
-              <a:lnSpc>
-                <a:spcPct val="100000"/>
-              </a:lnSpc>
-              <a:spcBef>
-                <a:spcPts val="0"/>
-              </a:spcBef>
-              <a:spcAft>
-                <a:spcPts val="0"/>
-              </a:spcAft>
-              <a:buClr>
-                <a:srgbClr val="000000"/>
-              </a:buClr>
-              <a:buSzPts val="1400"/>
-              <a:buFont typeface="Arial"/>
-              <a:buNone/>
-              <a:defRPr b="0" i="0" sz="1200" u="none" cap="none" strike="noStrike">
+            <a:lvl2pPr marL="914400" marR="0" lvl="1" indent="-228600" algn="l" rtl="0">
+              <a:lnSpc>
+                <a:spcPct val="100000"/>
+              </a:lnSpc>
+              <a:spcBef>
+                <a:spcPts val="0"/>
+              </a:spcBef>
+              <a:spcAft>
+                <a:spcPts val="0"/>
+              </a:spcAft>
+              <a:buClr>
+                <a:srgbClr val="000000"/>
+              </a:buClr>
+              <a:buSzPts val="1400"/>
+              <a:buFont typeface="Arial"/>
+              <a:buNone/>
+              <a:defRPr sz="1200" b="0" i="0" u="none" strike="noStrike" cap="none">
                 <a:solidFill>
                   <a:schemeClr val="dk1"/>
                 </a:solidFill>
@@ -938,23 +955,23 @@
                 <a:sym typeface="Calibri"/>
               </a:defRPr>
             </a:lvl2pPr>
-            <a:lvl3pPr indent="-228600" lvl="2" marL="1371600" marR="0" rtl="0" algn="l">
-              <a:lnSpc>
-                <a:spcPct val="100000"/>
-              </a:lnSpc>
-              <a:spcBef>
-                <a:spcPts val="0"/>
-              </a:spcBef>
-              <a:spcAft>
-                <a:spcPts val="0"/>
-              </a:spcAft>
-              <a:buClr>
-                <a:srgbClr val="000000"/>
-              </a:buClr>
-              <a:buSzPts val="1400"/>
-              <a:buFont typeface="Arial"/>
-              <a:buNone/>
-              <a:defRPr b="0" i="0" sz="1200" u="none" cap="none" strike="noStrike">
+            <a:lvl3pPr marL="1371600" marR="0" lvl="2" indent="-228600" algn="l" rtl="0">
+              <a:lnSpc>
+                <a:spcPct val="100000"/>
+              </a:lnSpc>
+              <a:spcBef>
+                <a:spcPts val="0"/>
+              </a:spcBef>
+              <a:spcAft>
+                <a:spcPts val="0"/>
+              </a:spcAft>
+              <a:buClr>
+                <a:srgbClr val="000000"/>
+              </a:buClr>
+              <a:buSzPts val="1400"/>
+              <a:buFont typeface="Arial"/>
+              <a:buNone/>
+              <a:defRPr sz="1200" b="0" i="0" u="none" strike="noStrike" cap="none">
                 <a:solidFill>
                   <a:schemeClr val="dk1"/>
                 </a:solidFill>
@@ -964,23 +981,23 @@
                 <a:sym typeface="Calibri"/>
               </a:defRPr>
             </a:lvl3pPr>
-            <a:lvl4pPr indent="-228600" lvl="3" marL="1828800" marR="0" rtl="0" algn="l">
-              <a:lnSpc>
-                <a:spcPct val="100000"/>
-              </a:lnSpc>
-              <a:spcBef>
-                <a:spcPts val="0"/>
-              </a:spcBef>
-              <a:spcAft>
-                <a:spcPts val="0"/>
-              </a:spcAft>
-              <a:buClr>
-                <a:srgbClr val="000000"/>
-              </a:buClr>
-              <a:buSzPts val="1400"/>
-              <a:buFont typeface="Arial"/>
-              <a:buNone/>
-              <a:defRPr b="0" i="0" sz="1200" u="none" cap="none" strike="noStrike">
+            <a:lvl4pPr marL="1828800" marR="0" lvl="3" indent="-228600" algn="l" rtl="0">
+              <a:lnSpc>
+                <a:spcPct val="100000"/>
+              </a:lnSpc>
+              <a:spcBef>
+                <a:spcPts val="0"/>
+              </a:spcBef>
+              <a:spcAft>
+                <a:spcPts val="0"/>
+              </a:spcAft>
+              <a:buClr>
+                <a:srgbClr val="000000"/>
+              </a:buClr>
+              <a:buSzPts val="1400"/>
+              <a:buFont typeface="Arial"/>
+              <a:buNone/>
+              <a:defRPr sz="1200" b="0" i="0" u="none" strike="noStrike" cap="none">
                 <a:solidFill>
                   <a:schemeClr val="dk1"/>
                 </a:solidFill>
@@ -990,23 +1007,23 @@
                 <a:sym typeface="Calibri"/>
               </a:defRPr>
             </a:lvl4pPr>
-            <a:lvl5pPr indent="-228600" lvl="4" marL="2286000" marR="0" rtl="0" algn="l">
-              <a:lnSpc>
-                <a:spcPct val="100000"/>
-              </a:lnSpc>
-              <a:spcBef>
-                <a:spcPts val="0"/>
-              </a:spcBef>
-              <a:spcAft>
-                <a:spcPts val="0"/>
-              </a:spcAft>
-              <a:buClr>
-                <a:srgbClr val="000000"/>
-              </a:buClr>
-              <a:buSzPts val="1400"/>
-              <a:buFont typeface="Arial"/>
-              <a:buNone/>
-              <a:defRPr b="0" i="0" sz="1200" u="none" cap="none" strike="noStrike">
+            <a:lvl5pPr marL="2286000" marR="0" lvl="4" indent="-228600" algn="l" rtl="0">
+              <a:lnSpc>
+                <a:spcPct val="100000"/>
+              </a:lnSpc>
+              <a:spcBef>
+                <a:spcPts val="0"/>
+              </a:spcBef>
+              <a:spcAft>
+                <a:spcPts val="0"/>
+              </a:spcAft>
+              <a:buClr>
+                <a:srgbClr val="000000"/>
+              </a:buClr>
+              <a:buSzPts val="1400"/>
+              <a:buFont typeface="Arial"/>
+              <a:buNone/>
+              <a:defRPr sz="1200" b="0" i="0" u="none" strike="noStrike" cap="none">
                 <a:solidFill>
                   <a:schemeClr val="dk1"/>
                 </a:solidFill>
@@ -1016,23 +1033,23 @@
                 <a:sym typeface="Calibri"/>
               </a:defRPr>
             </a:lvl5pPr>
-            <a:lvl6pPr indent="-228600" lvl="5" marL="2743200" marR="0" rtl="0" algn="l">
-              <a:lnSpc>
-                <a:spcPct val="100000"/>
-              </a:lnSpc>
-              <a:spcBef>
-                <a:spcPts val="0"/>
-              </a:spcBef>
-              <a:spcAft>
-                <a:spcPts val="0"/>
-              </a:spcAft>
-              <a:buClr>
-                <a:srgbClr val="000000"/>
-              </a:buClr>
-              <a:buSzPts val="1400"/>
-              <a:buFont typeface="Arial"/>
-              <a:buNone/>
-              <a:defRPr b="0" i="0" sz="1200" u="none" cap="none" strike="noStrike">
+            <a:lvl6pPr marL="2743200" marR="0" lvl="5" indent="-228600" algn="l" rtl="0">
+              <a:lnSpc>
+                <a:spcPct val="100000"/>
+              </a:lnSpc>
+              <a:spcBef>
+                <a:spcPts val="0"/>
+              </a:spcBef>
+              <a:spcAft>
+                <a:spcPts val="0"/>
+              </a:spcAft>
+              <a:buClr>
+                <a:srgbClr val="000000"/>
+              </a:buClr>
+              <a:buSzPts val="1400"/>
+              <a:buFont typeface="Arial"/>
+              <a:buNone/>
+              <a:defRPr sz="1200" b="0" i="0" u="none" strike="noStrike" cap="none">
                 <a:solidFill>
                   <a:schemeClr val="dk1"/>
                 </a:solidFill>
@@ -1042,23 +1059,23 @@
                 <a:sym typeface="Calibri"/>
               </a:defRPr>
             </a:lvl6pPr>
-            <a:lvl7pPr indent="-228600" lvl="6" marL="3200400" marR="0" rtl="0" algn="l">
-              <a:lnSpc>
-                <a:spcPct val="100000"/>
-              </a:lnSpc>
-              <a:spcBef>
-                <a:spcPts val="0"/>
-              </a:spcBef>
-              <a:spcAft>
-                <a:spcPts val="0"/>
-              </a:spcAft>
-              <a:buClr>
-                <a:srgbClr val="000000"/>
-              </a:buClr>
-              <a:buSzPts val="1400"/>
-              <a:buFont typeface="Arial"/>
-              <a:buNone/>
-              <a:defRPr b="0" i="0" sz="1200" u="none" cap="none" strike="noStrike">
+            <a:lvl7pPr marL="3200400" marR="0" lvl="6" indent="-228600" algn="l" rtl="0">
+              <a:lnSpc>
+                <a:spcPct val="100000"/>
+              </a:lnSpc>
+              <a:spcBef>
+                <a:spcPts val="0"/>
+              </a:spcBef>
+              <a:spcAft>
+                <a:spcPts val="0"/>
+              </a:spcAft>
+              <a:buClr>
+                <a:srgbClr val="000000"/>
+              </a:buClr>
+              <a:buSzPts val="1400"/>
+              <a:buFont typeface="Arial"/>
+              <a:buNone/>
+              <a:defRPr sz="1200" b="0" i="0" u="none" strike="noStrike" cap="none">
                 <a:solidFill>
                   <a:schemeClr val="dk1"/>
                 </a:solidFill>
@@ -1068,23 +1085,23 @@
                 <a:sym typeface="Calibri"/>
               </a:defRPr>
             </a:lvl7pPr>
-            <a:lvl8pPr indent="-228600" lvl="7" marL="3657600" marR="0" rtl="0" algn="l">
-              <a:lnSpc>
-                <a:spcPct val="100000"/>
-              </a:lnSpc>
-              <a:spcBef>
-                <a:spcPts val="0"/>
-              </a:spcBef>
-              <a:spcAft>
-                <a:spcPts val="0"/>
-              </a:spcAft>
-              <a:buClr>
-                <a:srgbClr val="000000"/>
-              </a:buClr>
-              <a:buSzPts val="1400"/>
-              <a:buFont typeface="Arial"/>
-              <a:buNone/>
-              <a:defRPr b="0" i="0" sz="1200" u="none" cap="none" strike="noStrike">
+            <a:lvl8pPr marL="3657600" marR="0" lvl="7" indent="-228600" algn="l" rtl="0">
+              <a:lnSpc>
+                <a:spcPct val="100000"/>
+              </a:lnSpc>
+              <a:spcBef>
+                <a:spcPts val="0"/>
+              </a:spcBef>
+              <a:spcAft>
+                <a:spcPts val="0"/>
+              </a:spcAft>
+              <a:buClr>
+                <a:srgbClr val="000000"/>
+              </a:buClr>
+              <a:buSzPts val="1400"/>
+              <a:buFont typeface="Arial"/>
+              <a:buNone/>
+              <a:defRPr sz="1200" b="0" i="0" u="none" strike="noStrike" cap="none">
                 <a:solidFill>
                   <a:schemeClr val="dk1"/>
                 </a:solidFill>
@@ -1094,23 +1111,23 @@
                 <a:sym typeface="Calibri"/>
               </a:defRPr>
             </a:lvl8pPr>
-            <a:lvl9pPr indent="-228600" lvl="8" marL="4114800" marR="0" rtl="0" algn="l">
-              <a:lnSpc>
-                <a:spcPct val="100000"/>
-              </a:lnSpc>
-              <a:spcBef>
-                <a:spcPts val="0"/>
-              </a:spcBef>
-              <a:spcAft>
-                <a:spcPts val="0"/>
-              </a:spcAft>
-              <a:buClr>
-                <a:srgbClr val="000000"/>
-              </a:buClr>
-              <a:buSzPts val="1400"/>
-              <a:buFont typeface="Arial"/>
-              <a:buNone/>
-              <a:defRPr b="0" i="0" sz="1200" u="none" cap="none" strike="noStrike">
+            <a:lvl9pPr marL="4114800" marR="0" lvl="8" indent="-228600" algn="l" rtl="0">
+              <a:lnSpc>
+                <a:spcPct val="100000"/>
+              </a:lnSpc>
+              <a:spcBef>
+                <a:spcPts val="0"/>
+              </a:spcBef>
+              <a:spcAft>
+                <a:spcPts val="0"/>
+              </a:spcAft>
+              <a:buClr>
+                <a:srgbClr val="000000"/>
+              </a:buClr>
+              <a:buSzPts val="1400"/>
+              <a:buFont typeface="Arial"/>
+              <a:buNone/>
+              <a:defRPr sz="1200" b="0" i="0" u="none" strike="noStrike" cap="none">
                 <a:solidFill>
                   <a:schemeClr val="dk1"/>
                 </a:solidFill>
@@ -1121,15 +1138,19 @@
               </a:defRPr>
             </a:lvl9pPr>
           </a:lstStyle>
-          <a:p/>
+          <a:p>
+            <a:endParaRPr/>
+          </a:p>
         </p:txBody>
       </p:sp>
       <p:sp>
         <p:nvSpPr>
           <p:cNvPr id="7" name="Google Shape;7;n"/>
-          <p:cNvSpPr txBox="1"/>
+          <p:cNvSpPr txBox="1">
+            <a:spLocks noGrp="1"/>
+          </p:cNvSpPr>
           <p:nvPr>
-            <p:ph idx="11" type="ftr"/>
+            <p:ph type="ftr" idx="11"/>
           </p:nvPr>
         </p:nvSpPr>
         <p:spPr>
@@ -1146,27 +1167,27 @@
           </a:ln>
         </p:spPr>
         <p:txBody>
-          <a:bodyPr anchorCtr="0" anchor="b" bIns="45700" lIns="91425" spcFirstLastPara="1" rIns="91425" wrap="square" tIns="45700">
+          <a:bodyPr spcFirstLastPara="1" wrap="square" lIns="91425" tIns="45700" rIns="91425" bIns="45700" anchor="b" anchorCtr="0">
             <a:noAutofit/>
           </a:bodyPr>
           <a:lstStyle>
-            <a:lvl1pPr lvl="0" marR="0" rtl="0" algn="l">
-              <a:lnSpc>
-                <a:spcPct val="100000"/>
-              </a:lnSpc>
-              <a:spcBef>
-                <a:spcPts val="0"/>
-              </a:spcBef>
-              <a:spcAft>
-                <a:spcPts val="0"/>
-              </a:spcAft>
-              <a:buClr>
-                <a:srgbClr val="000000"/>
-              </a:buClr>
-              <a:buSzPts val="1400"/>
-              <a:buFont typeface="Arial"/>
-              <a:buNone/>
-              <a:defRPr b="0" i="0" sz="1200" u="none" cap="none" strike="noStrike">
+            <a:lvl1pPr marR="0" lvl="0" algn="l" rtl="0">
+              <a:lnSpc>
+                <a:spcPct val="100000"/>
+              </a:lnSpc>
+              <a:spcBef>
+                <a:spcPts val="0"/>
+              </a:spcBef>
+              <a:spcAft>
+                <a:spcPts val="0"/>
+              </a:spcAft>
+              <a:buClr>
+                <a:srgbClr val="000000"/>
+              </a:buClr>
+              <a:buSzPts val="1400"/>
+              <a:buFont typeface="Arial"/>
+              <a:buNone/>
+              <a:defRPr sz="1200" b="0" i="0" u="none" strike="noStrike" cap="none">
                 <a:solidFill>
                   <a:schemeClr val="dk1"/>
                 </a:solidFill>
@@ -1176,23 +1197,23 @@
                 <a:sym typeface="Calibri"/>
               </a:defRPr>
             </a:lvl1pPr>
-            <a:lvl2pPr lvl="1" marR="0" rtl="0" algn="l">
-              <a:lnSpc>
-                <a:spcPct val="100000"/>
-              </a:lnSpc>
-              <a:spcBef>
-                <a:spcPts val="0"/>
-              </a:spcBef>
-              <a:spcAft>
-                <a:spcPts val="0"/>
-              </a:spcAft>
-              <a:buClr>
-                <a:srgbClr val="000000"/>
-              </a:buClr>
-              <a:buSzPts val="1400"/>
-              <a:buFont typeface="Arial"/>
-              <a:buNone/>
-              <a:defRPr b="0" i="0" sz="1800" u="none" cap="none" strike="noStrike">
+            <a:lvl2pPr marR="0" lvl="1" algn="l" rtl="0">
+              <a:lnSpc>
+                <a:spcPct val="100000"/>
+              </a:lnSpc>
+              <a:spcBef>
+                <a:spcPts val="0"/>
+              </a:spcBef>
+              <a:spcAft>
+                <a:spcPts val="0"/>
+              </a:spcAft>
+              <a:buClr>
+                <a:srgbClr val="000000"/>
+              </a:buClr>
+              <a:buSzPts val="1400"/>
+              <a:buFont typeface="Arial"/>
+              <a:buNone/>
+              <a:defRPr sz="1800" b="0" i="0" u="none" strike="noStrike" cap="none">
                 <a:solidFill>
                   <a:schemeClr val="dk1"/>
                 </a:solidFill>
@@ -1202,23 +1223,23 @@
                 <a:sym typeface="Calibri"/>
               </a:defRPr>
             </a:lvl2pPr>
-            <a:lvl3pPr lvl="2" marR="0" rtl="0" algn="l">
-              <a:lnSpc>
-                <a:spcPct val="100000"/>
-              </a:lnSpc>
-              <a:spcBef>
-                <a:spcPts val="0"/>
-              </a:spcBef>
-              <a:spcAft>
-                <a:spcPts val="0"/>
-              </a:spcAft>
-              <a:buClr>
-                <a:srgbClr val="000000"/>
-              </a:buClr>
-              <a:buSzPts val="1400"/>
-              <a:buFont typeface="Arial"/>
-              <a:buNone/>
-              <a:defRPr b="0" i="0" sz="1800" u="none" cap="none" strike="noStrike">
+            <a:lvl3pPr marR="0" lvl="2" algn="l" rtl="0">
+              <a:lnSpc>
+                <a:spcPct val="100000"/>
+              </a:lnSpc>
+              <a:spcBef>
+                <a:spcPts val="0"/>
+              </a:spcBef>
+              <a:spcAft>
+                <a:spcPts val="0"/>
+              </a:spcAft>
+              <a:buClr>
+                <a:srgbClr val="000000"/>
+              </a:buClr>
+              <a:buSzPts val="1400"/>
+              <a:buFont typeface="Arial"/>
+              <a:buNone/>
+              <a:defRPr sz="1800" b="0" i="0" u="none" strike="noStrike" cap="none">
                 <a:solidFill>
                   <a:schemeClr val="dk1"/>
                 </a:solidFill>
@@ -1228,23 +1249,23 @@
                 <a:sym typeface="Calibri"/>
               </a:defRPr>
             </a:lvl3pPr>
-            <a:lvl4pPr lvl="3" marR="0" rtl="0" algn="l">
-              <a:lnSpc>
-                <a:spcPct val="100000"/>
-              </a:lnSpc>
-              <a:spcBef>
-                <a:spcPts val="0"/>
-              </a:spcBef>
-              <a:spcAft>
-                <a:spcPts val="0"/>
-              </a:spcAft>
-              <a:buClr>
-                <a:srgbClr val="000000"/>
-              </a:buClr>
-              <a:buSzPts val="1400"/>
-              <a:buFont typeface="Arial"/>
-              <a:buNone/>
-              <a:defRPr b="0" i="0" sz="1800" u="none" cap="none" strike="noStrike">
+            <a:lvl4pPr marR="0" lvl="3" algn="l" rtl="0">
+              <a:lnSpc>
+                <a:spcPct val="100000"/>
+              </a:lnSpc>
+              <a:spcBef>
+                <a:spcPts val="0"/>
+              </a:spcBef>
+              <a:spcAft>
+                <a:spcPts val="0"/>
+              </a:spcAft>
+              <a:buClr>
+                <a:srgbClr val="000000"/>
+              </a:buClr>
+              <a:buSzPts val="1400"/>
+              <a:buFont typeface="Arial"/>
+              <a:buNone/>
+              <a:defRPr sz="1800" b="0" i="0" u="none" strike="noStrike" cap="none">
                 <a:solidFill>
                   <a:schemeClr val="dk1"/>
                 </a:solidFill>
@@ -1254,23 +1275,23 @@
                 <a:sym typeface="Calibri"/>
               </a:defRPr>
             </a:lvl4pPr>
-            <a:lvl5pPr lvl="4" marR="0" rtl="0" algn="l">
-              <a:lnSpc>
-                <a:spcPct val="100000"/>
-              </a:lnSpc>
-              <a:spcBef>
-                <a:spcPts val="0"/>
-              </a:spcBef>
-              <a:spcAft>
-                <a:spcPts val="0"/>
-              </a:spcAft>
-              <a:buClr>
-                <a:srgbClr val="000000"/>
-              </a:buClr>
-              <a:buSzPts val="1400"/>
-              <a:buFont typeface="Arial"/>
-              <a:buNone/>
-              <a:defRPr b="0" i="0" sz="1800" u="none" cap="none" strike="noStrike">
+            <a:lvl5pPr marR="0" lvl="4" algn="l" rtl="0">
+              <a:lnSpc>
+                <a:spcPct val="100000"/>
+              </a:lnSpc>
+              <a:spcBef>
+                <a:spcPts val="0"/>
+              </a:spcBef>
+              <a:spcAft>
+                <a:spcPts val="0"/>
+              </a:spcAft>
+              <a:buClr>
+                <a:srgbClr val="000000"/>
+              </a:buClr>
+              <a:buSzPts val="1400"/>
+              <a:buFont typeface="Arial"/>
+              <a:buNone/>
+              <a:defRPr sz="1800" b="0" i="0" u="none" strike="noStrike" cap="none">
                 <a:solidFill>
                   <a:schemeClr val="dk1"/>
                 </a:solidFill>
@@ -1280,23 +1301,23 @@
                 <a:sym typeface="Calibri"/>
               </a:defRPr>
             </a:lvl5pPr>
-            <a:lvl6pPr lvl="5" marR="0" rtl="0" algn="l">
-              <a:lnSpc>
-                <a:spcPct val="100000"/>
-              </a:lnSpc>
-              <a:spcBef>
-                <a:spcPts val="0"/>
-              </a:spcBef>
-              <a:spcAft>
-                <a:spcPts val="0"/>
-              </a:spcAft>
-              <a:buClr>
-                <a:srgbClr val="000000"/>
-              </a:buClr>
-              <a:buSzPts val="1400"/>
-              <a:buFont typeface="Arial"/>
-              <a:buNone/>
-              <a:defRPr b="0" i="0" sz="1800" u="none" cap="none" strike="noStrike">
+            <a:lvl6pPr marR="0" lvl="5" algn="l" rtl="0">
+              <a:lnSpc>
+                <a:spcPct val="100000"/>
+              </a:lnSpc>
+              <a:spcBef>
+                <a:spcPts val="0"/>
+              </a:spcBef>
+              <a:spcAft>
+                <a:spcPts val="0"/>
+              </a:spcAft>
+              <a:buClr>
+                <a:srgbClr val="000000"/>
+              </a:buClr>
+              <a:buSzPts val="1400"/>
+              <a:buFont typeface="Arial"/>
+              <a:buNone/>
+              <a:defRPr sz="1800" b="0" i="0" u="none" strike="noStrike" cap="none">
                 <a:solidFill>
                   <a:schemeClr val="dk1"/>
                 </a:solidFill>
@@ -1306,23 +1327,23 @@
                 <a:sym typeface="Calibri"/>
               </a:defRPr>
             </a:lvl6pPr>
-            <a:lvl7pPr lvl="6" marR="0" rtl="0" algn="l">
-              <a:lnSpc>
-                <a:spcPct val="100000"/>
-              </a:lnSpc>
-              <a:spcBef>
-                <a:spcPts val="0"/>
-              </a:spcBef>
-              <a:spcAft>
-                <a:spcPts val="0"/>
-              </a:spcAft>
-              <a:buClr>
-                <a:srgbClr val="000000"/>
-              </a:buClr>
-              <a:buSzPts val="1400"/>
-              <a:buFont typeface="Arial"/>
-              <a:buNone/>
-              <a:defRPr b="0" i="0" sz="1800" u="none" cap="none" strike="noStrike">
+            <a:lvl7pPr marR="0" lvl="6" algn="l" rtl="0">
+              <a:lnSpc>
+                <a:spcPct val="100000"/>
+              </a:lnSpc>
+              <a:spcBef>
+                <a:spcPts val="0"/>
+              </a:spcBef>
+              <a:spcAft>
+                <a:spcPts val="0"/>
+              </a:spcAft>
+              <a:buClr>
+                <a:srgbClr val="000000"/>
+              </a:buClr>
+              <a:buSzPts val="1400"/>
+              <a:buFont typeface="Arial"/>
+              <a:buNone/>
+              <a:defRPr sz="1800" b="0" i="0" u="none" strike="noStrike" cap="none">
                 <a:solidFill>
                   <a:schemeClr val="dk1"/>
                 </a:solidFill>
@@ -1332,23 +1353,23 @@
                 <a:sym typeface="Calibri"/>
               </a:defRPr>
             </a:lvl7pPr>
-            <a:lvl8pPr lvl="7" marR="0" rtl="0" algn="l">
-              <a:lnSpc>
-                <a:spcPct val="100000"/>
-              </a:lnSpc>
-              <a:spcBef>
-                <a:spcPts val="0"/>
-              </a:spcBef>
-              <a:spcAft>
-                <a:spcPts val="0"/>
-              </a:spcAft>
-              <a:buClr>
-                <a:srgbClr val="000000"/>
-              </a:buClr>
-              <a:buSzPts val="1400"/>
-              <a:buFont typeface="Arial"/>
-              <a:buNone/>
-              <a:defRPr b="0" i="0" sz="1800" u="none" cap="none" strike="noStrike">
+            <a:lvl8pPr marR="0" lvl="7" algn="l" rtl="0">
+              <a:lnSpc>
+                <a:spcPct val="100000"/>
+              </a:lnSpc>
+              <a:spcBef>
+                <a:spcPts val="0"/>
+              </a:spcBef>
+              <a:spcAft>
+                <a:spcPts val="0"/>
+              </a:spcAft>
+              <a:buClr>
+                <a:srgbClr val="000000"/>
+              </a:buClr>
+              <a:buSzPts val="1400"/>
+              <a:buFont typeface="Arial"/>
+              <a:buNone/>
+              <a:defRPr sz="1800" b="0" i="0" u="none" strike="noStrike" cap="none">
                 <a:solidFill>
                   <a:schemeClr val="dk1"/>
                 </a:solidFill>
@@ -1358,23 +1379,23 @@
                 <a:sym typeface="Calibri"/>
               </a:defRPr>
             </a:lvl8pPr>
-            <a:lvl9pPr lvl="8" marR="0" rtl="0" algn="l">
-              <a:lnSpc>
-                <a:spcPct val="100000"/>
-              </a:lnSpc>
-              <a:spcBef>
-                <a:spcPts val="0"/>
-              </a:spcBef>
-              <a:spcAft>
-                <a:spcPts val="0"/>
-              </a:spcAft>
-              <a:buClr>
-                <a:srgbClr val="000000"/>
-              </a:buClr>
-              <a:buSzPts val="1400"/>
-              <a:buFont typeface="Arial"/>
-              <a:buNone/>
-              <a:defRPr b="0" i="0" sz="1800" u="none" cap="none" strike="noStrike">
+            <a:lvl9pPr marR="0" lvl="8" algn="l" rtl="0">
+              <a:lnSpc>
+                <a:spcPct val="100000"/>
+              </a:lnSpc>
+              <a:spcBef>
+                <a:spcPts val="0"/>
+              </a:spcBef>
+              <a:spcAft>
+                <a:spcPts val="0"/>
+              </a:spcAft>
+              <a:buClr>
+                <a:srgbClr val="000000"/>
+              </a:buClr>
+              <a:buSzPts val="1400"/>
+              <a:buFont typeface="Arial"/>
+              <a:buNone/>
+              <a:defRPr sz="1800" b="0" i="0" u="none" strike="noStrike" cap="none">
                 <a:solidFill>
                   <a:schemeClr val="dk1"/>
                 </a:solidFill>
@@ -1385,15 +1406,19 @@
               </a:defRPr>
             </a:lvl9pPr>
           </a:lstStyle>
-          <a:p/>
+          <a:p>
+            <a:endParaRPr/>
+          </a:p>
         </p:txBody>
       </p:sp>
       <p:sp>
         <p:nvSpPr>
           <p:cNvPr id="8" name="Google Shape;8;n"/>
-          <p:cNvSpPr txBox="1"/>
+          <p:cNvSpPr txBox="1">
+            <a:spLocks noGrp="1"/>
+          </p:cNvSpPr>
           <p:nvPr>
-            <p:ph idx="12" type="sldNum"/>
+            <p:ph type="sldNum" idx="12"/>
           </p:nvPr>
         </p:nvSpPr>
         <p:spPr>
@@ -1410,12 +1435,12 @@
           </a:ln>
         </p:spPr>
         <p:txBody>
-          <a:bodyPr anchorCtr="0" anchor="b" bIns="45700" lIns="91425" spcFirstLastPara="1" rIns="91425" wrap="square" tIns="45700">
+          <a:bodyPr spcFirstLastPara="1" wrap="square" lIns="91425" tIns="45700" rIns="91425" bIns="45700" anchor="b" anchorCtr="0">
             <a:noAutofit/>
           </a:bodyPr>
           <a:lstStyle/>
           <a:p>
-            <a:pPr indent="0" lvl="0" marL="0" marR="0" rtl="0" algn="r">
+            <a:pPr marL="0" marR="0" lvl="0" indent="0" algn="r" rtl="0">
               <a:lnSpc>
                 <a:spcPct val="100000"/>
               </a:lnSpc>
@@ -1433,7 +1458,7 @@
               <a:buNone/>
             </a:pPr>
             <a:fld id="{00000000-1234-1234-1234-123412341234}" type="slidenum">
-              <a:rPr b="0" i="0" lang="en-AU" sz="1200" u="none" cap="none" strike="noStrike">
+              <a:rPr lang="en-AU" sz="1200" b="0" i="0" u="none" strike="noStrike" cap="none">
                 <a:solidFill>
                   <a:schemeClr val="dk1"/>
                 </a:solidFill>
@@ -1444,7 +1469,7 @@
               </a:rPr>
               <a:t>‹#›</a:t>
             </a:fld>
-            <a:endParaRPr b="0" i="0" sz="1200" u="none" cap="none" strike="noStrike">
+            <a:endParaRPr sz="1200" b="0" i="0" u="none" strike="noStrike" cap="none">
               <a:solidFill>
                 <a:schemeClr val="dk1"/>
               </a:solidFill>
@@ -1458,9 +1483,9 @@
       </p:sp>
     </p:spTree>
   </p:cSld>
-  <p:clrMap accent1="accent1" accent2="accent2" accent3="accent3" accent4="accent4" accent5="accent5" accent6="accent6" bg1="lt1" bg2="dk2" tx1="dk1" tx2="lt2" folHlink="folHlink" hlink="hlink"/>
+  <p:clrMap bg1="lt1" tx1="dk1" bg2="dk2" tx2="lt2" accent1="accent1" accent2="accent2" accent3="accent3" accent4="accent4" accent5="accent5" accent6="accent6" hlink="hlink" folHlink="folHlink"/>
   <p:notesStyle>
-    <a:defPPr lvl="0" marR="0" rtl="0" algn="l">
+    <a:defPPr marR="0" lvl="0" algn="l" rtl="0">
       <a:lnSpc>
         <a:spcPct val="100000"/>
       </a:lnSpc>
@@ -1471,7 +1496,7 @@
         <a:spcPts val="0"/>
       </a:spcAft>
     </a:defPPr>
-    <a:lvl1pPr lvl="0" marR="0" rtl="0" algn="l">
+    <a:lvl1pPr marR="0" lvl="0" algn="l" rtl="0">
       <a:lnSpc>
         <a:spcPct val="100000"/>
       </a:lnSpc>
@@ -1485,7 +1510,7 @@
         <a:srgbClr val="000000"/>
       </a:buClr>
       <a:buFont typeface="Arial"/>
-      <a:defRPr b="0" i="0" sz="1400" u="none" cap="none" strike="noStrike">
+      <a:defRPr sz="1400" b="0" i="0" u="none" strike="noStrike" cap="none">
         <a:solidFill>
           <a:srgbClr val="000000"/>
         </a:solidFill>
@@ -1495,7 +1520,7 @@
         <a:sym typeface="Arial"/>
       </a:defRPr>
     </a:lvl1pPr>
-    <a:lvl2pPr lvl="1" marR="0" rtl="0" algn="l">
+    <a:lvl2pPr marR="0" lvl="1" algn="l" rtl="0">
       <a:lnSpc>
         <a:spcPct val="100000"/>
       </a:lnSpc>
@@ -1509,7 +1534,7 @@
         <a:srgbClr val="000000"/>
       </a:buClr>
       <a:buFont typeface="Arial"/>
-      <a:defRPr b="0" i="0" sz="1400" u="none" cap="none" strike="noStrike">
+      <a:defRPr sz="1400" b="0" i="0" u="none" strike="noStrike" cap="none">
         <a:solidFill>
           <a:srgbClr val="000000"/>
         </a:solidFill>
@@ -1519,7 +1544,7 @@
         <a:sym typeface="Arial"/>
       </a:defRPr>
     </a:lvl2pPr>
-    <a:lvl3pPr lvl="2" marR="0" rtl="0" algn="l">
+    <a:lvl3pPr marR="0" lvl="2" algn="l" rtl="0">
       <a:lnSpc>
         <a:spcPct val="100000"/>
       </a:lnSpc>
@@ -1533,7 +1558,7 @@
         <a:srgbClr val="000000"/>
       </a:buClr>
       <a:buFont typeface="Arial"/>
-      <a:defRPr b="0" i="0" sz="1400" u="none" cap="none" strike="noStrike">
+      <a:defRPr sz="1400" b="0" i="0" u="none" strike="noStrike" cap="none">
         <a:solidFill>
           <a:srgbClr val="000000"/>
         </a:solidFill>
@@ -1543,7 +1568,7 @@
         <a:sym typeface="Arial"/>
       </a:defRPr>
     </a:lvl3pPr>
-    <a:lvl4pPr lvl="3" marR="0" rtl="0" algn="l">
+    <a:lvl4pPr marR="0" lvl="3" algn="l" rtl="0">
       <a:lnSpc>
         <a:spcPct val="100000"/>
       </a:lnSpc>
@@ -1557,7 +1582,7 @@
         <a:srgbClr val="000000"/>
       </a:buClr>
       <a:buFont typeface="Arial"/>
-      <a:defRPr b="0" i="0" sz="1400" u="none" cap="none" strike="noStrike">
+      <a:defRPr sz="1400" b="0" i="0" u="none" strike="noStrike" cap="none">
         <a:solidFill>
           <a:srgbClr val="000000"/>
         </a:solidFill>
@@ -1567,7 +1592,7 @@
         <a:sym typeface="Arial"/>
       </a:defRPr>
     </a:lvl4pPr>
-    <a:lvl5pPr lvl="4" marR="0" rtl="0" algn="l">
+    <a:lvl5pPr marR="0" lvl="4" algn="l" rtl="0">
       <a:lnSpc>
         <a:spcPct val="100000"/>
       </a:lnSpc>
@@ -1581,7 +1606,7 @@
         <a:srgbClr val="000000"/>
       </a:buClr>
       <a:buFont typeface="Arial"/>
-      <a:defRPr b="0" i="0" sz="1400" u="none" cap="none" strike="noStrike">
+      <a:defRPr sz="1400" b="0" i="0" u="none" strike="noStrike" cap="none">
         <a:solidFill>
           <a:srgbClr val="000000"/>
         </a:solidFill>
@@ -1591,7 +1616,7 @@
         <a:sym typeface="Arial"/>
       </a:defRPr>
     </a:lvl5pPr>
-    <a:lvl6pPr lvl="5" marR="0" rtl="0" algn="l">
+    <a:lvl6pPr marR="0" lvl="5" algn="l" rtl="0">
       <a:lnSpc>
         <a:spcPct val="100000"/>
       </a:lnSpc>
@@ -1605,7 +1630,7 @@
         <a:srgbClr val="000000"/>
       </a:buClr>
       <a:buFont typeface="Arial"/>
-      <a:defRPr b="0" i="0" sz="1400" u="none" cap="none" strike="noStrike">
+      <a:defRPr sz="1400" b="0" i="0" u="none" strike="noStrike" cap="none">
         <a:solidFill>
           <a:srgbClr val="000000"/>
         </a:solidFill>
@@ -1615,7 +1640,7 @@
         <a:sym typeface="Arial"/>
       </a:defRPr>
     </a:lvl6pPr>
-    <a:lvl7pPr lvl="6" marR="0" rtl="0" algn="l">
+    <a:lvl7pPr marR="0" lvl="6" algn="l" rtl="0">
       <a:lnSpc>
         <a:spcPct val="100000"/>
       </a:lnSpc>
@@ -1629,7 +1654,7 @@
         <a:srgbClr val="000000"/>
       </a:buClr>
       <a:buFont typeface="Arial"/>
-      <a:defRPr b="0" i="0" sz="1400" u="none" cap="none" strike="noStrike">
+      <a:defRPr sz="1400" b="0" i="0" u="none" strike="noStrike" cap="none">
         <a:solidFill>
           <a:srgbClr val="000000"/>
         </a:solidFill>
@@ -1639,7 +1664,7 @@
         <a:sym typeface="Arial"/>
       </a:defRPr>
     </a:lvl7pPr>
-    <a:lvl8pPr lvl="7" marR="0" rtl="0" algn="l">
+    <a:lvl8pPr marR="0" lvl="7" algn="l" rtl="0">
       <a:lnSpc>
         <a:spcPct val="100000"/>
       </a:lnSpc>
@@ -1653,7 +1678,7 @@
         <a:srgbClr val="000000"/>
       </a:buClr>
       <a:buFont typeface="Arial"/>
-      <a:defRPr b="0" i="0" sz="1400" u="none" cap="none" strike="noStrike">
+      <a:defRPr sz="1400" b="0" i="0" u="none" strike="noStrike" cap="none">
         <a:solidFill>
           <a:srgbClr val="000000"/>
         </a:solidFill>
@@ -1663,7 +1688,7 @@
         <a:sym typeface="Arial"/>
       </a:defRPr>
     </a:lvl8pPr>
-    <a:lvl9pPr lvl="8" marR="0" rtl="0" algn="l">
+    <a:lvl9pPr marR="0" lvl="8" algn="l" rtl="0">
       <a:lnSpc>
         <a:spcPct val="100000"/>
       </a:lnSpc>
@@ -1677,7 +1702,7 @@
         <a:srgbClr val="000000"/>
       </a:buClr>
       <a:buFont typeface="Arial"/>
-      <a:defRPr b="0" i="0" sz="1400" u="none" cap="none" strike="noStrike">
+      <a:defRPr sz="1400" b="0" i="0" u="none" strike="noStrike" cap="none">
         <a:solidFill>
           <a:srgbClr val="000000"/>
         </a:solidFill>
@@ -1692,11 +1717,11 @@
 </file>
 
 <file path=ppt/notesSlides/notesSlide1.xml><?xml version="1.0" encoding="utf-8"?>
-<p:notes xmlns:a="http://schemas.openxmlformats.org/drawingml/2006/main" xmlns:r="http://schemas.openxmlformats.org/officeDocument/2006/relationships" xmlns:mc="http://schemas.openxmlformats.org/markup-compatibility/2006" xmlns:mv="urn:schemas-microsoft-com:mac:vml" xmlns:p="http://schemas.openxmlformats.org/presentationml/2006/main" xmlns:c="http://schemas.openxmlformats.org/drawingml/2006/chart" xmlns:dgm="http://schemas.openxmlformats.org/drawingml/2006/diagram" xmlns:o="urn:schemas-microsoft-com:office:office" xmlns:v="urn:schemas-microsoft-com:vml" xmlns:pvml="urn:schemas-microsoft-com:office:powerpoint" xmlns:com="http://schemas.openxmlformats.org/drawingml/2006/compatibility" xmlns:p14="http://schemas.microsoft.com/office/powerpoint/2010/main" xmlns:p15="http://schemas.microsoft.com/office/powerpoint/2012/main" showMasterPhAnim="0" showMasterSp="0">
+<p:notes xmlns:a="http://schemas.openxmlformats.org/drawingml/2006/main" xmlns:r="http://schemas.openxmlformats.org/officeDocument/2006/relationships" xmlns:p="http://schemas.openxmlformats.org/presentationml/2006/main" showMasterSp="0" showMasterPhAnim="0">
   <p:cSld>
     <p:spTree>
       <p:nvGrpSpPr>
-        <p:cNvPr id="15" name="Shape 15"/>
+        <p:cNvPr id="1" name="Shape 15"/>
         <p:cNvGrpSpPr/>
         <p:nvPr/>
       </p:nvGrpSpPr>
@@ -1711,9 +1736,11 @@
       <p:sp>
         <p:nvSpPr>
           <p:cNvPr id="16" name="Google Shape;16;p1:notes"/>
-          <p:cNvSpPr txBox="1"/>
+          <p:cNvSpPr txBox="1">
+            <a:spLocks noGrp="1"/>
+          </p:cNvSpPr>
           <p:nvPr>
-            <p:ph idx="12" type="sldNum"/>
+            <p:ph type="sldNum" idx="12"/>
           </p:nvPr>
         </p:nvSpPr>
         <p:spPr>
@@ -1730,12 +1757,12 @@
           </a:ln>
         </p:spPr>
         <p:txBody>
-          <a:bodyPr anchorCtr="0" anchor="b" bIns="45700" lIns="91425" spcFirstLastPara="1" rIns="91425" wrap="square" tIns="45700">
+          <a:bodyPr spcFirstLastPara="1" wrap="square" lIns="91425" tIns="45700" rIns="91425" bIns="45700" anchor="b" anchorCtr="0">
             <a:noAutofit/>
           </a:bodyPr>
           <a:lstStyle/>
           <a:p>
-            <a:pPr indent="0" lvl="0" marL="0" marR="0" rtl="0" algn="r">
+            <a:pPr marL="0" marR="0" lvl="0" indent="0" algn="r" rtl="0">
               <a:lnSpc>
                 <a:spcPct val="100000"/>
               </a:lnSpc>
@@ -1753,14 +1780,14 @@
               <a:buNone/>
             </a:pPr>
             <a:fld id="{00000000-1234-1234-1234-123412341234}" type="slidenum">
-              <a:rPr b="0" i="0" lang="en-AU" sz="1800" u="none" cap="none" strike="noStrike">
+              <a:rPr lang="en-AU" sz="1800" b="0" i="0" u="none" strike="noStrike" cap="none">
                 <a:solidFill>
                   <a:srgbClr val="000000"/>
                 </a:solidFill>
               </a:rPr>
-              <a:t>‹#›</a:t>
+              <a:t>1</a:t>
             </a:fld>
-            <a:endParaRPr b="0" i="0" sz="1800" u="none" cap="none" strike="noStrike">
+            <a:endParaRPr sz="1800" b="0" i="0" u="none" strike="noStrike" cap="none">
               <a:solidFill>
                 <a:srgbClr val="000000"/>
               </a:solidFill>
@@ -1771,9 +1798,11 @@
       <p:sp>
         <p:nvSpPr>
           <p:cNvPr id="17" name="Google Shape;17;p1:notes"/>
-          <p:cNvSpPr/>
+          <p:cNvSpPr>
+            <a:spLocks noGrp="1" noRot="1" noChangeAspect="1"/>
+          </p:cNvSpPr>
           <p:nvPr>
-            <p:ph idx="2" type="sldImg"/>
+            <p:ph type="sldImg" idx="2"/>
           </p:nvPr>
         </p:nvSpPr>
         <p:spPr>
@@ -1782,9 +1811,13 @@
             <a:ext cx="11201401" cy="8401050"/>
           </a:xfrm>
           <a:custGeom>
-            <a:rect b="b" l="l" r="r" t="t"/>
+            <a:avLst/>
+            <a:gdLst/>
+            <a:ahLst/>
+            <a:cxnLst/>
+            <a:rect l="l" t="t" r="r" b="b"/>
             <a:pathLst>
-              <a:path extrusionOk="0" h="120000" w="120000">
+              <a:path w="120000" h="120000" extrusionOk="0">
                 <a:moveTo>
                   <a:pt x="0" y="0"/>
                 </a:moveTo>
@@ -1810,9 +1843,11 @@
       <p:sp>
         <p:nvSpPr>
           <p:cNvPr id="18" name="Google Shape;18;p1:notes"/>
-          <p:cNvSpPr txBox="1"/>
+          <p:cNvSpPr txBox="1">
+            <a:spLocks noGrp="1"/>
+          </p:cNvSpPr>
           <p:nvPr>
-            <p:ph idx="1" type="body"/>
+            <p:ph type="body" idx="1"/>
           </p:nvPr>
         </p:nvSpPr>
         <p:spPr>
@@ -1829,12 +1864,12 @@
           </a:ln>
         </p:spPr>
         <p:txBody>
-          <a:bodyPr anchorCtr="0" anchor="t" bIns="45700" lIns="91425" spcFirstLastPara="1" rIns="91425" wrap="square" tIns="45700">
+          <a:bodyPr spcFirstLastPara="1" wrap="square" lIns="91425" tIns="45700" rIns="91425" bIns="45700" anchor="t" anchorCtr="0">
             <a:noAutofit/>
           </a:bodyPr>
           <a:lstStyle/>
           <a:p>
-            <a:pPr indent="0" lvl="0" marL="0" marR="0" rtl="0" algn="l">
+            <a:pPr marL="0" marR="0" lvl="0" indent="0" algn="l" rtl="0">
               <a:lnSpc>
                 <a:spcPct val="100000"/>
               </a:lnSpc>
@@ -1852,11 +1887,11 @@
               <a:buNone/>
             </a:pPr>
             <a:r>
-              <a:rPr b="1" lang="en-AU"/>
+              <a:rPr lang="en-AU" b="1"/>
               <a:t>Hypothesis: </a:t>
             </a:r>
             <a:r>
-              <a:rPr b="0" i="1" lang="en-AU" sz="1200" u="none" cap="none" strike="noStrike">
+              <a:rPr lang="en-AU" sz="1200" b="0" i="1" u="none" strike="noStrike" cap="none">
                 <a:solidFill>
                   <a:srgbClr val="000000"/>
                 </a:solidFill>
@@ -1868,7 +1903,7 @@
               <a:t>Create a Hypothesis with an emphasis on SMART principles. </a:t>
             </a:r>
             <a:r>
-              <a:rPr b="1" i="1" lang="en-AU" sz="1200" u="none" cap="none" strike="noStrike">
+              <a:rPr lang="en-AU" sz="1200" b="1" i="1" u="none" strike="noStrike" cap="none">
                 <a:solidFill>
                   <a:srgbClr val="000000"/>
                 </a:solidFill>
@@ -1880,25 +1915,25 @@
               <a:t>(</a:t>
             </a:r>
             <a:r>
-              <a:rPr b="1" i="1" lang="en-AU" sz="1200"/>
+              <a:rPr lang="en-AU" sz="1200" b="1" i="1"/>
               <a:t>S – Specific, M – Measurable, A – Achievable, R – Realistic, T – Timebound). </a:t>
             </a:r>
             <a:r>
-              <a:rPr b="0" i="0" lang="en-AU" sz="1200"/>
+              <a:rPr lang="en-AU" sz="1200" b="0" i="0"/>
               <a:t>If you cannot do this, you </a:t>
             </a:r>
             <a:r>
-              <a:rPr b="1" i="0" lang="en-AU" sz="1200"/>
+              <a:rPr lang="en-AU" sz="1200" b="1" i="0"/>
               <a:t>do not</a:t>
             </a:r>
             <a:r>
-              <a:rPr b="0" i="0" lang="en-AU" sz="1200"/>
+              <a:rPr lang="en-AU" sz="1200" b="0" i="0"/>
               <a:t> have a good grasp on the business problem.</a:t>
             </a:r>
             <a:endParaRPr b="1"/>
           </a:p>
           <a:p>
-            <a:pPr indent="0" lvl="0" marL="0" rtl="0" algn="l">
+            <a:pPr marL="0" lvl="0" indent="0" algn="l" rtl="0">
               <a:lnSpc>
                 <a:spcPct val="100000"/>
               </a:lnSpc>
@@ -1911,13 +1946,10 @@
               <a:buSzPts val="1400"/>
               <a:buNone/>
             </a:pPr>
-            <a:r>
-              <a:t/>
-            </a:r>
             <a:endParaRPr/>
           </a:p>
           <a:p>
-            <a:pPr indent="0" lvl="0" marL="0" marR="0" rtl="0" algn="l">
+            <a:pPr marL="0" marR="0" lvl="0" indent="0" algn="l" rtl="0">
               <a:lnSpc>
                 <a:spcPct val="100000"/>
               </a:lnSpc>
@@ -1935,7 +1967,7 @@
               <a:buNone/>
             </a:pPr>
             <a:r>
-              <a:rPr b="1" lang="en-AU"/>
+              <a:rPr lang="en-AU" b="1"/>
               <a:t>Context: </a:t>
             </a:r>
             <a:r>
@@ -1943,7 +1975,7 @@
               <a:t>With context, we have </a:t>
             </a:r>
             <a:r>
-              <a:rPr b="1" lang="en-AU" sz="1200" u="sng"/>
+              <a:rPr lang="en-AU" sz="1200" b="1" u="sng"/>
               <a:t>clearly identified the problem at hand </a:t>
             </a:r>
             <a:r>
@@ -1953,7 +1985,7 @@
             <a:endParaRPr/>
           </a:p>
           <a:p>
-            <a:pPr indent="0" lvl="0" marL="0" rtl="0" algn="l">
+            <a:pPr marL="0" lvl="0" indent="0" algn="l" rtl="0">
               <a:lnSpc>
                 <a:spcPct val="100000"/>
               </a:lnSpc>
@@ -1966,13 +1998,10 @@
               <a:buSzPts val="1400"/>
               <a:buNone/>
             </a:pPr>
-            <a:r>
-              <a:t/>
-            </a:r>
             <a:endParaRPr b="1"/>
           </a:p>
           <a:p>
-            <a:pPr indent="0" lvl="0" marL="0" rtl="0" algn="l">
+            <a:pPr marL="0" lvl="0" indent="0" algn="l" rtl="0">
               <a:lnSpc>
                 <a:spcPct val="100000"/>
               </a:lnSpc>
@@ -1986,17 +2015,17 @@
               <a:buNone/>
             </a:pPr>
             <a:r>
-              <a:rPr b="1" lang="en-AU"/>
+              <a:rPr lang="en-AU" b="1"/>
               <a:t>Criteria for Success</a:t>
             </a:r>
             <a:r>
-              <a:rPr b="0" lang="en-AU"/>
+              <a:rPr lang="en-AU" b="0"/>
               <a:t>: Clearly defining the criteria for success ensures that the scope of your work is clearly defined and understood. Otherwise, if this isn’t defined – your work will never end which will result in mismatched expectations.</a:t>
             </a:r>
             <a:endParaRPr/>
           </a:p>
           <a:p>
-            <a:pPr indent="0" lvl="0" marL="0" rtl="0" algn="l">
+            <a:pPr marL="0" lvl="0" indent="0" algn="l" rtl="0">
               <a:lnSpc>
                 <a:spcPct val="100000"/>
               </a:lnSpc>
@@ -2009,13 +2038,10 @@
               <a:buSzPts val="1400"/>
               <a:buNone/>
             </a:pPr>
-            <a:r>
-              <a:t/>
-            </a:r>
             <a:endParaRPr b="0"/>
           </a:p>
           <a:p>
-            <a:pPr indent="0" lvl="0" marL="0" rtl="0" algn="l">
+            <a:pPr marL="0" lvl="0" indent="0" algn="l" rtl="0">
               <a:lnSpc>
                 <a:spcPct val="100000"/>
               </a:lnSpc>
@@ -2029,17 +2055,17 @@
               <a:buNone/>
             </a:pPr>
             <a:r>
-              <a:rPr b="1" lang="en-AU"/>
+              <a:rPr lang="en-AU" b="1"/>
               <a:t>Scope of Solution Space: </a:t>
             </a:r>
             <a:r>
-              <a:rPr b="0" lang="en-AU"/>
+              <a:rPr lang="en-AU" b="0"/>
               <a:t>Scoping out the solution space ensures that the business initiative is SPECIFIC for a certain segment or area. This prevents solutions that have been developed being scaled and applied for all other business units that the solution may not be responsible or scalable for.</a:t>
             </a:r>
             <a:endParaRPr/>
           </a:p>
           <a:p>
-            <a:pPr indent="0" lvl="0" marL="0" rtl="0" algn="l">
+            <a:pPr marL="0" lvl="0" indent="0" algn="l" rtl="0">
               <a:lnSpc>
                 <a:spcPct val="100000"/>
               </a:lnSpc>
@@ -2052,13 +2078,10 @@
               <a:buSzPts val="1400"/>
               <a:buNone/>
             </a:pPr>
-            <a:r>
-              <a:t/>
-            </a:r>
             <a:endParaRPr b="0"/>
           </a:p>
           <a:p>
-            <a:pPr indent="0" lvl="0" marL="0" rtl="0" algn="l">
+            <a:pPr marL="0" lvl="0" indent="0" algn="l" rtl="0">
               <a:lnSpc>
                 <a:spcPct val="100000"/>
               </a:lnSpc>
@@ -2072,17 +2095,17 @@
               <a:buNone/>
             </a:pPr>
             <a:r>
-              <a:rPr b="1" lang="en-AU"/>
+              <a:rPr lang="en-AU" b="1"/>
               <a:t>Constraints within Solution Space: </a:t>
             </a:r>
             <a:r>
-              <a:rPr b="0" lang="en-AU"/>
+              <a:rPr lang="en-AU" b="0"/>
               <a:t>Looking forward, what are the foreseeable problems we are likely to encounter? Could this be stakeholder resistance? Could this be we don’t have access to the right data? </a:t>
             </a:r>
             <a:endParaRPr/>
           </a:p>
           <a:p>
-            <a:pPr indent="0" lvl="0" marL="0" rtl="0" algn="l">
+            <a:pPr marL="0" lvl="0" indent="0" algn="l" rtl="0">
               <a:lnSpc>
                 <a:spcPct val="100000"/>
               </a:lnSpc>
@@ -2095,13 +2118,10 @@
               <a:buSzPts val="1400"/>
               <a:buNone/>
             </a:pPr>
-            <a:r>
-              <a:t/>
-            </a:r>
             <a:endParaRPr b="0"/>
           </a:p>
           <a:p>
-            <a:pPr indent="0" lvl="0" marL="0" rtl="0" algn="l">
+            <a:pPr marL="0" lvl="0" indent="0" algn="l" rtl="0">
               <a:lnSpc>
                 <a:spcPct val="100000"/>
               </a:lnSpc>
@@ -2115,17 +2135,17 @@
               <a:buNone/>
             </a:pPr>
             <a:r>
-              <a:rPr b="1" lang="en-AU"/>
+              <a:rPr lang="en-AU" b="1"/>
               <a:t>Stakeholders to provide key insight: </a:t>
             </a:r>
             <a:r>
-              <a:rPr b="0" lang="en-AU"/>
+              <a:rPr lang="en-AU" b="0"/>
               <a:t>Who are the people I need to speak to, to get the answers I need for my data analysis?</a:t>
             </a:r>
             <a:endParaRPr/>
           </a:p>
           <a:p>
-            <a:pPr indent="0" lvl="0" marL="0" rtl="0" algn="l">
+            <a:pPr marL="0" lvl="0" indent="0" algn="l" rtl="0">
               <a:lnSpc>
                 <a:spcPct val="100000"/>
               </a:lnSpc>
@@ -2138,13 +2158,10 @@
               <a:buSzPts val="1400"/>
               <a:buNone/>
             </a:pPr>
-            <a:r>
-              <a:t/>
-            </a:r>
             <a:endParaRPr b="0"/>
           </a:p>
           <a:p>
-            <a:pPr indent="0" lvl="0" marL="0" rtl="0" algn="l">
+            <a:pPr marL="0" lvl="0" indent="0" algn="l" rtl="0">
               <a:lnSpc>
                 <a:spcPct val="100000"/>
               </a:lnSpc>
@@ -2158,17 +2175,17 @@
               <a:buNone/>
             </a:pPr>
             <a:r>
-              <a:rPr b="1" lang="en-AU"/>
+              <a:rPr lang="en-AU" b="1"/>
               <a:t>What key data sources are required</a:t>
             </a:r>
             <a:r>
-              <a:rPr b="0" lang="en-AU"/>
+              <a:rPr lang="en-AU" b="0"/>
               <a:t>?</a:t>
             </a:r>
             <a:endParaRPr/>
           </a:p>
           <a:p>
-            <a:pPr indent="0" lvl="0" marL="0" rtl="0" algn="l">
+            <a:pPr marL="0" lvl="0" indent="0" algn="l" rtl="0">
               <a:lnSpc>
                 <a:spcPct val="100000"/>
               </a:lnSpc>
@@ -2182,13 +2199,13 @@
               <a:buNone/>
             </a:pPr>
             <a:r>
-              <a:rPr b="0" lang="en-AU"/>
+              <a:rPr lang="en-AU" b="0"/>
               <a:t>Based off my discussions with the key stakeholders – can we clearly list out all the data sources we need so we can make a highly targeted request as opposed to a scatter-gun approach where we ask for a bit of everything?</a:t>
             </a:r>
             <a:endParaRPr/>
           </a:p>
           <a:p>
-            <a:pPr indent="0" lvl="0" marL="0" rtl="0" algn="l">
+            <a:pPr marL="0" lvl="0" indent="0" algn="l" rtl="0">
               <a:lnSpc>
                 <a:spcPct val="100000"/>
               </a:lnSpc>
@@ -2201,13 +2218,10 @@
               <a:buSzPts val="1400"/>
               <a:buNone/>
             </a:pPr>
-            <a:r>
-              <a:t/>
-            </a:r>
             <a:endParaRPr b="1"/>
           </a:p>
           <a:p>
-            <a:pPr indent="0" lvl="0" marL="0" rtl="0" algn="l">
+            <a:pPr marL="0" lvl="0" indent="0" algn="l" rtl="0">
               <a:lnSpc>
                 <a:spcPct val="100000"/>
               </a:lnSpc>
@@ -2220,9 +2234,6 @@
               <a:buSzPts val="1400"/>
               <a:buNone/>
             </a:pPr>
-            <a:r>
-              <a:t/>
-            </a:r>
             <a:endParaRPr b="1"/>
           </a:p>
         </p:txBody>
@@ -2236,11 +2247,11 @@
 </file>
 
 <file path=ppt/slideLayouts/slideLayout1.xml><?xml version="1.0" encoding="utf-8"?>
-<p:sldLayout xmlns:a="http://schemas.openxmlformats.org/drawingml/2006/main" xmlns:r="http://schemas.openxmlformats.org/officeDocument/2006/relationships" xmlns:mc="http://schemas.openxmlformats.org/markup-compatibility/2006" xmlns:mv="urn:schemas-microsoft-com:mac:vml" xmlns:p="http://schemas.openxmlformats.org/presentationml/2006/main" xmlns:c="http://schemas.openxmlformats.org/drawingml/2006/chart" xmlns:dgm="http://schemas.openxmlformats.org/drawingml/2006/diagram" xmlns:o="urn:schemas-microsoft-com:office:office" xmlns:v="urn:schemas-microsoft-com:vml" xmlns:pvml="urn:schemas-microsoft-com:office:powerpoint" xmlns:com="http://schemas.openxmlformats.org/drawingml/2006/compatibility" xmlns:p14="http://schemas.microsoft.com/office/powerpoint/2010/main" xmlns:p15="http://schemas.microsoft.com/office/powerpoint/2012/main" matchingName="Title Only">
+<p:sldLayout xmlns:a="http://schemas.openxmlformats.org/drawingml/2006/main" xmlns:r="http://schemas.openxmlformats.org/officeDocument/2006/relationships" xmlns:p="http://schemas.openxmlformats.org/presentationml/2006/main" matchingName="Title Only">
   <p:cSld name="Title Only">
     <p:spTree>
       <p:nvGrpSpPr>
-        <p:cNvPr id="13" name="Shape 13"/>
+        <p:cNvPr id="1" name="Shape 13"/>
         <p:cNvGrpSpPr/>
         <p:nvPr/>
       </p:nvGrpSpPr>
@@ -2255,7 +2266,9 @@
       <p:sp>
         <p:nvSpPr>
           <p:cNvPr id="14" name="Google Shape;14;p3"/>
-          <p:cNvSpPr txBox="1"/>
+          <p:cNvSpPr txBox="1">
+            <a:spLocks noGrp="1"/>
+          </p:cNvSpPr>
           <p:nvPr>
             <p:ph type="title"/>
           </p:nvPr>
@@ -2274,7 +2287,7 @@
           </a:ln>
         </p:spPr>
         <p:txBody>
-          <a:bodyPr anchorCtr="0" anchor="t" bIns="0" lIns="0" spcFirstLastPara="1" rIns="0" wrap="square" tIns="0">
+          <a:bodyPr spcFirstLastPara="1" wrap="square" lIns="0" tIns="0" rIns="0" bIns="0" anchor="t" anchorCtr="0">
             <a:noAutofit/>
           </a:bodyPr>
           <a:lstStyle>
@@ -2405,7 +2418,9 @@
               <a:defRPr/>
             </a:lvl9pPr>
           </a:lstStyle>
-          <a:p/>
+          <a:p>
+            <a:endParaRPr/>
+          </a:p>
         </p:txBody>
       </p:sp>
     </p:spTree>
@@ -2417,18 +2432,19 @@
 </file>
 
 <file path=ppt/slideMasters/slideMaster1.xml><?xml version="1.0" encoding="utf-8"?>
-<p:sldMaster xmlns:a="http://schemas.openxmlformats.org/drawingml/2006/main" xmlns:r="http://schemas.openxmlformats.org/officeDocument/2006/relationships" xmlns:mc="http://schemas.openxmlformats.org/markup-compatibility/2006" xmlns:mv="urn:schemas-microsoft-com:mac:vml" xmlns:p="http://schemas.openxmlformats.org/presentationml/2006/main" xmlns:c="http://schemas.openxmlformats.org/drawingml/2006/chart" xmlns:dgm="http://schemas.openxmlformats.org/drawingml/2006/diagram" xmlns:o="urn:schemas-microsoft-com:office:office" xmlns:v="urn:schemas-microsoft-com:vml" xmlns:pvml="urn:schemas-microsoft-com:office:powerpoint" xmlns:com="http://schemas.openxmlformats.org/drawingml/2006/compatibility" xmlns:p14="http://schemas.microsoft.com/office/powerpoint/2010/main" xmlns:p15="http://schemas.microsoft.com/office/powerpoint/2012/main">
+<p:sldMaster xmlns:a="http://schemas.openxmlformats.org/drawingml/2006/main" xmlns:r="http://schemas.openxmlformats.org/officeDocument/2006/relationships" xmlns:p="http://schemas.openxmlformats.org/presentationml/2006/main">
   <p:cSld>
     <p:bg>
       <p:bgPr>
         <a:solidFill>
           <a:schemeClr val="lt1"/>
         </a:solidFill>
+        <a:effectLst/>
       </p:bgPr>
     </p:bg>
     <p:spTree>
       <p:nvGrpSpPr>
-        <p:cNvPr id="9" name="Shape 9"/>
+        <p:cNvPr id="1" name="Shape 9"/>
         <p:cNvGrpSpPr/>
         <p:nvPr/>
       </p:nvGrpSpPr>
@@ -2460,12 +2476,12 @@
           </a:ln>
         </p:spPr>
         <p:txBody>
-          <a:bodyPr anchorCtr="0" anchor="t" bIns="0" lIns="0" spcFirstLastPara="1" rIns="0" wrap="square" tIns="0">
+          <a:bodyPr spcFirstLastPara="1" wrap="square" lIns="0" tIns="0" rIns="0" bIns="0" anchor="t" anchorCtr="0">
             <a:noAutofit/>
           </a:bodyPr>
           <a:lstStyle/>
           <a:p>
-            <a:pPr indent="0" lvl="0" marL="0" marR="0" rtl="0" algn="r">
+            <a:pPr marL="0" marR="0" lvl="0" indent="0" algn="r" rtl="0">
               <a:lnSpc>
                 <a:spcPct val="100000"/>
               </a:lnSpc>
@@ -2482,10 +2498,7 @@
               <a:buFont typeface="Arial"/>
               <a:buNone/>
             </a:pPr>
-            <a:r>
-              <a:t/>
-            </a:r>
-            <a:endParaRPr b="0" i="0" sz="816" u="none" cap="none" strike="noStrike">
+            <a:endParaRPr sz="816" b="0" i="0" u="none" strike="noStrike" cap="none">
               <a:solidFill>
                 <a:srgbClr val="000000"/>
               </a:solidFill>
@@ -2500,9 +2513,11 @@
       <p:sp>
         <p:nvSpPr>
           <p:cNvPr id="11" name="Google Shape;11;p2"/>
-          <p:cNvSpPr txBox="1"/>
+          <p:cNvSpPr txBox="1">
+            <a:spLocks noGrp="1"/>
+          </p:cNvSpPr>
           <p:nvPr>
-            <p:ph idx="1" type="body"/>
+            <p:ph type="body" idx="1"/>
           </p:nvPr>
         </p:nvSpPr>
         <p:spPr>
@@ -2519,27 +2534,27 @@
           </a:ln>
         </p:spPr>
         <p:txBody>
-          <a:bodyPr anchorCtr="0" anchor="t" bIns="0" lIns="0" spcFirstLastPara="1" rIns="0" wrap="square" tIns="0">
+          <a:bodyPr spcFirstLastPara="1" wrap="square" lIns="0" tIns="0" rIns="0" bIns="0" anchor="t" anchorCtr="0">
             <a:noAutofit/>
           </a:bodyPr>
           <a:lstStyle>
-            <a:lvl1pPr indent="-228600" lvl="0" marL="457200" marR="0" rtl="0" algn="l">
-              <a:lnSpc>
-                <a:spcPct val="100000"/>
-              </a:lnSpc>
-              <a:spcBef>
-                <a:spcPts val="0"/>
-              </a:spcBef>
-              <a:spcAft>
-                <a:spcPts val="0"/>
-              </a:spcAft>
-              <a:buClr>
-                <a:srgbClr val="000000"/>
-              </a:buClr>
-              <a:buSzPts val="1400"/>
-              <a:buFont typeface="Arial"/>
-              <a:buNone/>
-              <a:defRPr b="0" i="0" sz="1632" u="none" cap="none" strike="noStrike">
+            <a:lvl1pPr marL="457200" marR="0" lvl="0" indent="-228600" algn="l" rtl="0">
+              <a:lnSpc>
+                <a:spcPct val="100000"/>
+              </a:lnSpc>
+              <a:spcBef>
+                <a:spcPts val="0"/>
+              </a:spcBef>
+              <a:spcAft>
+                <a:spcPts val="0"/>
+              </a:spcAft>
+              <a:buClr>
+                <a:srgbClr val="000000"/>
+              </a:buClr>
+              <a:buSzPts val="1400"/>
+              <a:buFont typeface="Arial"/>
+              <a:buNone/>
+              <a:defRPr sz="1632" b="0" i="0" u="none" strike="noStrike" cap="none">
                 <a:solidFill>
                   <a:schemeClr val="dk1"/>
                 </a:solidFill>
@@ -2549,7 +2564,7 @@
                 <a:sym typeface="Arial"/>
               </a:defRPr>
             </a:lvl1pPr>
-            <a:lvl2pPr indent="-358140" lvl="1" marL="914400" marR="0" rtl="0" algn="l">
+            <a:lvl2pPr marL="914400" marR="0" lvl="1" indent="-358140" algn="l" rtl="0">
               <a:lnSpc>
                 <a:spcPct val="100000"/>
               </a:lnSpc>
@@ -2565,7 +2580,7 @@
               <a:buSzPts val="2040"/>
               <a:buFont typeface="Arial"/>
               <a:buChar char="▪"/>
-              <a:defRPr b="0" i="0" sz="1632" u="none" cap="none" strike="noStrike">
+              <a:defRPr sz="1632" b="0" i="0" u="none" strike="noStrike" cap="none">
                 <a:solidFill>
                   <a:schemeClr val="dk1"/>
                 </a:solidFill>
@@ -2575,7 +2590,7 @@
                 <a:sym typeface="Arial"/>
               </a:defRPr>
             </a:lvl2pPr>
-            <a:lvl3pPr indent="-352933" lvl="2" marL="1371600" marR="0" rtl="0" algn="l">
+            <a:lvl3pPr marL="1371600" marR="0" lvl="2" indent="-352933" algn="l" rtl="0">
               <a:lnSpc>
                 <a:spcPct val="100000"/>
               </a:lnSpc>
@@ -2591,7 +2606,7 @@
               <a:buSzPts val="1958"/>
               <a:buFont typeface="Arial"/>
               <a:buChar char="–"/>
-              <a:defRPr b="0" i="0" sz="1632" u="none" cap="none" strike="noStrike">
+              <a:defRPr sz="1632" b="0" i="0" u="none" strike="noStrike" cap="none">
                 <a:solidFill>
                   <a:schemeClr val="dk1"/>
                 </a:solidFill>
@@ -2601,7 +2616,7 @@
                 <a:sym typeface="Arial"/>
               </a:defRPr>
             </a:lvl3pPr>
-            <a:lvl4pPr indent="-352933" lvl="3" marL="1828800" marR="0" rtl="0" algn="l">
+            <a:lvl4pPr marL="1828800" marR="0" lvl="3" indent="-352933" algn="l" rtl="0">
               <a:lnSpc>
                 <a:spcPct val="100000"/>
               </a:lnSpc>
@@ -2617,7 +2632,7 @@
               <a:buSzPts val="1958"/>
               <a:buFont typeface="Arial"/>
               <a:buChar char="▫"/>
-              <a:defRPr b="0" i="0" sz="1632" u="none" cap="none" strike="noStrike">
+              <a:defRPr sz="1632" b="0" i="0" u="none" strike="noStrike" cap="none">
                 <a:solidFill>
                   <a:schemeClr val="dk1"/>
                 </a:solidFill>
@@ -2627,7 +2642,7 @@
                 <a:sym typeface="Arial"/>
               </a:defRPr>
             </a:lvl4pPr>
-            <a:lvl5pPr indent="-320801" lvl="4" marL="2286000" marR="0" rtl="0" algn="l">
+            <a:lvl5pPr marL="2286000" marR="0" lvl="4" indent="-320801" algn="l" rtl="0">
               <a:lnSpc>
                 <a:spcPct val="100000"/>
               </a:lnSpc>
@@ -2643,7 +2658,7 @@
               <a:buSzPts val="1452"/>
               <a:buFont typeface="Arial"/>
               <a:buChar char="-"/>
-              <a:defRPr b="0" i="0" sz="1632" u="none" cap="none" strike="noStrike">
+              <a:defRPr sz="1632" b="0" i="0" u="none" strike="noStrike" cap="none">
                 <a:solidFill>
                   <a:schemeClr val="dk1"/>
                 </a:solidFill>
@@ -2653,7 +2668,7 @@
                 <a:sym typeface="Arial"/>
               </a:defRPr>
             </a:lvl5pPr>
-            <a:lvl6pPr indent="-320801" lvl="5" marL="2743200" marR="0" rtl="0" algn="l">
+            <a:lvl6pPr marL="2743200" marR="0" lvl="5" indent="-320801" algn="l" rtl="0">
               <a:lnSpc>
                 <a:spcPct val="100000"/>
               </a:lnSpc>
@@ -2669,7 +2684,7 @@
               <a:buSzPts val="1452"/>
               <a:buFont typeface="Arial"/>
               <a:buChar char="-"/>
-              <a:defRPr b="0" i="0" sz="1632" u="none" cap="none" strike="noStrike">
+              <a:defRPr sz="1632" b="0" i="0" u="none" strike="noStrike" cap="none">
                 <a:solidFill>
                   <a:schemeClr val="dk1"/>
                 </a:solidFill>
@@ -2679,7 +2694,7 @@
                 <a:sym typeface="Arial"/>
               </a:defRPr>
             </a:lvl6pPr>
-            <a:lvl7pPr indent="-320801" lvl="6" marL="3200400" marR="0" rtl="0" algn="l">
+            <a:lvl7pPr marL="3200400" marR="0" lvl="6" indent="-320801" algn="l" rtl="0">
               <a:lnSpc>
                 <a:spcPct val="100000"/>
               </a:lnSpc>
@@ -2695,7 +2710,7 @@
               <a:buSzPts val="1452"/>
               <a:buFont typeface="Arial"/>
               <a:buChar char="-"/>
-              <a:defRPr b="0" i="0" sz="1632" u="none" cap="none" strike="noStrike">
+              <a:defRPr sz="1632" b="0" i="0" u="none" strike="noStrike" cap="none">
                 <a:solidFill>
                   <a:schemeClr val="dk1"/>
                 </a:solidFill>
@@ -2705,7 +2720,7 @@
                 <a:sym typeface="Arial"/>
               </a:defRPr>
             </a:lvl7pPr>
-            <a:lvl8pPr indent="-320802" lvl="7" marL="3657600" marR="0" rtl="0" algn="l">
+            <a:lvl8pPr marL="3657600" marR="0" lvl="7" indent="-320802" algn="l" rtl="0">
               <a:lnSpc>
                 <a:spcPct val="100000"/>
               </a:lnSpc>
@@ -2721,7 +2736,7 @@
               <a:buSzPts val="1452"/>
               <a:buFont typeface="Arial"/>
               <a:buChar char="-"/>
-              <a:defRPr b="0" i="0" sz="1632" u="none" cap="none" strike="noStrike">
+              <a:defRPr sz="1632" b="0" i="0" u="none" strike="noStrike" cap="none">
                 <a:solidFill>
                   <a:schemeClr val="dk1"/>
                 </a:solidFill>
@@ -2731,7 +2746,7 @@
                 <a:sym typeface="Arial"/>
               </a:defRPr>
             </a:lvl8pPr>
-            <a:lvl9pPr indent="-320802" lvl="8" marL="4114800" marR="0" rtl="0" algn="l">
+            <a:lvl9pPr marL="4114800" marR="0" lvl="8" indent="-320802" algn="l" rtl="0">
               <a:lnSpc>
                 <a:spcPct val="100000"/>
               </a:lnSpc>
@@ -2747,7 +2762,7 @@
               <a:buSzPts val="1452"/>
               <a:buFont typeface="Arial"/>
               <a:buChar char="-"/>
-              <a:defRPr b="0" i="0" sz="1632" u="none" cap="none" strike="noStrike">
+              <a:defRPr sz="1632" b="0" i="0" u="none" strike="noStrike" cap="none">
                 <a:solidFill>
                   <a:schemeClr val="dk1"/>
                 </a:solidFill>
@@ -2758,13 +2773,17 @@
               </a:defRPr>
             </a:lvl9pPr>
           </a:lstStyle>
-          <a:p/>
+          <a:p>
+            <a:endParaRPr/>
+          </a:p>
         </p:txBody>
       </p:sp>
       <p:sp>
         <p:nvSpPr>
           <p:cNvPr id="12" name="Google Shape;12;p2"/>
-          <p:cNvSpPr txBox="1"/>
+          <p:cNvSpPr txBox="1">
+            <a:spLocks noGrp="1"/>
+          </p:cNvSpPr>
           <p:nvPr>
             <p:ph type="title"/>
           </p:nvPr>
@@ -2783,27 +2802,27 @@
           </a:ln>
         </p:spPr>
         <p:txBody>
-          <a:bodyPr anchorCtr="0" anchor="t" bIns="0" lIns="0" spcFirstLastPara="1" rIns="0" wrap="square" tIns="0">
+          <a:bodyPr spcFirstLastPara="1" wrap="square" lIns="0" tIns="0" rIns="0" bIns="0" anchor="t" anchorCtr="0">
             <a:noAutofit/>
           </a:bodyPr>
           <a:lstStyle>
-            <a:lvl1pPr lvl="0" marR="0" rtl="0" algn="l">
-              <a:lnSpc>
-                <a:spcPct val="100000"/>
-              </a:lnSpc>
-              <a:spcBef>
-                <a:spcPts val="0"/>
-              </a:spcBef>
-              <a:spcAft>
-                <a:spcPts val="0"/>
-              </a:spcAft>
-              <a:buClr>
-                <a:srgbClr val="000000"/>
-              </a:buClr>
-              <a:buSzPts val="1400"/>
-              <a:buFont typeface="Arial"/>
-              <a:buNone/>
-              <a:defRPr b="1" i="0" sz="1939" u="none" cap="none" strike="noStrike">
+            <a:lvl1pPr marR="0" lvl="0" algn="l" rtl="0">
+              <a:lnSpc>
+                <a:spcPct val="100000"/>
+              </a:lnSpc>
+              <a:spcBef>
+                <a:spcPts val="0"/>
+              </a:spcBef>
+              <a:spcAft>
+                <a:spcPts val="0"/>
+              </a:spcAft>
+              <a:buClr>
+                <a:srgbClr val="000000"/>
+              </a:buClr>
+              <a:buSzPts val="1400"/>
+              <a:buFont typeface="Arial"/>
+              <a:buNone/>
+              <a:defRPr sz="1939" b="1" i="0" u="none" strike="noStrike" cap="none">
                 <a:solidFill>
                   <a:schemeClr val="dk1"/>
                 </a:solidFill>
@@ -2813,23 +2832,23 @@
                 <a:sym typeface="Arial"/>
               </a:defRPr>
             </a:lvl1pPr>
-            <a:lvl2pPr lvl="1" marR="0" rtl="0" algn="l">
-              <a:lnSpc>
-                <a:spcPct val="100000"/>
-              </a:lnSpc>
-              <a:spcBef>
-                <a:spcPts val="0"/>
-              </a:spcBef>
-              <a:spcAft>
-                <a:spcPts val="0"/>
-              </a:spcAft>
-              <a:buClr>
-                <a:srgbClr val="000000"/>
-              </a:buClr>
-              <a:buSzPts val="1400"/>
-              <a:buFont typeface="Arial"/>
-              <a:buNone/>
-              <a:defRPr b="1" i="0" sz="1939" u="none" cap="none" strike="noStrike">
+            <a:lvl2pPr marR="0" lvl="1" algn="l" rtl="0">
+              <a:lnSpc>
+                <a:spcPct val="100000"/>
+              </a:lnSpc>
+              <a:spcBef>
+                <a:spcPts val="0"/>
+              </a:spcBef>
+              <a:spcAft>
+                <a:spcPts val="0"/>
+              </a:spcAft>
+              <a:buClr>
+                <a:srgbClr val="000000"/>
+              </a:buClr>
+              <a:buSzPts val="1400"/>
+              <a:buFont typeface="Arial"/>
+              <a:buNone/>
+              <a:defRPr sz="1939" b="1" i="0" u="none" strike="noStrike" cap="none">
                 <a:solidFill>
                   <a:schemeClr val="dk2"/>
                 </a:solidFill>
@@ -2839,23 +2858,23 @@
                 <a:sym typeface="Arial"/>
               </a:defRPr>
             </a:lvl2pPr>
-            <a:lvl3pPr lvl="2" marR="0" rtl="0" algn="l">
-              <a:lnSpc>
-                <a:spcPct val="100000"/>
-              </a:lnSpc>
-              <a:spcBef>
-                <a:spcPts val="0"/>
-              </a:spcBef>
-              <a:spcAft>
-                <a:spcPts val="0"/>
-              </a:spcAft>
-              <a:buClr>
-                <a:srgbClr val="000000"/>
-              </a:buClr>
-              <a:buSzPts val="1400"/>
-              <a:buFont typeface="Arial"/>
-              <a:buNone/>
-              <a:defRPr b="1" i="0" sz="1939" u="none" cap="none" strike="noStrike">
+            <a:lvl3pPr marR="0" lvl="2" algn="l" rtl="0">
+              <a:lnSpc>
+                <a:spcPct val="100000"/>
+              </a:lnSpc>
+              <a:spcBef>
+                <a:spcPts val="0"/>
+              </a:spcBef>
+              <a:spcAft>
+                <a:spcPts val="0"/>
+              </a:spcAft>
+              <a:buClr>
+                <a:srgbClr val="000000"/>
+              </a:buClr>
+              <a:buSzPts val="1400"/>
+              <a:buFont typeface="Arial"/>
+              <a:buNone/>
+              <a:defRPr sz="1939" b="1" i="0" u="none" strike="noStrike" cap="none">
                 <a:solidFill>
                   <a:schemeClr val="dk2"/>
                 </a:solidFill>
@@ -2865,23 +2884,23 @@
                 <a:sym typeface="Arial"/>
               </a:defRPr>
             </a:lvl3pPr>
-            <a:lvl4pPr lvl="3" marR="0" rtl="0" algn="l">
-              <a:lnSpc>
-                <a:spcPct val="100000"/>
-              </a:lnSpc>
-              <a:spcBef>
-                <a:spcPts val="0"/>
-              </a:spcBef>
-              <a:spcAft>
-                <a:spcPts val="0"/>
-              </a:spcAft>
-              <a:buClr>
-                <a:srgbClr val="000000"/>
-              </a:buClr>
-              <a:buSzPts val="1400"/>
-              <a:buFont typeface="Arial"/>
-              <a:buNone/>
-              <a:defRPr b="1" i="0" sz="1939" u="none" cap="none" strike="noStrike">
+            <a:lvl4pPr marR="0" lvl="3" algn="l" rtl="0">
+              <a:lnSpc>
+                <a:spcPct val="100000"/>
+              </a:lnSpc>
+              <a:spcBef>
+                <a:spcPts val="0"/>
+              </a:spcBef>
+              <a:spcAft>
+                <a:spcPts val="0"/>
+              </a:spcAft>
+              <a:buClr>
+                <a:srgbClr val="000000"/>
+              </a:buClr>
+              <a:buSzPts val="1400"/>
+              <a:buFont typeface="Arial"/>
+              <a:buNone/>
+              <a:defRPr sz="1939" b="1" i="0" u="none" strike="noStrike" cap="none">
                 <a:solidFill>
                   <a:schemeClr val="dk2"/>
                 </a:solidFill>
@@ -2891,23 +2910,23 @@
                 <a:sym typeface="Arial"/>
               </a:defRPr>
             </a:lvl4pPr>
-            <a:lvl5pPr lvl="4" marR="0" rtl="0" algn="l">
-              <a:lnSpc>
-                <a:spcPct val="100000"/>
-              </a:lnSpc>
-              <a:spcBef>
-                <a:spcPts val="0"/>
-              </a:spcBef>
-              <a:spcAft>
-                <a:spcPts val="0"/>
-              </a:spcAft>
-              <a:buClr>
-                <a:srgbClr val="000000"/>
-              </a:buClr>
-              <a:buSzPts val="1400"/>
-              <a:buFont typeface="Arial"/>
-              <a:buNone/>
-              <a:defRPr b="1" i="0" sz="1939" u="none" cap="none" strike="noStrike">
+            <a:lvl5pPr marR="0" lvl="4" algn="l" rtl="0">
+              <a:lnSpc>
+                <a:spcPct val="100000"/>
+              </a:lnSpc>
+              <a:spcBef>
+                <a:spcPts val="0"/>
+              </a:spcBef>
+              <a:spcAft>
+                <a:spcPts val="0"/>
+              </a:spcAft>
+              <a:buClr>
+                <a:srgbClr val="000000"/>
+              </a:buClr>
+              <a:buSzPts val="1400"/>
+              <a:buFont typeface="Arial"/>
+              <a:buNone/>
+              <a:defRPr sz="1939" b="1" i="0" u="none" strike="noStrike" cap="none">
                 <a:solidFill>
                   <a:schemeClr val="dk2"/>
                 </a:solidFill>
@@ -2917,23 +2936,23 @@
                 <a:sym typeface="Arial"/>
               </a:defRPr>
             </a:lvl5pPr>
-            <a:lvl6pPr lvl="5" marR="0" rtl="0" algn="l">
-              <a:lnSpc>
-                <a:spcPct val="100000"/>
-              </a:lnSpc>
-              <a:spcBef>
-                <a:spcPts val="0"/>
-              </a:spcBef>
-              <a:spcAft>
-                <a:spcPts val="0"/>
-              </a:spcAft>
-              <a:buClr>
-                <a:srgbClr val="000000"/>
-              </a:buClr>
-              <a:buSzPts val="1400"/>
-              <a:buFont typeface="Arial"/>
-              <a:buNone/>
-              <a:defRPr b="1" i="0" sz="1939" u="none" cap="none" strike="noStrike">
+            <a:lvl6pPr marR="0" lvl="5" algn="l" rtl="0">
+              <a:lnSpc>
+                <a:spcPct val="100000"/>
+              </a:lnSpc>
+              <a:spcBef>
+                <a:spcPts val="0"/>
+              </a:spcBef>
+              <a:spcAft>
+                <a:spcPts val="0"/>
+              </a:spcAft>
+              <a:buClr>
+                <a:srgbClr val="000000"/>
+              </a:buClr>
+              <a:buSzPts val="1400"/>
+              <a:buFont typeface="Arial"/>
+              <a:buNone/>
+              <a:defRPr sz="1939" b="1" i="0" u="none" strike="noStrike" cap="none">
                 <a:solidFill>
                   <a:schemeClr val="dk2"/>
                 </a:solidFill>
@@ -2943,23 +2962,23 @@
                 <a:sym typeface="Arial"/>
               </a:defRPr>
             </a:lvl6pPr>
-            <a:lvl7pPr lvl="6" marR="0" rtl="0" algn="l">
-              <a:lnSpc>
-                <a:spcPct val="100000"/>
-              </a:lnSpc>
-              <a:spcBef>
-                <a:spcPts val="0"/>
-              </a:spcBef>
-              <a:spcAft>
-                <a:spcPts val="0"/>
-              </a:spcAft>
-              <a:buClr>
-                <a:srgbClr val="000000"/>
-              </a:buClr>
-              <a:buSzPts val="1400"/>
-              <a:buFont typeface="Arial"/>
-              <a:buNone/>
-              <a:defRPr b="1" i="0" sz="1939" u="none" cap="none" strike="noStrike">
+            <a:lvl7pPr marR="0" lvl="6" algn="l" rtl="0">
+              <a:lnSpc>
+                <a:spcPct val="100000"/>
+              </a:lnSpc>
+              <a:spcBef>
+                <a:spcPts val="0"/>
+              </a:spcBef>
+              <a:spcAft>
+                <a:spcPts val="0"/>
+              </a:spcAft>
+              <a:buClr>
+                <a:srgbClr val="000000"/>
+              </a:buClr>
+              <a:buSzPts val="1400"/>
+              <a:buFont typeface="Arial"/>
+              <a:buNone/>
+              <a:defRPr sz="1939" b="1" i="0" u="none" strike="noStrike" cap="none">
                 <a:solidFill>
                   <a:schemeClr val="dk2"/>
                 </a:solidFill>
@@ -2969,23 +2988,23 @@
                 <a:sym typeface="Arial"/>
               </a:defRPr>
             </a:lvl7pPr>
-            <a:lvl8pPr lvl="7" marR="0" rtl="0" algn="l">
-              <a:lnSpc>
-                <a:spcPct val="100000"/>
-              </a:lnSpc>
-              <a:spcBef>
-                <a:spcPts val="0"/>
-              </a:spcBef>
-              <a:spcAft>
-                <a:spcPts val="0"/>
-              </a:spcAft>
-              <a:buClr>
-                <a:srgbClr val="000000"/>
-              </a:buClr>
-              <a:buSzPts val="1400"/>
-              <a:buFont typeface="Arial"/>
-              <a:buNone/>
-              <a:defRPr b="1" i="0" sz="1939" u="none" cap="none" strike="noStrike">
+            <a:lvl8pPr marR="0" lvl="7" algn="l" rtl="0">
+              <a:lnSpc>
+                <a:spcPct val="100000"/>
+              </a:lnSpc>
+              <a:spcBef>
+                <a:spcPts val="0"/>
+              </a:spcBef>
+              <a:spcAft>
+                <a:spcPts val="0"/>
+              </a:spcAft>
+              <a:buClr>
+                <a:srgbClr val="000000"/>
+              </a:buClr>
+              <a:buSzPts val="1400"/>
+              <a:buFont typeface="Arial"/>
+              <a:buNone/>
+              <a:defRPr sz="1939" b="1" i="0" u="none" strike="noStrike" cap="none">
                 <a:solidFill>
                   <a:schemeClr val="dk2"/>
                 </a:solidFill>
@@ -2995,23 +3014,23 @@
                 <a:sym typeface="Arial"/>
               </a:defRPr>
             </a:lvl8pPr>
-            <a:lvl9pPr lvl="8" marR="0" rtl="0" algn="l">
-              <a:lnSpc>
-                <a:spcPct val="100000"/>
-              </a:lnSpc>
-              <a:spcBef>
-                <a:spcPts val="0"/>
-              </a:spcBef>
-              <a:spcAft>
-                <a:spcPts val="0"/>
-              </a:spcAft>
-              <a:buClr>
-                <a:srgbClr val="000000"/>
-              </a:buClr>
-              <a:buSzPts val="1400"/>
-              <a:buFont typeface="Arial"/>
-              <a:buNone/>
-              <a:defRPr b="1" i="0" sz="1939" u="none" cap="none" strike="noStrike">
+            <a:lvl9pPr marR="0" lvl="8" algn="l" rtl="0">
+              <a:lnSpc>
+                <a:spcPct val="100000"/>
+              </a:lnSpc>
+              <a:spcBef>
+                <a:spcPts val="0"/>
+              </a:spcBef>
+              <a:spcAft>
+                <a:spcPts val="0"/>
+              </a:spcAft>
+              <a:buClr>
+                <a:srgbClr val="000000"/>
+              </a:buClr>
+              <a:buSzPts val="1400"/>
+              <a:buFont typeface="Arial"/>
+              <a:buNone/>
+              <a:defRPr sz="1939" b="1" i="0" u="none" strike="noStrike" cap="none">
                 <a:solidFill>
                   <a:schemeClr val="dk2"/>
                 </a:solidFill>
@@ -3022,19 +3041,21 @@
               </a:defRPr>
             </a:lvl9pPr>
           </a:lstStyle>
-          <a:p/>
+          <a:p>
+            <a:endParaRPr/>
+          </a:p>
         </p:txBody>
       </p:sp>
     </p:spTree>
   </p:cSld>
-  <p:clrMap accent1="accent1" accent2="accent2" accent3="accent3" accent4="accent4" accent5="accent5" accent6="accent6" bg1="lt1" bg2="dk2" tx1="dk1" tx2="lt2" folHlink="folHlink" hlink="hlink"/>
+  <p:clrMap bg1="lt1" tx1="dk1" bg2="dk2" tx2="lt2" accent1="accent1" accent2="accent2" accent3="accent3" accent4="accent4" accent5="accent5" accent6="accent6" hlink="hlink" folHlink="folHlink"/>
   <p:sldLayoutIdLst>
     <p:sldLayoutId id="2147483649" r:id="rId1"/>
   </p:sldLayoutIdLst>
-  <p:hf dt="0" ftr="0" hdr="0"/>
+  <p:hf hdr="0" ftr="0" dt="0"/>
   <p:txStyles>
     <p:titleStyle>
-      <a:defPPr lvl="0" marR="0" rtl="0" algn="l">
+      <a:defPPr marR="0" lvl="0" algn="l" rtl="0">
         <a:lnSpc>
           <a:spcPct val="100000"/>
         </a:lnSpc>
@@ -3045,7 +3066,7 @@
           <a:spcPts val="0"/>
         </a:spcAft>
       </a:defPPr>
-      <a:lvl1pPr lvl="0" marR="0" rtl="0" algn="l">
+      <a:lvl1pPr marR="0" lvl="0" algn="l" rtl="0">
         <a:lnSpc>
           <a:spcPct val="100000"/>
         </a:lnSpc>
@@ -3059,7 +3080,7 @@
           <a:srgbClr val="000000"/>
         </a:buClr>
         <a:buFont typeface="Arial"/>
-        <a:defRPr b="0" i="0" sz="1400" u="none" cap="none" strike="noStrike">
+        <a:defRPr sz="1400" b="0" i="0" u="none" strike="noStrike" cap="none">
           <a:solidFill>
             <a:srgbClr val="000000"/>
           </a:solidFill>
@@ -3069,7 +3090,7 @@
           <a:sym typeface="Arial"/>
         </a:defRPr>
       </a:lvl1pPr>
-      <a:lvl2pPr lvl="1" marR="0" rtl="0" algn="l">
+      <a:lvl2pPr marR="0" lvl="1" algn="l" rtl="0">
         <a:lnSpc>
           <a:spcPct val="100000"/>
         </a:lnSpc>
@@ -3083,7 +3104,7 @@
           <a:srgbClr val="000000"/>
         </a:buClr>
         <a:buFont typeface="Arial"/>
-        <a:defRPr b="0" i="0" sz="1400" u="none" cap="none" strike="noStrike">
+        <a:defRPr sz="1400" b="0" i="0" u="none" strike="noStrike" cap="none">
           <a:solidFill>
             <a:srgbClr val="000000"/>
           </a:solidFill>
@@ -3093,7 +3114,7 @@
           <a:sym typeface="Arial"/>
         </a:defRPr>
       </a:lvl2pPr>
-      <a:lvl3pPr lvl="2" marR="0" rtl="0" algn="l">
+      <a:lvl3pPr marR="0" lvl="2" algn="l" rtl="0">
         <a:lnSpc>
           <a:spcPct val="100000"/>
         </a:lnSpc>
@@ -3107,7 +3128,7 @@
           <a:srgbClr val="000000"/>
         </a:buClr>
         <a:buFont typeface="Arial"/>
-        <a:defRPr b="0" i="0" sz="1400" u="none" cap="none" strike="noStrike">
+        <a:defRPr sz="1400" b="0" i="0" u="none" strike="noStrike" cap="none">
           <a:solidFill>
             <a:srgbClr val="000000"/>
           </a:solidFill>
@@ -3117,7 +3138,7 @@
           <a:sym typeface="Arial"/>
         </a:defRPr>
       </a:lvl3pPr>
-      <a:lvl4pPr lvl="3" marR="0" rtl="0" algn="l">
+      <a:lvl4pPr marR="0" lvl="3" algn="l" rtl="0">
         <a:lnSpc>
           <a:spcPct val="100000"/>
         </a:lnSpc>
@@ -3131,7 +3152,7 @@
           <a:srgbClr val="000000"/>
         </a:buClr>
         <a:buFont typeface="Arial"/>
-        <a:defRPr b="0" i="0" sz="1400" u="none" cap="none" strike="noStrike">
+        <a:defRPr sz="1400" b="0" i="0" u="none" strike="noStrike" cap="none">
           <a:solidFill>
             <a:srgbClr val="000000"/>
           </a:solidFill>
@@ -3141,7 +3162,7 @@
           <a:sym typeface="Arial"/>
         </a:defRPr>
       </a:lvl4pPr>
-      <a:lvl5pPr lvl="4" marR="0" rtl="0" algn="l">
+      <a:lvl5pPr marR="0" lvl="4" algn="l" rtl="0">
         <a:lnSpc>
           <a:spcPct val="100000"/>
         </a:lnSpc>
@@ -3155,7 +3176,7 @@
           <a:srgbClr val="000000"/>
         </a:buClr>
         <a:buFont typeface="Arial"/>
-        <a:defRPr b="0" i="0" sz="1400" u="none" cap="none" strike="noStrike">
+        <a:defRPr sz="1400" b="0" i="0" u="none" strike="noStrike" cap="none">
           <a:solidFill>
             <a:srgbClr val="000000"/>
           </a:solidFill>
@@ -3165,7 +3186,7 @@
           <a:sym typeface="Arial"/>
         </a:defRPr>
       </a:lvl5pPr>
-      <a:lvl6pPr lvl="5" marR="0" rtl="0" algn="l">
+      <a:lvl6pPr marR="0" lvl="5" algn="l" rtl="0">
         <a:lnSpc>
           <a:spcPct val="100000"/>
         </a:lnSpc>
@@ -3179,7 +3200,7 @@
           <a:srgbClr val="000000"/>
         </a:buClr>
         <a:buFont typeface="Arial"/>
-        <a:defRPr b="0" i="0" sz="1400" u="none" cap="none" strike="noStrike">
+        <a:defRPr sz="1400" b="0" i="0" u="none" strike="noStrike" cap="none">
           <a:solidFill>
             <a:srgbClr val="000000"/>
           </a:solidFill>
@@ -3189,7 +3210,7 @@
           <a:sym typeface="Arial"/>
         </a:defRPr>
       </a:lvl6pPr>
-      <a:lvl7pPr lvl="6" marR="0" rtl="0" algn="l">
+      <a:lvl7pPr marR="0" lvl="6" algn="l" rtl="0">
         <a:lnSpc>
           <a:spcPct val="100000"/>
         </a:lnSpc>
@@ -3203,7 +3224,7 @@
           <a:srgbClr val="000000"/>
         </a:buClr>
         <a:buFont typeface="Arial"/>
-        <a:defRPr b="0" i="0" sz="1400" u="none" cap="none" strike="noStrike">
+        <a:defRPr sz="1400" b="0" i="0" u="none" strike="noStrike" cap="none">
           <a:solidFill>
             <a:srgbClr val="000000"/>
           </a:solidFill>
@@ -3213,7 +3234,7 @@
           <a:sym typeface="Arial"/>
         </a:defRPr>
       </a:lvl7pPr>
-      <a:lvl8pPr lvl="7" marR="0" rtl="0" algn="l">
+      <a:lvl8pPr marR="0" lvl="7" algn="l" rtl="0">
         <a:lnSpc>
           <a:spcPct val="100000"/>
         </a:lnSpc>
@@ -3227,7 +3248,7 @@
           <a:srgbClr val="000000"/>
         </a:buClr>
         <a:buFont typeface="Arial"/>
-        <a:defRPr b="0" i="0" sz="1400" u="none" cap="none" strike="noStrike">
+        <a:defRPr sz="1400" b="0" i="0" u="none" strike="noStrike" cap="none">
           <a:solidFill>
             <a:srgbClr val="000000"/>
           </a:solidFill>
@@ -3237,7 +3258,7 @@
           <a:sym typeface="Arial"/>
         </a:defRPr>
       </a:lvl8pPr>
-      <a:lvl9pPr lvl="8" marR="0" rtl="0" algn="l">
+      <a:lvl9pPr marR="0" lvl="8" algn="l" rtl="0">
         <a:lnSpc>
           <a:spcPct val="100000"/>
         </a:lnSpc>
@@ -3251,7 +3272,7 @@
           <a:srgbClr val="000000"/>
         </a:buClr>
         <a:buFont typeface="Arial"/>
-        <a:defRPr b="0" i="0" sz="1400" u="none" cap="none" strike="noStrike">
+        <a:defRPr sz="1400" b="0" i="0" u="none" strike="noStrike" cap="none">
           <a:solidFill>
             <a:srgbClr val="000000"/>
           </a:solidFill>
@@ -3263,7 +3284,7 @@
       </a:lvl9pPr>
     </p:titleStyle>
     <p:bodyStyle>
-      <a:defPPr lvl="0" marR="0" rtl="0" algn="l">
+      <a:defPPr marR="0" lvl="0" algn="l" rtl="0">
         <a:lnSpc>
           <a:spcPct val="100000"/>
         </a:lnSpc>
@@ -3274,7 +3295,7 @@
           <a:spcPts val="0"/>
         </a:spcAft>
       </a:defPPr>
-      <a:lvl1pPr lvl="0" marR="0" rtl="0" algn="l">
+      <a:lvl1pPr marR="0" lvl="0" algn="l" rtl="0">
         <a:lnSpc>
           <a:spcPct val="100000"/>
         </a:lnSpc>
@@ -3288,7 +3309,7 @@
           <a:srgbClr val="000000"/>
         </a:buClr>
         <a:buFont typeface="Arial"/>
-        <a:defRPr b="0" i="0" sz="1400" u="none" cap="none" strike="noStrike">
+        <a:defRPr sz="1400" b="0" i="0" u="none" strike="noStrike" cap="none">
           <a:solidFill>
             <a:srgbClr val="000000"/>
           </a:solidFill>
@@ -3298,7 +3319,7 @@
           <a:sym typeface="Arial"/>
         </a:defRPr>
       </a:lvl1pPr>
-      <a:lvl2pPr lvl="1" marR="0" rtl="0" algn="l">
+      <a:lvl2pPr marR="0" lvl="1" algn="l" rtl="0">
         <a:lnSpc>
           <a:spcPct val="100000"/>
         </a:lnSpc>
@@ -3312,7 +3333,7 @@
           <a:srgbClr val="000000"/>
         </a:buClr>
         <a:buFont typeface="Arial"/>
-        <a:defRPr b="0" i="0" sz="1400" u="none" cap="none" strike="noStrike">
+        <a:defRPr sz="1400" b="0" i="0" u="none" strike="noStrike" cap="none">
           <a:solidFill>
             <a:srgbClr val="000000"/>
           </a:solidFill>
@@ -3322,7 +3343,7 @@
           <a:sym typeface="Arial"/>
         </a:defRPr>
       </a:lvl2pPr>
-      <a:lvl3pPr lvl="2" marR="0" rtl="0" algn="l">
+      <a:lvl3pPr marR="0" lvl="2" algn="l" rtl="0">
         <a:lnSpc>
           <a:spcPct val="100000"/>
         </a:lnSpc>
@@ -3336,7 +3357,7 @@
           <a:srgbClr val="000000"/>
         </a:buClr>
         <a:buFont typeface="Arial"/>
-        <a:defRPr b="0" i="0" sz="1400" u="none" cap="none" strike="noStrike">
+        <a:defRPr sz="1400" b="0" i="0" u="none" strike="noStrike" cap="none">
           <a:solidFill>
             <a:srgbClr val="000000"/>
           </a:solidFill>
@@ -3346,7 +3367,7 @@
           <a:sym typeface="Arial"/>
         </a:defRPr>
       </a:lvl3pPr>
-      <a:lvl4pPr lvl="3" marR="0" rtl="0" algn="l">
+      <a:lvl4pPr marR="0" lvl="3" algn="l" rtl="0">
         <a:lnSpc>
           <a:spcPct val="100000"/>
         </a:lnSpc>
@@ -3360,7 +3381,7 @@
           <a:srgbClr val="000000"/>
         </a:buClr>
         <a:buFont typeface="Arial"/>
-        <a:defRPr b="0" i="0" sz="1400" u="none" cap="none" strike="noStrike">
+        <a:defRPr sz="1400" b="0" i="0" u="none" strike="noStrike" cap="none">
           <a:solidFill>
             <a:srgbClr val="000000"/>
           </a:solidFill>
@@ -3370,7 +3391,7 @@
           <a:sym typeface="Arial"/>
         </a:defRPr>
       </a:lvl4pPr>
-      <a:lvl5pPr lvl="4" marR="0" rtl="0" algn="l">
+      <a:lvl5pPr marR="0" lvl="4" algn="l" rtl="0">
         <a:lnSpc>
           <a:spcPct val="100000"/>
         </a:lnSpc>
@@ -3384,7 +3405,7 @@
           <a:srgbClr val="000000"/>
         </a:buClr>
         <a:buFont typeface="Arial"/>
-        <a:defRPr b="0" i="0" sz="1400" u="none" cap="none" strike="noStrike">
+        <a:defRPr sz="1400" b="0" i="0" u="none" strike="noStrike" cap="none">
           <a:solidFill>
             <a:srgbClr val="000000"/>
           </a:solidFill>
@@ -3394,7 +3415,7 @@
           <a:sym typeface="Arial"/>
         </a:defRPr>
       </a:lvl5pPr>
-      <a:lvl6pPr lvl="5" marR="0" rtl="0" algn="l">
+      <a:lvl6pPr marR="0" lvl="5" algn="l" rtl="0">
         <a:lnSpc>
           <a:spcPct val="100000"/>
         </a:lnSpc>
@@ -3408,7 +3429,7 @@
           <a:srgbClr val="000000"/>
         </a:buClr>
         <a:buFont typeface="Arial"/>
-        <a:defRPr b="0" i="0" sz="1400" u="none" cap="none" strike="noStrike">
+        <a:defRPr sz="1400" b="0" i="0" u="none" strike="noStrike" cap="none">
           <a:solidFill>
             <a:srgbClr val="000000"/>
           </a:solidFill>
@@ -3418,7 +3439,7 @@
           <a:sym typeface="Arial"/>
         </a:defRPr>
       </a:lvl6pPr>
-      <a:lvl7pPr lvl="6" marR="0" rtl="0" algn="l">
+      <a:lvl7pPr marR="0" lvl="6" algn="l" rtl="0">
         <a:lnSpc>
           <a:spcPct val="100000"/>
         </a:lnSpc>
@@ -3432,7 +3453,7 @@
           <a:srgbClr val="000000"/>
         </a:buClr>
         <a:buFont typeface="Arial"/>
-        <a:defRPr b="0" i="0" sz="1400" u="none" cap="none" strike="noStrike">
+        <a:defRPr sz="1400" b="0" i="0" u="none" strike="noStrike" cap="none">
           <a:solidFill>
             <a:srgbClr val="000000"/>
           </a:solidFill>
@@ -3442,7 +3463,7 @@
           <a:sym typeface="Arial"/>
         </a:defRPr>
       </a:lvl7pPr>
-      <a:lvl8pPr lvl="7" marR="0" rtl="0" algn="l">
+      <a:lvl8pPr marR="0" lvl="7" algn="l" rtl="0">
         <a:lnSpc>
           <a:spcPct val="100000"/>
         </a:lnSpc>
@@ -3456,7 +3477,7 @@
           <a:srgbClr val="000000"/>
         </a:buClr>
         <a:buFont typeface="Arial"/>
-        <a:defRPr b="0" i="0" sz="1400" u="none" cap="none" strike="noStrike">
+        <a:defRPr sz="1400" b="0" i="0" u="none" strike="noStrike" cap="none">
           <a:solidFill>
             <a:srgbClr val="000000"/>
           </a:solidFill>
@@ -3466,7 +3487,7 @@
           <a:sym typeface="Arial"/>
         </a:defRPr>
       </a:lvl8pPr>
-      <a:lvl9pPr lvl="8" marR="0" rtl="0" algn="l">
+      <a:lvl9pPr marR="0" lvl="8" algn="l" rtl="0">
         <a:lnSpc>
           <a:spcPct val="100000"/>
         </a:lnSpc>
@@ -3480,7 +3501,7 @@
           <a:srgbClr val="000000"/>
         </a:buClr>
         <a:buFont typeface="Arial"/>
-        <a:defRPr b="0" i="0" sz="1400" u="none" cap="none" strike="noStrike">
+        <a:defRPr sz="1400" b="0" i="0" u="none" strike="noStrike" cap="none">
           <a:solidFill>
             <a:srgbClr val="000000"/>
           </a:solidFill>
@@ -3492,7 +3513,7 @@
       </a:lvl9pPr>
     </p:bodyStyle>
     <p:otherStyle>
-      <a:defPPr lvl="0" marR="0" rtl="0" algn="l">
+      <a:defPPr marR="0" lvl="0" algn="l" rtl="0">
         <a:lnSpc>
           <a:spcPct val="100000"/>
         </a:lnSpc>
@@ -3503,7 +3524,7 @@
           <a:spcPts val="0"/>
         </a:spcAft>
       </a:defPPr>
-      <a:lvl1pPr lvl="0" marR="0" rtl="0" algn="l">
+      <a:lvl1pPr marR="0" lvl="0" algn="l" rtl="0">
         <a:lnSpc>
           <a:spcPct val="100000"/>
         </a:lnSpc>
@@ -3517,7 +3538,7 @@
           <a:srgbClr val="000000"/>
         </a:buClr>
         <a:buFont typeface="Arial"/>
-        <a:defRPr b="0" i="0" sz="1400" u="none" cap="none" strike="noStrike">
+        <a:defRPr sz="1400" b="0" i="0" u="none" strike="noStrike" cap="none">
           <a:solidFill>
             <a:srgbClr val="000000"/>
           </a:solidFill>
@@ -3527,7 +3548,7 @@
           <a:sym typeface="Arial"/>
         </a:defRPr>
       </a:lvl1pPr>
-      <a:lvl2pPr lvl="1" marR="0" rtl="0" algn="l">
+      <a:lvl2pPr marR="0" lvl="1" algn="l" rtl="0">
         <a:lnSpc>
           <a:spcPct val="100000"/>
         </a:lnSpc>
@@ -3541,7 +3562,7 @@
           <a:srgbClr val="000000"/>
         </a:buClr>
         <a:buFont typeface="Arial"/>
-        <a:defRPr b="0" i="0" sz="1400" u="none" cap="none" strike="noStrike">
+        <a:defRPr sz="1400" b="0" i="0" u="none" strike="noStrike" cap="none">
           <a:solidFill>
             <a:srgbClr val="000000"/>
           </a:solidFill>
@@ -3551,7 +3572,7 @@
           <a:sym typeface="Arial"/>
         </a:defRPr>
       </a:lvl2pPr>
-      <a:lvl3pPr lvl="2" marR="0" rtl="0" algn="l">
+      <a:lvl3pPr marR="0" lvl="2" algn="l" rtl="0">
         <a:lnSpc>
           <a:spcPct val="100000"/>
         </a:lnSpc>
@@ -3565,7 +3586,7 @@
           <a:srgbClr val="000000"/>
         </a:buClr>
         <a:buFont typeface="Arial"/>
-        <a:defRPr b="0" i="0" sz="1400" u="none" cap="none" strike="noStrike">
+        <a:defRPr sz="1400" b="0" i="0" u="none" strike="noStrike" cap="none">
           <a:solidFill>
             <a:srgbClr val="000000"/>
           </a:solidFill>
@@ -3575,7 +3596,7 @@
           <a:sym typeface="Arial"/>
         </a:defRPr>
       </a:lvl3pPr>
-      <a:lvl4pPr lvl="3" marR="0" rtl="0" algn="l">
+      <a:lvl4pPr marR="0" lvl="3" algn="l" rtl="0">
         <a:lnSpc>
           <a:spcPct val="100000"/>
         </a:lnSpc>
@@ -3589,7 +3610,7 @@
           <a:srgbClr val="000000"/>
         </a:buClr>
         <a:buFont typeface="Arial"/>
-        <a:defRPr b="0" i="0" sz="1400" u="none" cap="none" strike="noStrike">
+        <a:defRPr sz="1400" b="0" i="0" u="none" strike="noStrike" cap="none">
           <a:solidFill>
             <a:srgbClr val="000000"/>
           </a:solidFill>
@@ -3599,7 +3620,7 @@
           <a:sym typeface="Arial"/>
         </a:defRPr>
       </a:lvl4pPr>
-      <a:lvl5pPr lvl="4" marR="0" rtl="0" algn="l">
+      <a:lvl5pPr marR="0" lvl="4" algn="l" rtl="0">
         <a:lnSpc>
           <a:spcPct val="100000"/>
         </a:lnSpc>
@@ -3613,7 +3634,7 @@
           <a:srgbClr val="000000"/>
         </a:buClr>
         <a:buFont typeface="Arial"/>
-        <a:defRPr b="0" i="0" sz="1400" u="none" cap="none" strike="noStrike">
+        <a:defRPr sz="1400" b="0" i="0" u="none" strike="noStrike" cap="none">
           <a:solidFill>
             <a:srgbClr val="000000"/>
           </a:solidFill>
@@ -3623,7 +3644,7 @@
           <a:sym typeface="Arial"/>
         </a:defRPr>
       </a:lvl5pPr>
-      <a:lvl6pPr lvl="5" marR="0" rtl="0" algn="l">
+      <a:lvl6pPr marR="0" lvl="5" algn="l" rtl="0">
         <a:lnSpc>
           <a:spcPct val="100000"/>
         </a:lnSpc>
@@ -3637,7 +3658,7 @@
           <a:srgbClr val="000000"/>
         </a:buClr>
         <a:buFont typeface="Arial"/>
-        <a:defRPr b="0" i="0" sz="1400" u="none" cap="none" strike="noStrike">
+        <a:defRPr sz="1400" b="0" i="0" u="none" strike="noStrike" cap="none">
           <a:solidFill>
             <a:srgbClr val="000000"/>
           </a:solidFill>
@@ -3647,7 +3668,7 @@
           <a:sym typeface="Arial"/>
         </a:defRPr>
       </a:lvl6pPr>
-      <a:lvl7pPr lvl="6" marR="0" rtl="0" algn="l">
+      <a:lvl7pPr marR="0" lvl="6" algn="l" rtl="0">
         <a:lnSpc>
           <a:spcPct val="100000"/>
         </a:lnSpc>
@@ -3661,7 +3682,7 @@
           <a:srgbClr val="000000"/>
         </a:buClr>
         <a:buFont typeface="Arial"/>
-        <a:defRPr b="0" i="0" sz="1400" u="none" cap="none" strike="noStrike">
+        <a:defRPr sz="1400" b="0" i="0" u="none" strike="noStrike" cap="none">
           <a:solidFill>
             <a:srgbClr val="000000"/>
           </a:solidFill>
@@ -3671,7 +3692,7 @@
           <a:sym typeface="Arial"/>
         </a:defRPr>
       </a:lvl7pPr>
-      <a:lvl8pPr lvl="7" marR="0" rtl="0" algn="l">
+      <a:lvl8pPr marR="0" lvl="7" algn="l" rtl="0">
         <a:lnSpc>
           <a:spcPct val="100000"/>
         </a:lnSpc>
@@ -3685,7 +3706,7 @@
           <a:srgbClr val="000000"/>
         </a:buClr>
         <a:buFont typeface="Arial"/>
-        <a:defRPr b="0" i="0" sz="1400" u="none" cap="none" strike="noStrike">
+        <a:defRPr sz="1400" b="0" i="0" u="none" strike="noStrike" cap="none">
           <a:solidFill>
             <a:srgbClr val="000000"/>
           </a:solidFill>
@@ -3695,7 +3716,7 @@
           <a:sym typeface="Arial"/>
         </a:defRPr>
       </a:lvl8pPr>
-      <a:lvl9pPr lvl="8" marR="0" rtl="0" algn="l">
+      <a:lvl9pPr marR="0" lvl="8" algn="l" rtl="0">
         <a:lnSpc>
           <a:spcPct val="100000"/>
         </a:lnSpc>
@@ -3709,7 +3730,7 @@
           <a:srgbClr val="000000"/>
         </a:buClr>
         <a:buFont typeface="Arial"/>
-        <a:defRPr b="0" i="0" sz="1400" u="none" cap="none" strike="noStrike">
+        <a:defRPr sz="1400" b="0" i="0" u="none" strike="noStrike" cap="none">
           <a:solidFill>
             <a:srgbClr val="000000"/>
           </a:solidFill>
@@ -3725,11 +3746,11 @@
 </file>
 
 <file path=ppt/slides/slide1.xml><?xml version="1.0" encoding="utf-8"?>
-<p:sld xmlns:a="http://schemas.openxmlformats.org/drawingml/2006/main" xmlns:r="http://schemas.openxmlformats.org/officeDocument/2006/relationships" xmlns:mc="http://schemas.openxmlformats.org/markup-compatibility/2006" xmlns:mv="urn:schemas-microsoft-com:mac:vml" xmlns:p="http://schemas.openxmlformats.org/presentationml/2006/main" xmlns:c="http://schemas.openxmlformats.org/drawingml/2006/chart" xmlns:dgm="http://schemas.openxmlformats.org/drawingml/2006/diagram" xmlns:o="urn:schemas-microsoft-com:office:office" xmlns:v="urn:schemas-microsoft-com:vml" xmlns:pvml="urn:schemas-microsoft-com:office:powerpoint" xmlns:com="http://schemas.openxmlformats.org/drawingml/2006/compatibility" xmlns:p14="http://schemas.microsoft.com/office/powerpoint/2010/main" xmlns:p15="http://schemas.microsoft.com/office/powerpoint/2012/main">
+<p:sld xmlns:a="http://schemas.openxmlformats.org/drawingml/2006/main" xmlns:r="http://schemas.openxmlformats.org/officeDocument/2006/relationships" xmlns:p="http://schemas.openxmlformats.org/presentationml/2006/main">
   <p:cSld>
     <p:spTree>
       <p:nvGrpSpPr>
-        <p:cNvPr id="19" name="Shape 19"/>
+        <p:cNvPr id="1" name="Shape 19"/>
         <p:cNvGrpSpPr/>
         <p:nvPr/>
       </p:nvGrpSpPr>
@@ -3758,23 +3779,23 @@
           <a:solidFill>
             <a:schemeClr val="lt1"/>
           </a:solidFill>
-          <a:ln cap="flat" cmpd="sng" w="19050">
+          <a:ln w="19050" cap="flat" cmpd="sng">
             <a:solidFill>
               <a:schemeClr val="accent5"/>
             </a:solidFill>
             <a:prstDash val="solid"/>
             <a:miter lim="800000"/>
-            <a:headEnd len="sm" w="sm" type="none"/>
-            <a:tailEnd len="sm" w="sm" type="none"/>
+            <a:headEnd type="none" w="sm" len="sm"/>
+            <a:tailEnd type="none" w="sm" len="sm"/>
           </a:ln>
         </p:spPr>
         <p:txBody>
-          <a:bodyPr anchorCtr="0" anchor="ctr" bIns="45700" lIns="91425" spcFirstLastPara="1" rIns="91425" wrap="square" tIns="45700">
+          <a:bodyPr spcFirstLastPara="1" wrap="square" lIns="91425" tIns="45700" rIns="91425" bIns="45700" anchor="ctr" anchorCtr="0">
             <a:noAutofit/>
           </a:bodyPr>
           <a:lstStyle/>
           <a:p>
-            <a:pPr indent="0" lvl="0" marL="0" marR="0" rtl="0" algn="l">
+            <a:pPr marL="0" marR="0" lvl="0" indent="0" algn="l" rtl="0">
               <a:lnSpc>
                 <a:spcPct val="100000"/>
               </a:lnSpc>
@@ -3791,10 +3812,7 @@
               <a:buFont typeface="Arial"/>
               <a:buNone/>
             </a:pPr>
-            <a:r>
-              <a:t/>
-            </a:r>
-            <a:endParaRPr b="0" i="0" sz="1428" u="none" cap="none" strike="noStrike">
+            <a:endParaRPr sz="1428" b="0" i="0" u="none" strike="noStrike" cap="none">
               <a:solidFill>
                 <a:srgbClr val="000000"/>
               </a:solidFill>
@@ -3823,23 +3841,23 @@
           <a:solidFill>
             <a:schemeClr val="lt1"/>
           </a:solidFill>
-          <a:ln cap="flat" cmpd="sng" w="19050">
+          <a:ln w="19050" cap="flat" cmpd="sng">
             <a:solidFill>
               <a:schemeClr val="accent5"/>
             </a:solidFill>
             <a:prstDash val="solid"/>
             <a:miter lim="800000"/>
-            <a:headEnd len="sm" w="sm" type="none"/>
-            <a:tailEnd len="sm" w="sm" type="none"/>
+            <a:headEnd type="none" w="sm" len="sm"/>
+            <a:tailEnd type="none" w="sm" len="sm"/>
           </a:ln>
         </p:spPr>
         <p:txBody>
-          <a:bodyPr anchorCtr="0" anchor="ctr" bIns="45700" lIns="91425" spcFirstLastPara="1" rIns="91425" wrap="square" tIns="45700">
+          <a:bodyPr spcFirstLastPara="1" wrap="square" lIns="91425" tIns="45700" rIns="91425" bIns="45700" anchor="ctr" anchorCtr="0">
             <a:noAutofit/>
           </a:bodyPr>
           <a:lstStyle/>
           <a:p>
-            <a:pPr indent="0" lvl="0" marL="0" marR="0" rtl="0" algn="l">
+            <a:pPr marL="0" marR="0" lvl="0" indent="0" algn="l" rtl="0">
               <a:lnSpc>
                 <a:spcPct val="100000"/>
               </a:lnSpc>
@@ -3856,10 +3874,7 @@
               <a:buFont typeface="Arial"/>
               <a:buNone/>
             </a:pPr>
-            <a:r>
-              <a:t/>
-            </a:r>
-            <a:endParaRPr b="0" i="0" sz="1428" u="none" cap="none" strike="noStrike">
+            <a:endParaRPr sz="1428" b="0" i="0" u="none" strike="noStrike" cap="none">
               <a:solidFill>
                 <a:srgbClr val="000000"/>
               </a:solidFill>
@@ -3893,12 +3908,12 @@
           </a:ln>
         </p:spPr>
         <p:txBody>
-          <a:bodyPr anchorCtr="0" anchor="ctr" bIns="47575" lIns="47575" spcFirstLastPara="1" rIns="47575" wrap="square" tIns="47575">
+          <a:bodyPr spcFirstLastPara="1" wrap="square" lIns="47575" tIns="47575" rIns="47575" bIns="47575" anchor="ctr" anchorCtr="0">
             <a:noAutofit/>
           </a:bodyPr>
           <a:lstStyle/>
           <a:p>
-            <a:pPr indent="0" lvl="0" marL="0" marR="0" rtl="0" algn="l">
+            <a:pPr marL="0" marR="0" lvl="0" indent="0" algn="l" rtl="0">
               <a:lnSpc>
                 <a:spcPct val="100000"/>
               </a:lnSpc>
@@ -3916,7 +3931,7 @@
               <a:buNone/>
             </a:pPr>
             <a:r>
-              <a:rPr b="0" i="0" lang="en-AU" sz="1428" u="none" cap="none" strike="noStrike">
+              <a:rPr lang="en-AU" sz="1428" b="0" i="0" u="none" strike="noStrike" cap="none">
                 <a:solidFill>
                   <a:schemeClr val="lt1"/>
                 </a:solidFill>
@@ -3927,7 +3942,7 @@
               </a:rPr>
               <a:t>1</a:t>
             </a:r>
-            <a:endParaRPr b="0" i="0" sz="1428" u="none" cap="none" strike="noStrike">
+            <a:endParaRPr sz="1428" b="0" i="0" u="none" strike="noStrike" cap="none">
               <a:solidFill>
                 <a:schemeClr val="lt1"/>
               </a:solidFill>
@@ -3961,12 +3976,12 @@
           </a:ln>
         </p:spPr>
         <p:txBody>
-          <a:bodyPr anchorCtr="0" anchor="ctr" bIns="47575" lIns="47575" spcFirstLastPara="1" rIns="47575" wrap="square" tIns="47575">
+          <a:bodyPr spcFirstLastPara="1" wrap="square" lIns="47575" tIns="47575" rIns="47575" bIns="47575" anchor="ctr" anchorCtr="0">
             <a:noAutofit/>
           </a:bodyPr>
           <a:lstStyle/>
           <a:p>
-            <a:pPr indent="0" lvl="0" marL="0" marR="0" rtl="0" algn="l">
+            <a:pPr marL="0" marR="0" lvl="0" indent="0" algn="l" rtl="0">
               <a:lnSpc>
                 <a:spcPct val="100000"/>
               </a:lnSpc>
@@ -3984,7 +3999,7 @@
               <a:buNone/>
             </a:pPr>
             <a:r>
-              <a:rPr b="0" i="0" lang="en-AU" sz="1428" u="none" cap="none" strike="noStrike">
+              <a:rPr lang="en-AU" sz="1428" b="0" i="0" u="none" strike="noStrike" cap="none">
                 <a:solidFill>
                   <a:schemeClr val="lt1"/>
                 </a:solidFill>
@@ -3995,7 +4010,7 @@
               </a:rPr>
               <a:t>4</a:t>
             </a:r>
-            <a:endParaRPr b="0" i="0" sz="1400" u="none" cap="none" strike="noStrike">
+            <a:endParaRPr sz="1400" b="0" i="0" u="none" strike="noStrike" cap="none">
               <a:solidFill>
                 <a:srgbClr val="000000"/>
               </a:solidFill>
@@ -4027,12 +4042,12 @@
           </a:ln>
         </p:spPr>
         <p:txBody>
-          <a:bodyPr anchorCtr="0" anchor="ctr" bIns="0" lIns="0" spcFirstLastPara="1" rIns="0" wrap="square" tIns="0">
+          <a:bodyPr spcFirstLastPara="1" wrap="square" lIns="0" tIns="0" rIns="0" bIns="0" anchor="ctr" anchorCtr="0">
             <a:noAutofit/>
           </a:bodyPr>
           <a:lstStyle/>
           <a:p>
-            <a:pPr indent="0" lvl="0" marL="0" marR="0" rtl="0" algn="l">
+            <a:pPr marL="0" marR="0" lvl="0" indent="0" algn="l" rtl="0">
               <a:lnSpc>
                 <a:spcPct val="100000"/>
               </a:lnSpc>
@@ -4050,7 +4065,7 @@
               <a:buNone/>
             </a:pPr>
             <a:r>
-              <a:rPr b="0" i="0" lang="en-AU" sz="1428" u="none" cap="none" strike="noStrike">
+              <a:rPr lang="en-AU" sz="1428" b="0" i="0" u="none" strike="noStrike" cap="none">
                 <a:solidFill>
                   <a:schemeClr val="dk1"/>
                 </a:solidFill>
@@ -4061,7 +4076,7 @@
               </a:rPr>
               <a:t>Context</a:t>
             </a:r>
-            <a:endParaRPr b="0" i="0" sz="1400" u="none" cap="none" strike="noStrike">
+            <a:endParaRPr sz="1400" b="0" i="0" u="none" strike="noStrike" cap="none">
               <a:solidFill>
                 <a:srgbClr val="000000"/>
               </a:solidFill>
@@ -4093,12 +4108,12 @@
           </a:ln>
         </p:spPr>
         <p:txBody>
-          <a:bodyPr anchorCtr="0" anchor="ctr" bIns="0" lIns="0" spcFirstLastPara="1" rIns="0" wrap="square" tIns="0">
+          <a:bodyPr spcFirstLastPara="1" wrap="square" lIns="0" tIns="0" rIns="0" bIns="0" anchor="ctr" anchorCtr="0">
             <a:noAutofit/>
           </a:bodyPr>
           <a:lstStyle/>
           <a:p>
-            <a:pPr indent="0" lvl="0" marL="0" marR="0" rtl="0" algn="l">
+            <a:pPr marL="0" marR="0" lvl="0" indent="0" algn="l" rtl="0">
               <a:lnSpc>
                 <a:spcPct val="100000"/>
               </a:lnSpc>
@@ -4116,7 +4131,7 @@
               <a:buNone/>
             </a:pPr>
             <a:r>
-              <a:rPr b="0" i="0" lang="en-AU" sz="1428" u="none" cap="none" strike="noStrike">
+              <a:rPr lang="en-AU" sz="1428" b="0" i="0" u="none" strike="noStrike" cap="none">
                 <a:solidFill>
                   <a:schemeClr val="dk1"/>
                 </a:solidFill>
@@ -4127,7 +4142,7 @@
               </a:rPr>
               <a:t>Constraints within solution space</a:t>
             </a:r>
-            <a:endParaRPr b="0" i="0" sz="1400" u="none" cap="none" strike="noStrike">
+            <a:endParaRPr sz="1400" b="0" i="0" u="none" strike="noStrike" cap="none">
               <a:solidFill>
                 <a:srgbClr val="000000"/>
               </a:solidFill>
@@ -4161,12 +4176,12 @@
           </a:ln>
         </p:spPr>
         <p:txBody>
-          <a:bodyPr anchorCtr="0" anchor="ctr" bIns="47575" lIns="47575" spcFirstLastPara="1" rIns="47575" wrap="square" tIns="47575">
+          <a:bodyPr spcFirstLastPara="1" wrap="square" lIns="47575" tIns="47575" rIns="47575" bIns="47575" anchor="ctr" anchorCtr="0">
             <a:noAutofit/>
           </a:bodyPr>
           <a:lstStyle/>
           <a:p>
-            <a:pPr indent="0" lvl="0" marL="0" marR="0" rtl="0" algn="l">
+            <a:pPr marL="0" marR="0" lvl="0" indent="0" algn="l" rtl="0">
               <a:lnSpc>
                 <a:spcPct val="100000"/>
               </a:lnSpc>
@@ -4184,7 +4199,7 @@
               <a:buNone/>
             </a:pPr>
             <a:r>
-              <a:rPr b="0" i="0" lang="en-AU" sz="1428" u="none" cap="none" strike="noStrike">
+              <a:rPr lang="en-AU" sz="1428" b="0" i="0" u="none" strike="noStrike" cap="none">
                 <a:solidFill>
                   <a:schemeClr val="lt1"/>
                 </a:solidFill>
@@ -4195,7 +4210,7 @@
               </a:rPr>
               <a:t>5</a:t>
             </a:r>
-            <a:endParaRPr b="0" i="0" sz="1400" u="none" cap="none" strike="noStrike">
+            <a:endParaRPr sz="1400" b="0" i="0" u="none" strike="noStrike" cap="none">
               <a:solidFill>
                 <a:srgbClr val="000000"/>
               </a:solidFill>
@@ -4229,12 +4244,12 @@
           </a:ln>
         </p:spPr>
         <p:txBody>
-          <a:bodyPr anchorCtr="0" anchor="ctr" bIns="47575" lIns="47575" spcFirstLastPara="1" rIns="47575" wrap="square" tIns="47575">
+          <a:bodyPr spcFirstLastPara="1" wrap="square" lIns="47575" tIns="47575" rIns="47575" bIns="47575" anchor="ctr" anchorCtr="0">
             <a:noAutofit/>
           </a:bodyPr>
           <a:lstStyle/>
           <a:p>
-            <a:pPr indent="0" lvl="0" marL="0" marR="0" rtl="0" algn="l">
+            <a:pPr marL="0" marR="0" lvl="0" indent="0" algn="l" rtl="0">
               <a:lnSpc>
                 <a:spcPct val="100000"/>
               </a:lnSpc>
@@ -4252,7 +4267,7 @@
               <a:buNone/>
             </a:pPr>
             <a:r>
-              <a:rPr b="0" i="0" lang="en-AU" sz="1428" u="none" cap="none" strike="noStrike">
+              <a:rPr lang="en-AU" sz="1428" b="0" i="0" u="none" strike="noStrike" cap="none">
                 <a:solidFill>
                   <a:schemeClr val="lt1"/>
                 </a:solidFill>
@@ -4263,7 +4278,7 @@
               </a:rPr>
               <a:t>2</a:t>
             </a:r>
-            <a:endParaRPr b="0" i="0" sz="1400" u="none" cap="none" strike="noStrike">
+            <a:endParaRPr sz="1400" b="0" i="0" u="none" strike="noStrike" cap="none">
               <a:solidFill>
                 <a:srgbClr val="000000"/>
               </a:solidFill>
@@ -4295,12 +4310,12 @@
           </a:ln>
         </p:spPr>
         <p:txBody>
-          <a:bodyPr anchorCtr="0" anchor="ctr" bIns="0" lIns="0" spcFirstLastPara="1" rIns="0" wrap="square" tIns="0">
+          <a:bodyPr spcFirstLastPara="1" wrap="square" lIns="0" tIns="0" rIns="0" bIns="0" anchor="ctr" anchorCtr="0">
             <a:noAutofit/>
           </a:bodyPr>
           <a:lstStyle/>
           <a:p>
-            <a:pPr indent="0" lvl="0" marL="0" marR="0" rtl="0" algn="l">
+            <a:pPr marL="0" marR="0" lvl="0" indent="0" algn="l" rtl="0">
               <a:lnSpc>
                 <a:spcPct val="100000"/>
               </a:lnSpc>
@@ -4318,7 +4333,7 @@
               <a:buNone/>
             </a:pPr>
             <a:r>
-              <a:rPr b="0" i="0" lang="en-AU" sz="1428" u="none" cap="none" strike="noStrike">
+              <a:rPr lang="en-AU" sz="1428" b="0" i="0" u="none" strike="noStrike" cap="none">
                 <a:solidFill>
                   <a:schemeClr val="dk1"/>
                 </a:solidFill>
@@ -4329,7 +4344,7 @@
               </a:rPr>
               <a:t>Criteria for success</a:t>
             </a:r>
-            <a:endParaRPr b="0" i="0" sz="1400" u="none" cap="none" strike="noStrike">
+            <a:endParaRPr sz="1400" b="0" i="0" u="none" strike="noStrike" cap="none">
               <a:solidFill>
                 <a:srgbClr val="000000"/>
               </a:solidFill>
@@ -4361,12 +4376,12 @@
           </a:ln>
         </p:spPr>
         <p:txBody>
-          <a:bodyPr anchorCtr="0" anchor="ctr" bIns="0" lIns="0" spcFirstLastPara="1" rIns="0" wrap="square" tIns="0">
+          <a:bodyPr spcFirstLastPara="1" wrap="square" lIns="0" tIns="0" rIns="0" bIns="0" anchor="ctr" anchorCtr="0">
             <a:noAutofit/>
           </a:bodyPr>
           <a:lstStyle/>
           <a:p>
-            <a:pPr indent="0" lvl="0" marL="0" marR="0" rtl="0" algn="l">
+            <a:pPr marL="0" marR="0" lvl="0" indent="0" algn="l" rtl="0">
               <a:lnSpc>
                 <a:spcPct val="100000"/>
               </a:lnSpc>
@@ -4384,7 +4399,7 @@
               <a:buNone/>
             </a:pPr>
             <a:r>
-              <a:rPr b="0" i="0" lang="en-AU" sz="1428" u="none" cap="none" strike="noStrike">
+              <a:rPr lang="en-AU" sz="1428" b="0" i="0" u="none" strike="noStrike" cap="none">
                 <a:solidFill>
                   <a:schemeClr val="dk1"/>
                 </a:solidFill>
@@ -4395,7 +4410,7 @@
               </a:rPr>
               <a:t>Stakeholders to provide key insight</a:t>
             </a:r>
-            <a:endParaRPr b="0" i="0" sz="1400" u="none" cap="none" strike="noStrike">
+            <a:endParaRPr sz="1400" b="0" i="0" u="none" strike="noStrike" cap="none">
               <a:solidFill>
                 <a:srgbClr val="000000"/>
               </a:solidFill>
@@ -4429,12 +4444,12 @@
           </a:ln>
         </p:spPr>
         <p:txBody>
-          <a:bodyPr anchorCtr="0" anchor="ctr" bIns="47575" lIns="47575" spcFirstLastPara="1" rIns="47575" wrap="square" tIns="47575">
+          <a:bodyPr spcFirstLastPara="1" wrap="square" lIns="47575" tIns="47575" rIns="47575" bIns="47575" anchor="ctr" anchorCtr="0">
             <a:noAutofit/>
           </a:bodyPr>
           <a:lstStyle/>
           <a:p>
-            <a:pPr indent="0" lvl="0" marL="0" marR="0" rtl="0" algn="l">
+            <a:pPr marL="0" marR="0" lvl="0" indent="0" algn="l" rtl="0">
               <a:lnSpc>
                 <a:spcPct val="100000"/>
               </a:lnSpc>
@@ -4452,7 +4467,7 @@
               <a:buNone/>
             </a:pPr>
             <a:r>
-              <a:rPr b="0" i="0" lang="en-AU" sz="1428" u="none" cap="none" strike="noStrike">
+              <a:rPr lang="en-AU" sz="1428" b="0" i="0" u="none" strike="noStrike" cap="none">
                 <a:solidFill>
                   <a:schemeClr val="lt1"/>
                 </a:solidFill>
@@ -4463,7 +4478,7 @@
               </a:rPr>
               <a:t>3</a:t>
             </a:r>
-            <a:endParaRPr b="0" i="0" sz="1400" u="none" cap="none" strike="noStrike">
+            <a:endParaRPr sz="1400" b="0" i="0" u="none" strike="noStrike" cap="none">
               <a:solidFill>
                 <a:srgbClr val="000000"/>
               </a:solidFill>
@@ -4497,12 +4512,12 @@
           </a:ln>
         </p:spPr>
         <p:txBody>
-          <a:bodyPr anchorCtr="0" anchor="ctr" bIns="47575" lIns="47575" spcFirstLastPara="1" rIns="47575" wrap="square" tIns="47575">
+          <a:bodyPr spcFirstLastPara="1" wrap="square" lIns="47575" tIns="47575" rIns="47575" bIns="47575" anchor="ctr" anchorCtr="0">
             <a:noAutofit/>
           </a:bodyPr>
           <a:lstStyle/>
           <a:p>
-            <a:pPr indent="0" lvl="0" marL="0" marR="0" rtl="0" algn="l">
+            <a:pPr marL="0" marR="0" lvl="0" indent="0" algn="l" rtl="0">
               <a:lnSpc>
                 <a:spcPct val="100000"/>
               </a:lnSpc>
@@ -4520,7 +4535,7 @@
               <a:buNone/>
             </a:pPr>
             <a:r>
-              <a:rPr b="0" i="0" lang="en-AU" sz="1428" u="none" cap="none" strike="noStrike">
+              <a:rPr lang="en-AU" sz="1428" b="0" i="0" u="none" strike="noStrike" cap="none">
                 <a:solidFill>
                   <a:schemeClr val="lt1"/>
                 </a:solidFill>
@@ -4531,7 +4546,7 @@
               </a:rPr>
               <a:t>6</a:t>
             </a:r>
-            <a:endParaRPr b="0" i="0" sz="1400" u="none" cap="none" strike="noStrike">
+            <a:endParaRPr sz="1400" b="0" i="0" u="none" strike="noStrike" cap="none">
               <a:solidFill>
                 <a:srgbClr val="000000"/>
               </a:solidFill>
@@ -4563,12 +4578,12 @@
           </a:ln>
         </p:spPr>
         <p:txBody>
-          <a:bodyPr anchorCtr="0" anchor="ctr" bIns="0" lIns="0" spcFirstLastPara="1" rIns="0" wrap="square" tIns="0">
+          <a:bodyPr spcFirstLastPara="1" wrap="square" lIns="0" tIns="0" rIns="0" bIns="0" anchor="ctr" anchorCtr="0">
             <a:noAutofit/>
           </a:bodyPr>
           <a:lstStyle/>
           <a:p>
-            <a:pPr indent="0" lvl="0" marL="0" marR="0" rtl="0" algn="l">
+            <a:pPr marL="0" marR="0" lvl="0" indent="0" algn="l" rtl="0">
               <a:lnSpc>
                 <a:spcPct val="100000"/>
               </a:lnSpc>
@@ -4586,7 +4601,7 @@
               <a:buNone/>
             </a:pPr>
             <a:r>
-              <a:rPr b="0" i="0" lang="en-AU" sz="1428" u="none" cap="none" strike="noStrike">
+              <a:rPr lang="en-AU" sz="1428" b="0" i="0" u="none" strike="noStrike" cap="none">
                 <a:solidFill>
                   <a:schemeClr val="dk1"/>
                 </a:solidFill>
@@ -4597,7 +4612,7 @@
               </a:rPr>
               <a:t>Scope of solution space </a:t>
             </a:r>
-            <a:endParaRPr b="0" i="0" sz="1400" u="none" cap="none" strike="noStrike">
+            <a:endParaRPr sz="1400" b="0" i="0" u="none" strike="noStrike" cap="none">
               <a:solidFill>
                 <a:srgbClr val="000000"/>
               </a:solidFill>
@@ -4629,12 +4644,12 @@
           </a:ln>
         </p:spPr>
         <p:txBody>
-          <a:bodyPr anchorCtr="0" anchor="ctr" bIns="0" lIns="0" spcFirstLastPara="1" rIns="0" wrap="square" tIns="0">
+          <a:bodyPr spcFirstLastPara="1" wrap="square" lIns="0" tIns="0" rIns="0" bIns="0" anchor="ctr" anchorCtr="0">
             <a:noAutofit/>
           </a:bodyPr>
           <a:lstStyle/>
           <a:p>
-            <a:pPr indent="0" lvl="0" marL="0" marR="0" rtl="0" algn="l">
+            <a:pPr marL="0" marR="0" lvl="0" indent="0" algn="l" rtl="0">
               <a:lnSpc>
                 <a:spcPct val="100000"/>
               </a:lnSpc>
@@ -4660,7 +4675,7 @@
               <a:t>Key</a:t>
             </a:r>
             <a:r>
-              <a:rPr b="0" i="0" lang="en-AU" sz="1428" u="none" cap="none" strike="noStrike">
+              <a:rPr lang="en-AU" sz="1428" b="0" i="0" u="none" strike="noStrike" cap="none">
                 <a:solidFill>
                   <a:schemeClr val="dk1"/>
                 </a:solidFill>
@@ -4671,7 +4686,7 @@
               </a:rPr>
               <a:t> data sources </a:t>
             </a:r>
-            <a:endParaRPr b="0" i="0" sz="1400" u="none" cap="none" strike="noStrike">
+            <a:endParaRPr sz="1400" b="0" i="0" u="none" strike="noStrike" cap="none">
               <a:solidFill>
                 <a:srgbClr val="000000"/>
               </a:solidFill>
@@ -4703,12 +4718,12 @@
           </a:ln>
         </p:spPr>
         <p:txBody>
-          <a:bodyPr anchorCtr="0" anchor="t" bIns="45700" lIns="91425" spcFirstLastPara="1" rIns="91425" wrap="square" tIns="45700">
+          <a:bodyPr spcFirstLastPara="1" wrap="square" lIns="91425" tIns="45700" rIns="91425" bIns="45700" anchor="t" anchorCtr="0">
             <a:noAutofit/>
           </a:bodyPr>
           <a:lstStyle/>
           <a:p>
-            <a:pPr indent="0" lvl="0" marL="0" marR="0" rtl="0" algn="l">
+            <a:pPr marL="0" marR="0" lvl="0" indent="0" algn="l" rtl="0">
               <a:lnSpc>
                 <a:spcPct val="100000"/>
               </a:lnSpc>
@@ -4721,7 +4736,7 @@
               <a:buNone/>
             </a:pPr>
             <a:r>
-              <a:rPr b="1" i="0" lang="en-AU" sz="1070" u="none" cap="none" strike="noStrike">
+              <a:rPr lang="en-AU" sz="1070" b="1" i="0" u="none" strike="noStrike" cap="none">
                 <a:solidFill>
                   <a:srgbClr val="000000"/>
                 </a:solidFill>
@@ -4733,11 +4748,11 @@
               <a:t>&lt;Why are </a:t>
             </a:r>
             <a:r>
-              <a:rPr b="1" lang="en-AU" sz="1070"/>
+              <a:rPr lang="en-AU" sz="1070" b="1"/>
               <a:t>you</a:t>
             </a:r>
             <a:r>
-              <a:rPr b="1" i="0" lang="en-AU" sz="1070" u="none" cap="none" strike="noStrike">
+              <a:rPr lang="en-AU" sz="1070" b="1" i="0" u="none" strike="noStrike" cap="none">
                 <a:solidFill>
                   <a:srgbClr val="000000"/>
                 </a:solidFill>
@@ -4749,11 +4764,11 @@
               <a:t> </a:t>
             </a:r>
             <a:r>
-              <a:rPr b="1" lang="en-AU" sz="1070"/>
+              <a:rPr lang="en-AU" sz="1070" b="1"/>
               <a:t>working on this problem</a:t>
             </a:r>
             <a:r>
-              <a:rPr b="1" i="0" lang="en-AU" sz="1070" u="none" cap="none" strike="noStrike">
+              <a:rPr lang="en-AU" sz="1070" b="1" i="0" u="none" strike="noStrike" cap="none">
                 <a:solidFill>
                   <a:srgbClr val="000000"/>
                 </a:solidFill>
@@ -4788,12 +4803,12 @@
           </a:ln>
         </p:spPr>
         <p:txBody>
-          <a:bodyPr anchorCtr="0" anchor="t" bIns="45700" lIns="91425" spcFirstLastPara="1" rIns="91425" wrap="square" tIns="45700">
+          <a:bodyPr spcFirstLastPara="1" wrap="square" lIns="91425" tIns="45700" rIns="91425" bIns="45700" anchor="t" anchorCtr="0">
             <a:noAutofit/>
           </a:bodyPr>
           <a:lstStyle/>
           <a:p>
-            <a:pPr indent="0" lvl="0" marL="0" marR="0" rtl="0" algn="l">
+            <a:pPr marL="0" marR="0" lvl="0" indent="0" algn="l" rtl="0">
               <a:lnSpc>
                 <a:spcPct val="100000"/>
               </a:lnSpc>
@@ -4806,7 +4821,7 @@
               <a:buNone/>
             </a:pPr>
             <a:r>
-              <a:rPr b="1" i="0" lang="en-AU" sz="1071" u="none" cap="none" strike="noStrike">
+              <a:rPr lang="en-AU" sz="1071" b="1" i="0" u="none" strike="noStrike" cap="none">
                 <a:solidFill>
                   <a:srgbClr val="000000"/>
                 </a:solidFill>
@@ -4818,11 +4833,11 @@
               <a:t>&lt;What is the key criteria </a:t>
             </a:r>
             <a:r>
-              <a:rPr b="1" lang="en-AU" sz="1071"/>
+              <a:rPr lang="en-AU" sz="1071" b="1"/>
               <a:t>that</a:t>
             </a:r>
             <a:r>
-              <a:rPr b="1" i="0" lang="en-AU" sz="1071" u="none" cap="none" strike="noStrike">
+              <a:rPr lang="en-AU" sz="1071" b="1" i="0" u="none" strike="noStrike" cap="none">
                 <a:solidFill>
                   <a:srgbClr val="000000"/>
                 </a:solidFill>
@@ -4834,11 +4849,11 @@
               <a:t> will deem this work </a:t>
             </a:r>
             <a:r>
-              <a:rPr b="1" lang="en-AU" sz="1071"/>
+              <a:rPr lang="en-AU" sz="1071" b="1"/>
               <a:t>successful</a:t>
             </a:r>
             <a:r>
-              <a:rPr b="1" i="0" lang="en-AU" sz="1071" u="none" cap="none" strike="noStrike">
+              <a:rPr lang="en-AU" sz="1071" b="1" i="0" u="none" strike="noStrike" cap="none">
                 <a:solidFill>
                   <a:srgbClr val="000000"/>
                 </a:solidFill>
@@ -4849,7 +4864,7 @@
               </a:rPr>
               <a:t>?&gt;</a:t>
             </a:r>
-            <a:endParaRPr b="1" i="0" sz="1071" u="none" cap="none" strike="noStrike">
+            <a:endParaRPr sz="1071" b="1" i="0" u="none" strike="noStrike" cap="none">
               <a:solidFill>
                 <a:srgbClr val="000000"/>
               </a:solidFill>
@@ -4881,12 +4896,12 @@
           </a:ln>
         </p:spPr>
         <p:txBody>
-          <a:bodyPr anchorCtr="0" anchor="t" bIns="45700" lIns="91425" spcFirstLastPara="1" rIns="91425" wrap="square" tIns="45700">
+          <a:bodyPr spcFirstLastPara="1" wrap="square" lIns="91425" tIns="45700" rIns="91425" bIns="45700" anchor="t" anchorCtr="0">
             <a:noAutofit/>
           </a:bodyPr>
           <a:lstStyle/>
           <a:p>
-            <a:pPr indent="0" lvl="0" marL="0" marR="0" rtl="0" algn="l">
+            <a:pPr marL="0" marR="0" lvl="0" indent="0" algn="l" rtl="0">
               <a:lnSpc>
                 <a:spcPct val="100000"/>
               </a:lnSpc>
@@ -4899,7 +4914,7 @@
               <a:buNone/>
             </a:pPr>
             <a:r>
-              <a:rPr b="0" i="0" lang="en-AU" sz="1071" u="none" cap="none" strike="noStrike">
+              <a:rPr lang="en-AU" sz="1071" b="0" i="0" u="none" strike="noStrike" cap="none">
                 <a:solidFill>
                   <a:srgbClr val="000000"/>
                 </a:solidFill>
@@ -4911,7 +4926,7 @@
               <a:t>&lt;</a:t>
             </a:r>
             <a:r>
-              <a:rPr b="1" i="0" lang="en-AU" sz="1071" u="none" cap="none" strike="noStrike">
+              <a:rPr lang="en-AU" sz="1071" b="1" i="0" u="none" strike="noStrike" cap="none">
                 <a:solidFill>
                   <a:srgbClr val="000000"/>
                 </a:solidFill>
@@ -4923,7 +4938,7 @@
               <a:t>What is the focus of this business initiative? </a:t>
             </a:r>
             <a:r>
-              <a:rPr b="1" i="0" lang="en-AU" sz="1071" u="none" cap="none" strike="noStrike">
+              <a:rPr lang="en-AU" sz="1071" b="1" i="0" u="none" strike="noStrike" cap="none">
                 <a:solidFill>
                   <a:srgbClr val="000000"/>
                 </a:solidFill>
@@ -4933,24 +4948,24 @@
                 <a:sym typeface="Arial"/>
                 <a:extLst>
                   <a:ext uri="http://customooxmlschemas.google.com/">
-                    <go:slidesCustomData xmlns:go="http://customooxmlschemas.google.com/" textRoundtripDataId="0"/>
+                    <go:slidesCustomData xmlns:go="http://customooxmlschemas.google.com/" xmlns:p15="http://schemas.microsoft.com/office/powerpoint/2012/main" xmlns:p14="http://schemas.microsoft.com/office/powerpoint/2010/main" xmlns:com="http://schemas.openxmlformats.org/drawingml/2006/compatibility" xmlns:pvml="urn:schemas-microsoft-com:office:powerpoint" xmlns:v="urn:schemas-microsoft-com:vml" xmlns:o="urn:schemas-microsoft-com:office:office" xmlns:dgm="http://schemas.openxmlformats.org/drawingml/2006/diagram" xmlns:c="http://schemas.openxmlformats.org/drawingml/2006/chart" xmlns:mv="urn:schemas-microsoft-com:mac:vml" xmlns:mc="http://schemas.openxmlformats.org/markup-compatibility/2006" xmlns="" textRoundtripDataId="0"/>
                   </a:ext>
                 </a:extLst>
               </a:rPr>
               <a:t>I.e. What are </a:t>
             </a:r>
             <a:r>
-              <a:rPr b="1" lang="en-AU" sz="1071">
+              <a:rPr lang="en-AU" sz="1071" b="1">
                 <a:extLst>
                   <a:ext uri="http://customooxmlschemas.google.com/">
-                    <go:slidesCustomData xmlns:go="http://customooxmlschemas.google.com/" textRoundtripDataId="1"/>
+                    <go:slidesCustomData xmlns:go="http://customooxmlschemas.google.com/" xmlns:p15="http://schemas.microsoft.com/office/powerpoint/2012/main" xmlns:p14="http://schemas.microsoft.com/office/powerpoint/2010/main" xmlns:com="http://schemas.openxmlformats.org/drawingml/2006/compatibility" xmlns:pvml="urn:schemas-microsoft-com:office:powerpoint" xmlns:v="urn:schemas-microsoft-com:vml" xmlns:o="urn:schemas-microsoft-com:office:office" xmlns:dgm="http://schemas.openxmlformats.org/drawingml/2006/diagram" xmlns:c="http://schemas.openxmlformats.org/drawingml/2006/chart" xmlns:mv="urn:schemas-microsoft-com:mac:vml" xmlns:mc="http://schemas.openxmlformats.org/markup-compatibility/2006" xmlns="" textRoundtripDataId="1"/>
                   </a:ext>
                 </a:extLst>
               </a:rPr>
               <a:t>you</a:t>
             </a:r>
             <a:r>
-              <a:rPr b="1" i="0" lang="en-AU" sz="1071" u="none" cap="none" strike="noStrike">
+              <a:rPr lang="en-AU" sz="1071" b="1" i="0" u="none" strike="noStrike" cap="none">
                 <a:solidFill>
                   <a:srgbClr val="000000"/>
                 </a:solidFill>
@@ -4960,24 +4975,24 @@
                 <a:sym typeface="Arial"/>
                 <a:extLst>
                   <a:ext uri="http://customooxmlschemas.google.com/">
-                    <go:slidesCustomData xmlns:go="http://customooxmlschemas.google.com/" textRoundtripDataId="2"/>
+                    <go:slidesCustomData xmlns:go="http://customooxmlschemas.google.com/" xmlns:p15="http://schemas.microsoft.com/office/powerpoint/2012/main" xmlns:p14="http://schemas.microsoft.com/office/powerpoint/2010/main" xmlns:com="http://schemas.openxmlformats.org/drawingml/2006/compatibility" xmlns:pvml="urn:schemas-microsoft-com:office:powerpoint" xmlns:v="urn:schemas-microsoft-com:vml" xmlns:o="urn:schemas-microsoft-com:office:office" xmlns:dgm="http://schemas.openxmlformats.org/drawingml/2006/diagram" xmlns:c="http://schemas.openxmlformats.org/drawingml/2006/chart" xmlns:mv="urn:schemas-microsoft-com:mac:vml" xmlns:mc="http://schemas.openxmlformats.org/markup-compatibility/2006" xmlns="" textRoundtripDataId="2"/>
                   </a:ext>
                 </a:extLst>
               </a:rPr>
               <a:t> </a:t>
             </a:r>
             <a:r>
-              <a:rPr b="1" lang="en-AU" sz="1071">
+              <a:rPr lang="en-AU" sz="1071" b="1">
                 <a:extLst>
                   <a:ext uri="http://customooxmlschemas.google.com/">
-                    <go:slidesCustomData xmlns:go="http://customooxmlschemas.google.com/" textRoundtripDataId="3"/>
+                    <go:slidesCustomData xmlns:go="http://customooxmlschemas.google.com/" xmlns:p15="http://schemas.microsoft.com/office/powerpoint/2012/main" xmlns:p14="http://schemas.microsoft.com/office/powerpoint/2010/main" xmlns:com="http://schemas.openxmlformats.org/drawingml/2006/compatibility" xmlns:pvml="urn:schemas-microsoft-com:office:powerpoint" xmlns:v="urn:schemas-microsoft-com:vml" xmlns:o="urn:schemas-microsoft-com:office:office" xmlns:dgm="http://schemas.openxmlformats.org/drawingml/2006/diagram" xmlns:c="http://schemas.openxmlformats.org/drawingml/2006/chart" xmlns:mv="urn:schemas-microsoft-com:mac:vml" xmlns:mc="http://schemas.openxmlformats.org/markup-compatibility/2006" xmlns="" textRoundtripDataId="3"/>
                   </a:ext>
                 </a:extLst>
               </a:rPr>
               <a:t>specific items will you focus on exclusively</a:t>
             </a:r>
             <a:r>
-              <a:rPr b="1" i="0" lang="en-AU" sz="1071" u="none" cap="none" strike="noStrike">
+              <a:rPr lang="en-AU" sz="1071" b="1" i="0" u="none" strike="noStrike" cap="none">
                 <a:solidFill>
                   <a:srgbClr val="000000"/>
                 </a:solidFill>
@@ -4987,17 +5002,17 @@
                 <a:sym typeface="Arial"/>
                 <a:extLst>
                   <a:ext uri="http://customooxmlschemas.google.com/">
-                    <go:slidesCustomData xmlns:go="http://customooxmlschemas.google.com/" textRoundtripDataId="4"/>
+                    <go:slidesCustomData xmlns:go="http://customooxmlschemas.google.com/" xmlns:p15="http://schemas.microsoft.com/office/powerpoint/2012/main" xmlns:p14="http://schemas.microsoft.com/office/powerpoint/2010/main" xmlns:com="http://schemas.openxmlformats.org/drawingml/2006/compatibility" xmlns:pvml="urn:schemas-microsoft-com:office:powerpoint" xmlns:v="urn:schemas-microsoft-com:vml" xmlns:o="urn:schemas-microsoft-com:office:office" xmlns:dgm="http://schemas.openxmlformats.org/drawingml/2006/diagram" xmlns:c="http://schemas.openxmlformats.org/drawingml/2006/chart" xmlns:mv="urn:schemas-microsoft-com:mac:vml" xmlns:mc="http://schemas.openxmlformats.org/markup-compatibility/2006" xmlns="" textRoundtripDataId="4"/>
                   </a:ext>
                 </a:extLst>
               </a:rPr>
               <a:t>?</a:t>
             </a:r>
             <a:r>
-              <a:rPr b="1" lang="en-AU" sz="1071"/>
+              <a:rPr lang="en-AU" sz="1071" b="1"/>
               <a:t>&gt;</a:t>
             </a:r>
-            <a:endParaRPr b="0" i="0" sz="1400" u="none" cap="none" strike="noStrike">
+            <a:endParaRPr sz="1400" b="0" i="0" u="none" strike="noStrike" cap="none">
               <a:solidFill>
                 <a:srgbClr val="000000"/>
               </a:solidFill>
@@ -5029,12 +5044,12 @@
           </a:ln>
         </p:spPr>
         <p:txBody>
-          <a:bodyPr anchorCtr="0" anchor="t" bIns="45700" lIns="91425" spcFirstLastPara="1" rIns="91425" wrap="square" tIns="45700">
+          <a:bodyPr spcFirstLastPara="1" wrap="square" lIns="91425" tIns="45700" rIns="91425" bIns="45700" anchor="t" anchorCtr="0">
             <a:noAutofit/>
           </a:bodyPr>
           <a:lstStyle/>
           <a:p>
-            <a:pPr indent="0" lvl="0" marL="0" marR="0" rtl="0" algn="l">
+            <a:pPr marL="0" marR="0" lvl="0" indent="0" algn="l" rtl="0">
               <a:lnSpc>
                 <a:spcPct val="100000"/>
               </a:lnSpc>
@@ -5047,7 +5062,7 @@
               <a:buNone/>
             </a:pPr>
             <a:r>
-              <a:rPr b="1" i="0" lang="en-AU" sz="1070" u="none" cap="none" strike="noStrike">
+              <a:rPr lang="en-AU" sz="1070" b="1" i="0" u="none" strike="noStrike" cap="none">
                 <a:solidFill>
                   <a:srgbClr val="000000"/>
                 </a:solidFill>
@@ -5059,11 +5074,11 @@
               <a:t>&lt;What constraints exist </a:t>
             </a:r>
             <a:r>
-              <a:rPr b="1" lang="en-AU" sz="1070"/>
+              <a:rPr lang="en-AU" sz="1070" b="1"/>
               <a:t>that may</a:t>
             </a:r>
             <a:r>
-              <a:rPr b="1" i="0" lang="en-AU" sz="1070" u="none" cap="none" strike="noStrike">
+              <a:rPr lang="en-AU" sz="1070" b="1" i="0" u="none" strike="noStrike" cap="none">
                 <a:solidFill>
                   <a:srgbClr val="000000"/>
                 </a:solidFill>
@@ -5074,7 +5089,7 @@
               </a:rPr>
               <a:t> prevent this business initiative from succeeding?&gt;</a:t>
             </a:r>
-            <a:endParaRPr b="1" i="0" sz="1070" u="none" cap="none" strike="noStrike">
+            <a:endParaRPr sz="1070" b="1" i="0" u="none" strike="noStrike" cap="none">
               <a:solidFill>
                 <a:srgbClr val="000000"/>
               </a:solidFill>
@@ -5106,12 +5121,12 @@
           </a:ln>
         </p:spPr>
         <p:txBody>
-          <a:bodyPr anchorCtr="0" anchor="t" bIns="45700" lIns="91425" spcFirstLastPara="1" rIns="91425" wrap="square" tIns="45700">
+          <a:bodyPr spcFirstLastPara="1" wrap="square" lIns="91425" tIns="45700" rIns="91425" bIns="45700" anchor="t" anchorCtr="0">
             <a:noAutofit/>
           </a:bodyPr>
           <a:lstStyle/>
           <a:p>
-            <a:pPr indent="0" lvl="0" marL="0" marR="0" rtl="0" algn="l">
+            <a:pPr marL="0" marR="0" lvl="0" indent="0" algn="l" rtl="0">
               <a:lnSpc>
                 <a:spcPct val="100000"/>
               </a:lnSpc>
@@ -5124,7 +5139,7 @@
               <a:buNone/>
             </a:pPr>
             <a:r>
-              <a:rPr b="1" i="0" lang="en-AU" sz="1070" u="none" cap="none" strike="noStrike">
+              <a:rPr lang="en-AU" sz="1070" b="1" i="0" u="none" strike="noStrike" cap="none">
                 <a:solidFill>
                   <a:srgbClr val="000000"/>
                 </a:solidFill>
@@ -5136,11 +5151,11 @@
               <a:t>&lt;What are the key pieces of data </a:t>
             </a:r>
             <a:r>
-              <a:rPr b="1" lang="en-AU" sz="1070"/>
+              <a:rPr lang="en-AU" sz="1070" b="1"/>
               <a:t>you</a:t>
             </a:r>
             <a:r>
-              <a:rPr b="1" i="0" lang="en-AU" sz="1070" u="none" cap="none" strike="noStrike">
+              <a:rPr lang="en-AU" sz="1070" b="1" i="0" u="none" strike="noStrike" cap="none">
                 <a:solidFill>
                   <a:srgbClr val="000000"/>
                 </a:solidFill>
@@ -5152,11 +5167,11 @@
               <a:t> need to answer the questions </a:t>
             </a:r>
             <a:r>
-              <a:rPr b="1" lang="en-AU" sz="1070"/>
+              <a:rPr lang="en-AU" sz="1070" b="1"/>
               <a:t>related to the </a:t>
             </a:r>
             <a:r>
-              <a:rPr b="1" i="0" lang="en-AU" sz="1070" u="none" cap="none" strike="noStrike">
+              <a:rPr lang="en-AU" sz="1070" b="1" i="0" u="none" strike="noStrike" cap="none">
                 <a:solidFill>
                   <a:srgbClr val="000000"/>
                 </a:solidFill>
@@ -5168,11 +5183,11 @@
               <a:t>problem</a:t>
             </a:r>
             <a:r>
-              <a:rPr b="1" lang="en-AU" sz="1070"/>
+              <a:rPr lang="en-AU" sz="1070" b="1"/>
               <a:t> you</a:t>
             </a:r>
             <a:r>
-              <a:rPr b="1" i="0" lang="en-AU" sz="1070" u="none" cap="none" strike="noStrike">
+              <a:rPr lang="en-AU" sz="1070" b="1" i="0" u="none" strike="noStrike" cap="none">
                 <a:solidFill>
                   <a:srgbClr val="000000"/>
                 </a:solidFill>
@@ -5183,7 +5198,7 @@
               </a:rPr>
               <a:t> are trying to solve?&gt;</a:t>
             </a:r>
-            <a:endParaRPr b="1" i="0" sz="1070" u="none" cap="none" strike="noStrike">
+            <a:endParaRPr sz="1070" b="1" i="0" u="none" strike="noStrike" cap="none">
               <a:solidFill>
                 <a:srgbClr val="000000"/>
               </a:solidFill>
@@ -5208,29 +5223,29 @@
           </a:xfrm>
           <a:prstGeom prst="chevron">
             <a:avLst>
-              <a:gd fmla="val 50000" name="adj"/>
+              <a:gd name="adj" fmla="val 50000"/>
             </a:avLst>
           </a:prstGeom>
           <a:solidFill>
             <a:schemeClr val="accent4"/>
           </a:solidFill>
-          <a:ln cap="flat" cmpd="sng" w="9525">
+          <a:ln w="9525" cap="flat" cmpd="sng">
             <a:solidFill>
               <a:schemeClr val="dk2"/>
             </a:solidFill>
             <a:prstDash val="solid"/>
             <a:round/>
-            <a:headEnd len="sm" w="sm" type="none"/>
-            <a:tailEnd len="sm" w="sm" type="none"/>
+            <a:headEnd type="none" w="sm" len="sm"/>
+            <a:tailEnd type="none" w="sm" len="sm"/>
           </a:ln>
         </p:spPr>
         <p:txBody>
-          <a:bodyPr anchorCtr="0" anchor="ctr" bIns="45700" lIns="91425" spcFirstLastPara="1" rIns="91425" wrap="square" tIns="45700">
+          <a:bodyPr spcFirstLastPara="1" wrap="square" lIns="91425" tIns="45700" rIns="91425" bIns="45700" anchor="ctr" anchorCtr="0">
             <a:noAutofit/>
           </a:bodyPr>
           <a:lstStyle/>
           <a:p>
-            <a:pPr indent="0" lvl="0" marL="0" marR="0" rtl="0" algn="ctr">
+            <a:pPr marL="0" marR="0" lvl="0" indent="0" algn="ctr" rtl="0">
               <a:lnSpc>
                 <a:spcPct val="100000"/>
               </a:lnSpc>
@@ -5248,7 +5263,7 @@
               <a:buNone/>
             </a:pPr>
             <a:r>
-              <a:rPr b="1" i="0" lang="en-AU" sz="1200" u="none" cap="none" strike="noStrike">
+              <a:rPr lang="en-AU" sz="1200" b="1" i="0" u="none" strike="noStrike" cap="none">
                 <a:solidFill>
                   <a:schemeClr val="lt1"/>
                 </a:solidFill>
@@ -5259,7 +5274,7 @@
               </a:rPr>
               <a:t>H</a:t>
             </a:r>
-            <a:endParaRPr b="0" i="0" sz="1400" u="none" cap="none" strike="noStrike">
+            <a:endParaRPr sz="1400" b="0" i="0" u="none" strike="noStrike" cap="none">
               <a:solidFill>
                 <a:srgbClr val="000000"/>
               </a:solidFill>
@@ -5284,7 +5299,7 @@
           </a:xfrm>
           <a:prstGeom prst="chevron">
             <a:avLst>
-              <a:gd fmla="val 50000" name="adj"/>
+              <a:gd name="adj" fmla="val 50000"/>
             </a:avLst>
           </a:prstGeom>
           <a:solidFill>
@@ -5295,12 +5310,12 @@
           </a:ln>
         </p:spPr>
         <p:txBody>
-          <a:bodyPr anchorCtr="0" anchor="ctr" bIns="45700" lIns="91425" spcFirstLastPara="1" rIns="91425" wrap="square" tIns="45700">
+          <a:bodyPr spcFirstLastPara="1" wrap="square" lIns="91425" tIns="45700" rIns="91425" bIns="45700" anchor="ctr" anchorCtr="0">
             <a:noAutofit/>
           </a:bodyPr>
           <a:lstStyle/>
           <a:p>
-            <a:pPr indent="0" lvl="0" marL="0" marR="0" rtl="0" algn="ctr">
+            <a:pPr marL="0" marR="0" lvl="0" indent="0" algn="ctr" rtl="0">
               <a:lnSpc>
                 <a:spcPct val="100000"/>
               </a:lnSpc>
@@ -5318,7 +5333,7 @@
               <a:buNone/>
             </a:pPr>
             <a:r>
-              <a:rPr b="1" i="0" lang="en-AU" sz="1200" u="none" cap="none" strike="noStrike">
+              <a:rPr lang="en-AU" sz="1200" b="1" i="0" u="none" strike="noStrike" cap="none">
                 <a:solidFill>
                   <a:schemeClr val="lt1"/>
                 </a:solidFill>
@@ -5329,7 +5344,7 @@
               </a:rPr>
               <a:t>D</a:t>
             </a:r>
-            <a:endParaRPr b="0" i="0" sz="1400" u="none" cap="none" strike="noStrike">
+            <a:endParaRPr sz="1400" b="0" i="0" u="none" strike="noStrike" cap="none">
               <a:solidFill>
                 <a:srgbClr val="000000"/>
               </a:solidFill>
@@ -5354,7 +5369,7 @@
           </a:xfrm>
           <a:prstGeom prst="chevron">
             <a:avLst>
-              <a:gd fmla="val 50000" name="adj"/>
+              <a:gd name="adj" fmla="val 50000"/>
             </a:avLst>
           </a:prstGeom>
           <a:solidFill>
@@ -5365,12 +5380,12 @@
           </a:ln>
         </p:spPr>
         <p:txBody>
-          <a:bodyPr anchorCtr="0" anchor="ctr" bIns="45700" lIns="91425" spcFirstLastPara="1" rIns="91425" wrap="square" tIns="45700">
+          <a:bodyPr spcFirstLastPara="1" wrap="square" lIns="91425" tIns="45700" rIns="91425" bIns="45700" anchor="ctr" anchorCtr="0">
             <a:noAutofit/>
           </a:bodyPr>
           <a:lstStyle/>
           <a:p>
-            <a:pPr indent="0" lvl="0" marL="0" marR="0" rtl="0" algn="ctr">
+            <a:pPr marL="0" marR="0" lvl="0" indent="0" algn="ctr" rtl="0">
               <a:lnSpc>
                 <a:spcPct val="100000"/>
               </a:lnSpc>
@@ -5388,7 +5403,7 @@
               <a:buNone/>
             </a:pPr>
             <a:r>
-              <a:rPr b="1" i="0" lang="en-AU" sz="1200" u="none" cap="none" strike="noStrike">
+              <a:rPr lang="en-AU" sz="1200" b="1" i="0" u="none" strike="noStrike" cap="none">
                 <a:solidFill>
                   <a:schemeClr val="lt1"/>
                 </a:solidFill>
@@ -5399,7 +5414,7 @@
               </a:rPr>
               <a:t>E</a:t>
             </a:r>
-            <a:endParaRPr b="0" i="0" sz="1400" u="none" cap="none" strike="noStrike">
+            <a:endParaRPr sz="1400" b="0" i="0" u="none" strike="noStrike" cap="none">
               <a:solidFill>
                 <a:srgbClr val="000000"/>
               </a:solidFill>
@@ -5424,7 +5439,7 @@
           </a:xfrm>
           <a:prstGeom prst="chevron">
             <a:avLst>
-              <a:gd fmla="val 50000" name="adj"/>
+              <a:gd name="adj" fmla="val 50000"/>
             </a:avLst>
           </a:prstGeom>
           <a:solidFill>
@@ -5435,12 +5450,12 @@
           </a:ln>
         </p:spPr>
         <p:txBody>
-          <a:bodyPr anchorCtr="0" anchor="ctr" bIns="45700" lIns="91425" spcFirstLastPara="1" rIns="91425" wrap="square" tIns="45700">
+          <a:bodyPr spcFirstLastPara="1" wrap="square" lIns="91425" tIns="45700" rIns="91425" bIns="45700" anchor="ctr" anchorCtr="0">
             <a:noAutofit/>
           </a:bodyPr>
           <a:lstStyle/>
           <a:p>
-            <a:pPr indent="0" lvl="0" marL="0" marR="0" rtl="0" algn="ctr">
+            <a:pPr marL="0" marR="0" lvl="0" indent="0" algn="ctr" rtl="0">
               <a:lnSpc>
                 <a:spcPct val="100000"/>
               </a:lnSpc>
@@ -5458,7 +5473,7 @@
               <a:buNone/>
             </a:pPr>
             <a:r>
-              <a:rPr b="1" i="0" lang="en-AU" sz="1200" u="none" cap="none" strike="noStrike">
+              <a:rPr lang="en-AU" sz="1200" b="1" i="0" u="none" strike="noStrike" cap="none">
                 <a:solidFill>
                   <a:schemeClr val="lt1"/>
                 </a:solidFill>
@@ -5469,7 +5484,7 @@
               </a:rPr>
               <a:t>I</a:t>
             </a:r>
-            <a:endParaRPr b="0" i="0" sz="1400" u="none" cap="none" strike="noStrike">
+            <a:endParaRPr sz="1400" b="0" i="0" u="none" strike="noStrike" cap="none">
               <a:solidFill>
                 <a:srgbClr val="000000"/>
               </a:solidFill>
@@ -5494,7 +5509,7 @@
           </a:xfrm>
           <a:prstGeom prst="chevron">
             <a:avLst>
-              <a:gd fmla="val 50000" name="adj"/>
+              <a:gd name="adj" fmla="val 50000"/>
             </a:avLst>
           </a:prstGeom>
           <a:solidFill>
@@ -5505,12 +5520,12 @@
           </a:ln>
         </p:spPr>
         <p:txBody>
-          <a:bodyPr anchorCtr="0" anchor="ctr" bIns="45700" lIns="91425" spcFirstLastPara="1" rIns="91425" wrap="square" tIns="45700">
+          <a:bodyPr spcFirstLastPara="1" wrap="square" lIns="91425" tIns="45700" rIns="91425" bIns="45700" anchor="ctr" anchorCtr="0">
             <a:noAutofit/>
           </a:bodyPr>
           <a:lstStyle/>
           <a:p>
-            <a:pPr indent="0" lvl="0" marL="0" marR="0" rtl="0" algn="ctr">
+            <a:pPr marL="0" marR="0" lvl="0" indent="0" algn="ctr" rtl="0">
               <a:lnSpc>
                 <a:spcPct val="100000"/>
               </a:lnSpc>
@@ -5528,7 +5543,7 @@
               <a:buNone/>
             </a:pPr>
             <a:r>
-              <a:rPr b="1" i="0" lang="en-AU" sz="1200" u="none" cap="none" strike="noStrike">
+              <a:rPr lang="en-AU" sz="1200" b="1" i="0" u="none" strike="noStrike" cap="none">
                 <a:solidFill>
                   <a:schemeClr val="lt1"/>
                 </a:solidFill>
@@ -5539,7 +5554,7 @@
               </a:rPr>
               <a:t>P</a:t>
             </a:r>
-            <a:endParaRPr b="0" i="0" sz="1400" u="none" cap="none" strike="noStrike">
+            <a:endParaRPr sz="1400" b="0" i="0" u="none" strike="noStrike" cap="none">
               <a:solidFill>
                 <a:srgbClr val="000000"/>
               </a:solidFill>
@@ -5564,29 +5579,29 @@
           </a:xfrm>
           <a:prstGeom prst="chevron">
             <a:avLst>
-              <a:gd fmla="val 50000" name="adj"/>
+              <a:gd name="adj" fmla="val 50000"/>
             </a:avLst>
           </a:prstGeom>
           <a:solidFill>
             <a:schemeClr val="accent4"/>
           </a:solidFill>
-          <a:ln cap="flat" cmpd="sng" w="9525">
+          <a:ln w="9525" cap="flat" cmpd="sng">
             <a:solidFill>
               <a:schemeClr val="dk2"/>
             </a:solidFill>
             <a:prstDash val="solid"/>
             <a:round/>
-            <a:headEnd len="sm" w="sm" type="none"/>
-            <a:tailEnd len="sm" w="sm" type="none"/>
+            <a:headEnd type="none" w="sm" len="sm"/>
+            <a:tailEnd type="none" w="sm" len="sm"/>
           </a:ln>
         </p:spPr>
         <p:txBody>
-          <a:bodyPr anchorCtr="0" anchor="ctr" bIns="45700" lIns="91425" spcFirstLastPara="1" rIns="91425" wrap="square" tIns="45700">
+          <a:bodyPr spcFirstLastPara="1" wrap="square" lIns="91425" tIns="45700" rIns="91425" bIns="45700" anchor="ctr" anchorCtr="0">
             <a:noAutofit/>
           </a:bodyPr>
           <a:lstStyle/>
           <a:p>
-            <a:pPr indent="0" lvl="0" marL="0" marR="0" rtl="0" algn="ctr">
+            <a:pPr marL="0" marR="0" lvl="0" indent="0" algn="ctr" rtl="0">
               <a:lnSpc>
                 <a:spcPct val="100000"/>
               </a:lnSpc>
@@ -5604,7 +5619,7 @@
               <a:buNone/>
             </a:pPr>
             <a:r>
-              <a:rPr b="1" i="0" lang="en-AU" sz="1200" u="none" cap="none" strike="noStrike">
+              <a:rPr lang="en-AU" sz="1200" b="1" i="0" u="none" strike="noStrike" cap="none">
                 <a:solidFill>
                   <a:schemeClr val="lt1"/>
                 </a:solidFill>
@@ -5615,7 +5630,7 @@
               </a:rPr>
               <a:t>H</a:t>
             </a:r>
-            <a:endParaRPr b="0" i="0" sz="1400" u="none" cap="none" strike="noStrike">
+            <a:endParaRPr sz="1400" b="0" i="0" u="none" strike="noStrike" cap="none">
               <a:solidFill>
                 <a:srgbClr val="000000"/>
               </a:solidFill>
@@ -5640,8 +5655,8 @@
           </a:xfrm>
           <a:prstGeom prst="wedgeRectCallout">
             <a:avLst>
-              <a:gd fmla="val 53513" name="adj1"/>
-              <a:gd fmla="val 6588" name="adj2"/>
+              <a:gd name="adj1" fmla="val 53513"/>
+              <a:gd name="adj2" fmla="val 6588"/>
             </a:avLst>
           </a:prstGeom>
           <a:solidFill>
@@ -5652,12 +5667,12 @@
           </a:ln>
         </p:spPr>
         <p:txBody>
-          <a:bodyPr anchorCtr="0" anchor="ctr" bIns="45700" lIns="91425" spcFirstLastPara="1" rIns="91425" wrap="square" tIns="45700">
+          <a:bodyPr spcFirstLastPara="1" wrap="square" lIns="91425" tIns="45700" rIns="91425" bIns="45700" anchor="ctr" anchorCtr="0">
             <a:noAutofit/>
           </a:bodyPr>
           <a:lstStyle/>
           <a:p>
-            <a:pPr indent="0" lvl="0" marL="0" marR="0" rtl="0" algn="ctr">
+            <a:pPr marL="0" marR="0" lvl="0" indent="0" algn="ctr" rtl="0">
               <a:lnSpc>
                 <a:spcPct val="100000"/>
               </a:lnSpc>
@@ -5674,10 +5689,7 @@
               <a:buFont typeface="Arial"/>
               <a:buNone/>
             </a:pPr>
-            <a:r>
-              <a:t/>
-            </a:r>
-            <a:endParaRPr b="0" i="0" sz="1800" u="none" cap="none" strike="noStrike">
+            <a:endParaRPr sz="1800" b="0" i="0" u="none" strike="noStrike" cap="none">
               <a:solidFill>
                 <a:schemeClr val="dk1"/>
               </a:solidFill>
@@ -5692,7 +5704,9 @@
       <p:sp>
         <p:nvSpPr>
           <p:cNvPr id="46" name="Google Shape;46;p1"/>
-          <p:cNvSpPr txBox="1"/>
+          <p:cNvSpPr txBox="1">
+            <a:spLocks noGrp="1"/>
+          </p:cNvSpPr>
           <p:nvPr>
             <p:ph type="title"/>
           </p:nvPr>
@@ -5711,12 +5725,12 @@
           </a:ln>
         </p:spPr>
         <p:txBody>
-          <a:bodyPr anchorCtr="0" anchor="t" bIns="0" lIns="0" spcFirstLastPara="1" rIns="0" wrap="square" tIns="0">
+          <a:bodyPr spcFirstLastPara="1" wrap="square" lIns="0" tIns="0" rIns="0" bIns="0" anchor="t" anchorCtr="0">
             <a:noAutofit/>
           </a:bodyPr>
           <a:lstStyle/>
           <a:p>
-            <a:pPr indent="0" lvl="0" marL="0" rtl="0" algn="l">
+            <a:pPr marL="0" lvl="0" indent="0" algn="l" rtl="0">
               <a:lnSpc>
                 <a:spcPct val="100000"/>
               </a:lnSpc>
@@ -5765,12 +5779,12 @@
           </a:ln>
         </p:spPr>
         <p:txBody>
-          <a:bodyPr anchorCtr="0" anchor="t" bIns="45700" lIns="91425" spcFirstLastPara="1" rIns="91425" wrap="square" tIns="45700">
+          <a:bodyPr spcFirstLastPara="1" wrap="square" lIns="91425" tIns="45700" rIns="91425" bIns="45700" anchor="t" anchorCtr="0">
             <a:noAutofit/>
           </a:bodyPr>
           <a:lstStyle/>
           <a:p>
-            <a:pPr indent="0" lvl="0" marL="0" marR="0" rtl="0" algn="l">
+            <a:pPr marL="0" marR="0" lvl="0" indent="0" algn="l" rtl="0">
               <a:lnSpc>
                 <a:spcPct val="100000"/>
               </a:lnSpc>
@@ -5783,7 +5797,7 @@
               <a:buNone/>
             </a:pPr>
             <a:r>
-              <a:rPr b="0" i="0" lang="en-AU" sz="1071" u="none" cap="none" strike="noStrike">
+              <a:rPr lang="en-AU" sz="1071" b="0" i="0" u="none" strike="noStrike" cap="none">
                 <a:solidFill>
                   <a:srgbClr val="000000"/>
                 </a:solidFill>
@@ -5795,11 +5809,11 @@
               <a:t>&lt;</a:t>
             </a:r>
             <a:r>
-              <a:rPr b="1" lang="en-AU" sz="1071"/>
+              <a:rPr lang="en-AU" sz="1071" b="1"/>
               <a:t>Who</a:t>
             </a:r>
             <a:r>
-              <a:rPr b="1" i="0" lang="en-AU" sz="1071" u="none" cap="none" strike="noStrike">
+              <a:rPr lang="en-AU" sz="1071" b="1" i="0" u="none" strike="noStrike" cap="none">
                 <a:solidFill>
                   <a:srgbClr val="000000"/>
                 </a:solidFill>
@@ -5811,11 +5825,11 @@
               <a:t> are the key stakeholders that need to be involved in th</a:t>
             </a:r>
             <a:r>
-              <a:rPr b="1" lang="en-AU" sz="1071"/>
+              <a:rPr lang="en-AU" sz="1071" b="1"/>
               <a:t>is project</a:t>
             </a:r>
             <a:r>
-              <a:rPr b="1" i="0" lang="en-AU" sz="1071" u="none" cap="none" strike="noStrike">
+              <a:rPr lang="en-AU" sz="1071" b="1" i="0" u="none" strike="noStrike" cap="none">
                 <a:solidFill>
                   <a:srgbClr val="000000"/>
                 </a:solidFill>
@@ -5827,11 +5841,11 @@
               <a:t>? </a:t>
             </a:r>
             <a:r>
-              <a:rPr b="1" lang="en-AU" sz="1071"/>
+              <a:rPr lang="en-AU" sz="1071" b="1"/>
               <a:t>Where will you source your data from and who will you present your recommendation to once you have identified a solution?</a:t>
             </a:r>
             <a:r>
-              <a:rPr b="1" i="0" lang="en-AU" sz="1071" u="none" cap="none" strike="noStrike">
+              <a:rPr lang="en-AU" sz="1071" b="1" i="0" u="none" strike="noStrike" cap="none">
                 <a:solidFill>
                   <a:srgbClr val="000000"/>
                 </a:solidFill>
@@ -5842,7 +5856,7 @@
               </a:rPr>
               <a:t>&gt;</a:t>
             </a:r>
-            <a:endParaRPr b="0" i="0" sz="1400" u="none" cap="none" strike="noStrike">
+            <a:endParaRPr sz="1400" b="0" i="0" u="none" strike="noStrike" cap="none">
               <a:solidFill>
                 <a:srgbClr val="000000"/>
               </a:solidFill>
@@ -5874,12 +5888,12 @@
           </a:ln>
         </p:spPr>
         <p:txBody>
-          <a:bodyPr anchorCtr="0" anchor="t" bIns="45700" lIns="91425" spcFirstLastPara="1" rIns="91425" wrap="square" tIns="45700">
+          <a:bodyPr spcFirstLastPara="1" wrap="square" lIns="91425" tIns="45700" rIns="91425" bIns="45700" anchor="t" anchorCtr="0">
             <a:noAutofit/>
           </a:bodyPr>
           <a:lstStyle/>
           <a:p>
-            <a:pPr indent="0" lvl="0" marL="0" marR="0" rtl="0" algn="l">
+            <a:pPr marL="0" marR="0" lvl="0" indent="0" algn="l" rtl="0">
               <a:lnSpc>
                 <a:spcPct val="100000"/>
               </a:lnSpc>
@@ -5897,7 +5911,7 @@
               <a:buNone/>
             </a:pPr>
             <a:r>
-              <a:rPr b="1" i="0" lang="en-AU" sz="1400" u="none" cap="none" strike="noStrike">
+              <a:rPr lang="en-AU" sz="1400" b="1" i="0" u="none" strike="noStrike" cap="none">
                 <a:solidFill>
                   <a:srgbClr val="000000"/>
                 </a:solidFill>
@@ -5909,11 +5923,11 @@
               <a:t>&lt;What is the business problem </a:t>
             </a:r>
             <a:r>
-              <a:rPr b="1" lang="en-AU"/>
+              <a:rPr lang="en-AU" b="1"/>
               <a:t>you</a:t>
             </a:r>
             <a:r>
-              <a:rPr b="1" i="0" lang="en-AU" sz="1400" u="none" cap="none" strike="noStrike">
+              <a:rPr lang="en-AU" sz="1400" b="1" i="0" u="none" strike="noStrike" cap="none">
                 <a:solidFill>
                   <a:srgbClr val="000000"/>
                 </a:solidFill>
@@ -5924,7 +5938,7 @@
               </a:rPr>
               <a:t> are investigating? (Use SMART principles)&gt;</a:t>
             </a:r>
-            <a:endParaRPr b="1" i="0" sz="1400" u="none" cap="none" strike="noStrike">
+            <a:endParaRPr sz="1400" b="1" i="0" u="none" strike="noStrike" cap="none">
               <a:solidFill>
                 <a:srgbClr val="000000"/>
               </a:solidFill>
@@ -5945,7 +5959,7 @@
 </file>
 
 <file path=ppt/theme/theme1.xml><?xml version="1.0" encoding="utf-8"?>
-<a:theme xmlns:a="http://schemas.openxmlformats.org/drawingml/2006/main" xmlns:r="http://schemas.openxmlformats.org/officeDocument/2006/relationships" name="Synergy_CF_YNR002">
+<a:theme xmlns:a="http://schemas.openxmlformats.org/drawingml/2006/main" name="Synergy_CF_YNR002">
   <a:themeElements>
     <a:clrScheme name="Current">
       <a:dk1>
@@ -6220,11 +6234,13 @@
       </a:bgFillStyleLst>
     </a:fmtScheme>
   </a:themeElements>
+  <a:objectDefaults/>
+  <a:extraClrSchemeLst/>
 </a:theme>
 </file>
 
 <file path=ppt/theme/theme2.xml><?xml version="1.0" encoding="utf-8"?>
-<a:theme xmlns:a="http://schemas.openxmlformats.org/drawingml/2006/main" xmlns:r="http://schemas.openxmlformats.org/officeDocument/2006/relationships" name="Office Theme">
+<a:theme xmlns:a="http://schemas.openxmlformats.org/drawingml/2006/main" name="Office Theme">
   <a:themeElements>
     <a:clrScheme name="Office">
       <a:dk1>
@@ -6499,5 +6515,7 @@
       </a:bgFillStyleLst>
     </a:fmtScheme>
   </a:themeElements>
+  <a:objectDefaults/>
+  <a:extraClrSchemeLst/>
 </a:theme>
 </file>